--- a/Spring.pptx
+++ b/Spring.pptx
@@ -10,15 +10,17 @@
   <p:sldIdLst>
     <p:sldId id="256" r:id="rId6"/>
     <p:sldId id="257" r:id="rId7"/>
-    <p:sldId id="331" r:id="rId8"/>
-    <p:sldId id="291" r:id="rId9"/>
-    <p:sldId id="358" r:id="rId10"/>
+    <p:sldId id="367" r:id="rId8"/>
+    <p:sldId id="331" r:id="rId9"/>
+    <p:sldId id="366" r:id="rId10"/>
     <p:sldId id="360" r:id="rId11"/>
-    <p:sldId id="359" r:id="rId12"/>
+    <p:sldId id="368" r:id="rId12"/>
     <p:sldId id="361" r:id="rId13"/>
     <p:sldId id="362" r:id="rId14"/>
-    <p:sldId id="363" r:id="rId15"/>
-    <p:sldId id="345" r:id="rId16"/>
+    <p:sldId id="378" r:id="rId15"/>
+    <p:sldId id="363" r:id="rId16"/>
+    <p:sldId id="379" r:id="rId17"/>
+    <p:sldId id="345" r:id="rId18"/>
   </p:sldIdLst>
   <p:sldSz cx="9144000" cy="6858000" type="screen4x3"/>
   <p:notesSz cx="6858000" cy="9144000"/>
@@ -11600,37 +11602,30 @@
         </p:nvSpPr>
         <p:spPr>
           <a:xfrm>
-            <a:off x="253678" y="950630"/>
-            <a:ext cx="8352928" cy="5616624"/>
+            <a:off x="135255" y="978535"/>
+            <a:ext cx="8687435" cy="5616575"/>
           </a:xfrm>
         </p:spPr>
         <p:txBody>
           <a:bodyPr/>
           <a:lstStyle/>
           <a:p>
-            <a:pPr marL="457200" indent="-457200" algn="l">
+            <a:pPr algn="just">
               <a:buFont typeface="Arial" panose="020B0604020202020204" pitchFamily="34" charset="0"/>
-              <a:buChar char="•"/>
             </a:pPr>
-            <a:endParaRPr lang="en-US" altLang="zh-CN" sz="2800" dirty="0" smtClean="0">
-              <a:sym typeface="+mn-ea"/>
-            </a:endParaRPr>
-          </a:p>
-          <a:p>
-            <a:pPr marL="457200" indent="-457200" algn="l">
-              <a:buFont typeface="Arial" panose="020B0604020202020204" pitchFamily="34" charset="0"/>
-              <a:buChar char="•"/>
-            </a:pPr>
-            <a:endParaRPr lang="en-US" altLang="zh-CN" sz="2800" dirty="0" smtClean="0">
-              <a:sym typeface="+mn-ea"/>
-            </a:endParaRPr>
-          </a:p>
-          <a:p>
-            <a:pPr marL="457200" indent="-457200" algn="l">
-              <a:buFont typeface="Arial" panose="020B0604020202020204" pitchFamily="34" charset="0"/>
-              <a:buChar char="•"/>
-            </a:pPr>
-            <a:endParaRPr lang="en-US" altLang="zh-CN" sz="2800" dirty="0" smtClean="0">
+            <a:r>
+              <a:rPr lang="en-US" altLang="zh-CN" dirty="0" smtClean="0">
+                <a:sym typeface="+mn-ea"/>
+              </a:rPr>
+              <a:t>         </a:t>
+            </a:r>
+            <a:r>
+              <a:rPr lang="zh-CN" altLang="zh-CN" dirty="0" smtClean="0">
+                <a:sym typeface="+mn-ea"/>
+              </a:rPr>
+              <a:t>配置管理、服务治理、断路器、智能路由、微代理、总线控制、全局锁、决策竞选、分布式会话、集群状态管理等。</a:t>
+            </a:r>
+            <a:endParaRPr lang="zh-CN" altLang="zh-CN" dirty="0" smtClean="0">
               <a:sym typeface="+mn-ea"/>
             </a:endParaRPr>
           </a:p>
@@ -11652,91 +11647,743 @@
           </a:p>
         </p:txBody>
       </p:sp>
-      <p:pic>
-        <p:nvPicPr>
-          <p:cNvPr id="2" name="图片 1" descr="spring cloud"/>
-          <p:cNvPicPr>
-            <a:picLocks noChangeAspect="1"/>
-          </p:cNvPicPr>
+      <p:sp>
+        <p:nvSpPr>
+          <p:cNvPr id="3" name="云形 2"/>
+          <p:cNvSpPr/>
           <p:nvPr/>
-        </p:nvPicPr>
-        <p:blipFill>
-          <a:blip r:embed="rId1"/>
-          <a:stretch>
-            <a:fillRect/>
-          </a:stretch>
-        </p:blipFill>
-        <p:spPr>
-          <a:xfrm>
-            <a:off x="135255" y="950595"/>
-            <a:ext cx="8590280" cy="4390390"/>
-          </a:xfrm>
-          <a:prstGeom prst="rect">
+        </p:nvSpPr>
+        <p:spPr>
+          <a:xfrm>
+            <a:off x="3869690" y="3329305"/>
+            <a:ext cx="1276350" cy="914400"/>
+          </a:xfrm>
+          <a:prstGeom prst="cloud">
             <a:avLst/>
           </a:prstGeom>
         </p:spPr>
-      </p:pic>
-      <p:sp>
-        <p:nvSpPr>
-          <p:cNvPr id="3" name="文本框 2"/>
-          <p:cNvSpPr txBox="1"/>
+        <p:style>
+          <a:lnRef idx="2">
+            <a:schemeClr val="accent1">
+              <a:shade val="50000"/>
+            </a:schemeClr>
+          </a:lnRef>
+          <a:fillRef idx="1">
+            <a:schemeClr val="accent1"/>
+          </a:fillRef>
+          <a:effectRef idx="0">
+            <a:schemeClr val="accent1"/>
+          </a:effectRef>
+          <a:fontRef idx="minor">
+            <a:schemeClr val="lt1"/>
+          </a:fontRef>
+        </p:style>
+        <p:txBody>
+          <a:bodyPr rtlCol="0" anchor="ctr"/>
+          <a:p>
+            <a:pPr algn="ctr"/>
+            <a:r>
+              <a:rPr lang="en-US" altLang="zh-CN"/>
+              <a:t>spring cloud</a:t>
+            </a:r>
+            <a:endParaRPr lang="en-US" altLang="zh-CN"/>
+          </a:p>
+        </p:txBody>
+      </p:sp>
+      <p:sp>
+        <p:nvSpPr>
+          <p:cNvPr id="4" name="云形 3"/>
+          <p:cNvSpPr/>
           <p:nvPr/>
         </p:nvSpPr>
         <p:spPr>
           <a:xfrm>
-            <a:off x="2755900" y="5638165"/>
-            <a:ext cx="3979545" cy="368300"/>
-          </a:xfrm>
-          <a:prstGeom prst="rect">
+            <a:off x="2728595" y="2051685"/>
+            <a:ext cx="1276350" cy="914400"/>
+          </a:xfrm>
+          <a:prstGeom prst="cloud">
             <a:avLst/>
           </a:prstGeom>
-          <a:noFill/>
-        </p:spPr>
-        <p:txBody>
-          <a:bodyPr wrap="square" rtlCol="0" anchor="t">
-            <a:spAutoFit/>
-          </a:bodyPr>
-          <a:p>
-            <a:r>
-              <a:rPr lang="zh-CN" altLang="zh-CN" dirty="0">
-                <a:solidFill>
-                  <a:prstClr val="black"/>
-                </a:solidFill>
-                <a:latin typeface="微软雅黑" panose="020B0503020204020204" charset="-122"/>
-                <a:ea typeface="微软雅黑" panose="020B0503020204020204" charset="-122"/>
-              </a:rPr>
-              <a:t>基于</a:t>
-            </a:r>
-            <a:r>
-              <a:rPr lang="en-US" altLang="zh-CN" dirty="0">
-                <a:solidFill>
-                  <a:prstClr val="black"/>
-                </a:solidFill>
-                <a:latin typeface="微软雅黑" panose="020B0503020204020204" charset="-122"/>
-                <a:ea typeface="微软雅黑" panose="020B0503020204020204" charset="-122"/>
-              </a:rPr>
-              <a:t>Spring Cloud</a:t>
-            </a:r>
-            <a:r>
-              <a:rPr lang="zh-CN" altLang="zh-CN" dirty="0">
-                <a:solidFill>
-                  <a:prstClr val="black"/>
-                </a:solidFill>
-                <a:latin typeface="微软雅黑" panose="020B0503020204020204" charset="-122"/>
-                <a:ea typeface="微软雅黑" panose="020B0503020204020204" charset="-122"/>
-              </a:rPr>
-              <a:t>分布式系统架构</a:t>
-            </a:r>
-            <a:endParaRPr lang="zh-CN" altLang="zh-CN" dirty="0">
-              <a:solidFill>
-                <a:prstClr val="black"/>
-              </a:solidFill>
-              <a:latin typeface="微软雅黑" panose="020B0503020204020204" charset="-122"/>
-              <a:ea typeface="微软雅黑" panose="020B0503020204020204" charset="-122"/>
-            </a:endParaRPr>
-          </a:p>
-        </p:txBody>
-      </p:sp>
+        </p:spPr>
+        <p:style>
+          <a:lnRef idx="2">
+            <a:schemeClr val="accent1">
+              <a:shade val="50000"/>
+            </a:schemeClr>
+          </a:lnRef>
+          <a:fillRef idx="1">
+            <a:schemeClr val="accent1"/>
+          </a:fillRef>
+          <a:effectRef idx="0">
+            <a:schemeClr val="accent1"/>
+          </a:effectRef>
+          <a:fontRef idx="minor">
+            <a:schemeClr val="lt1"/>
+          </a:fontRef>
+        </p:style>
+        <p:txBody>
+          <a:bodyPr rtlCol="0" anchor="ctr"/>
+          <a:p>
+            <a:pPr algn="ctr"/>
+            <a:r>
+              <a:rPr lang="en-US" altLang="zh-CN"/>
+              <a:t>spring cloud eureka</a:t>
+            </a:r>
+            <a:endParaRPr lang="en-US" altLang="zh-CN"/>
+          </a:p>
+        </p:txBody>
+      </p:sp>
+      <p:sp>
+        <p:nvSpPr>
+          <p:cNvPr id="5" name="云形 4"/>
+          <p:cNvSpPr/>
+          <p:nvPr/>
+        </p:nvSpPr>
+        <p:spPr>
+          <a:xfrm>
+            <a:off x="1049020" y="2633345"/>
+            <a:ext cx="1415415" cy="914400"/>
+          </a:xfrm>
+          <a:prstGeom prst="cloud">
+            <a:avLst/>
+          </a:prstGeom>
+        </p:spPr>
+        <p:style>
+          <a:lnRef idx="2">
+            <a:schemeClr val="accent1">
+              <a:shade val="50000"/>
+            </a:schemeClr>
+          </a:lnRef>
+          <a:fillRef idx="1">
+            <a:schemeClr val="accent1"/>
+          </a:fillRef>
+          <a:effectRef idx="0">
+            <a:schemeClr val="accent1"/>
+          </a:effectRef>
+          <a:fontRef idx="minor">
+            <a:schemeClr val="lt1"/>
+          </a:fontRef>
+        </p:style>
+        <p:txBody>
+          <a:bodyPr rtlCol="0" anchor="ctr"/>
+          <a:p>
+            <a:pPr algn="ctr"/>
+            <a:r>
+              <a:rPr lang="en-US" altLang="zh-CN"/>
+              <a:t>spring cloud Ribbon</a:t>
+            </a:r>
+            <a:endParaRPr lang="en-US" altLang="zh-CN"/>
+          </a:p>
+        </p:txBody>
+      </p:sp>
+      <p:sp>
+        <p:nvSpPr>
+          <p:cNvPr id="7" name="云形 6"/>
+          <p:cNvSpPr/>
+          <p:nvPr/>
+        </p:nvSpPr>
+        <p:spPr>
+          <a:xfrm>
+            <a:off x="1739265" y="5060315"/>
+            <a:ext cx="1415415" cy="914400"/>
+          </a:xfrm>
+          <a:prstGeom prst="cloud">
+            <a:avLst/>
+          </a:prstGeom>
+        </p:spPr>
+        <p:style>
+          <a:lnRef idx="2">
+            <a:schemeClr val="accent1">
+              <a:shade val="50000"/>
+            </a:schemeClr>
+          </a:lnRef>
+          <a:fillRef idx="1">
+            <a:schemeClr val="accent1"/>
+          </a:fillRef>
+          <a:effectRef idx="0">
+            <a:schemeClr val="accent1"/>
+          </a:effectRef>
+          <a:fontRef idx="minor">
+            <a:schemeClr val="lt1"/>
+          </a:fontRef>
+        </p:style>
+        <p:txBody>
+          <a:bodyPr rtlCol="0" anchor="ctr"/>
+          <a:p>
+            <a:pPr algn="ctr"/>
+            <a:r>
+              <a:rPr lang="en-US" altLang="zh-CN"/>
+              <a:t>spring cloud Hystrix</a:t>
+            </a:r>
+            <a:endParaRPr lang="en-US" altLang="zh-CN"/>
+          </a:p>
+        </p:txBody>
+      </p:sp>
+      <p:sp>
+        <p:nvSpPr>
+          <p:cNvPr id="9" name="云形 8"/>
+          <p:cNvSpPr/>
+          <p:nvPr/>
+        </p:nvSpPr>
+        <p:spPr>
+          <a:xfrm>
+            <a:off x="4917440" y="2051685"/>
+            <a:ext cx="1415415" cy="914400"/>
+          </a:xfrm>
+          <a:prstGeom prst="cloud">
+            <a:avLst/>
+          </a:prstGeom>
+        </p:spPr>
+        <p:style>
+          <a:lnRef idx="2">
+            <a:schemeClr val="accent1">
+              <a:shade val="50000"/>
+            </a:schemeClr>
+          </a:lnRef>
+          <a:fillRef idx="1">
+            <a:schemeClr val="accent1"/>
+          </a:fillRef>
+          <a:effectRef idx="0">
+            <a:schemeClr val="accent1"/>
+          </a:effectRef>
+          <a:fontRef idx="minor">
+            <a:schemeClr val="lt1"/>
+          </a:fontRef>
+        </p:style>
+        <p:txBody>
+          <a:bodyPr rtlCol="0" anchor="ctr"/>
+          <a:p>
+            <a:pPr algn="ctr"/>
+            <a:r>
+              <a:rPr lang="en-US" altLang="zh-CN"/>
+              <a:t>spring cloud Feign</a:t>
+            </a:r>
+            <a:endParaRPr lang="en-US" altLang="zh-CN"/>
+          </a:p>
+        </p:txBody>
+      </p:sp>
+      <p:sp>
+        <p:nvSpPr>
+          <p:cNvPr id="10" name="云形 9"/>
+          <p:cNvSpPr/>
+          <p:nvPr/>
+        </p:nvSpPr>
+        <p:spPr>
+          <a:xfrm>
+            <a:off x="6114415" y="3329305"/>
+            <a:ext cx="1415415" cy="914400"/>
+          </a:xfrm>
+          <a:prstGeom prst="cloud">
+            <a:avLst/>
+          </a:prstGeom>
+        </p:spPr>
+        <p:style>
+          <a:lnRef idx="2">
+            <a:schemeClr val="accent1">
+              <a:shade val="50000"/>
+            </a:schemeClr>
+          </a:lnRef>
+          <a:fillRef idx="1">
+            <a:schemeClr val="accent1"/>
+          </a:fillRef>
+          <a:effectRef idx="0">
+            <a:schemeClr val="accent1"/>
+          </a:effectRef>
+          <a:fontRef idx="minor">
+            <a:schemeClr val="lt1"/>
+          </a:fontRef>
+        </p:style>
+        <p:txBody>
+          <a:bodyPr rtlCol="0" anchor="ctr"/>
+          <a:p>
+            <a:pPr algn="ctr"/>
+            <a:r>
+              <a:rPr lang="en-US" altLang="zh-CN"/>
+              <a:t>spring cloud Zuul</a:t>
+            </a:r>
+            <a:endParaRPr lang="en-US" altLang="zh-CN"/>
+          </a:p>
+        </p:txBody>
+      </p:sp>
+      <p:sp>
+        <p:nvSpPr>
+          <p:cNvPr id="11" name="云形 10"/>
+          <p:cNvSpPr/>
+          <p:nvPr/>
+        </p:nvSpPr>
+        <p:spPr>
+          <a:xfrm>
+            <a:off x="6211570" y="5060315"/>
+            <a:ext cx="1415415" cy="914400"/>
+          </a:xfrm>
+          <a:prstGeom prst="cloud">
+            <a:avLst/>
+          </a:prstGeom>
+        </p:spPr>
+        <p:style>
+          <a:lnRef idx="2">
+            <a:schemeClr val="accent1">
+              <a:shade val="50000"/>
+            </a:schemeClr>
+          </a:lnRef>
+          <a:fillRef idx="1">
+            <a:schemeClr val="accent1"/>
+          </a:fillRef>
+          <a:effectRef idx="0">
+            <a:schemeClr val="accent1"/>
+          </a:effectRef>
+          <a:fontRef idx="minor">
+            <a:schemeClr val="lt1"/>
+          </a:fontRef>
+        </p:style>
+        <p:txBody>
+          <a:bodyPr rtlCol="0" anchor="ctr"/>
+          <a:p>
+            <a:pPr algn="ctr"/>
+            <a:r>
+              <a:rPr lang="en-US" altLang="zh-CN"/>
+              <a:t>spring cloud Config</a:t>
+            </a:r>
+            <a:endParaRPr lang="en-US" altLang="zh-CN"/>
+          </a:p>
+        </p:txBody>
+      </p:sp>
+      <p:sp>
+        <p:nvSpPr>
+          <p:cNvPr id="12" name="云形 11"/>
+          <p:cNvSpPr/>
+          <p:nvPr/>
+        </p:nvSpPr>
+        <p:spPr>
+          <a:xfrm>
+            <a:off x="3502025" y="5466080"/>
+            <a:ext cx="1415415" cy="914400"/>
+          </a:xfrm>
+          <a:prstGeom prst="cloud">
+            <a:avLst/>
+          </a:prstGeom>
+        </p:spPr>
+        <p:style>
+          <a:lnRef idx="2">
+            <a:schemeClr val="accent1">
+              <a:shade val="50000"/>
+            </a:schemeClr>
+          </a:lnRef>
+          <a:fillRef idx="1">
+            <a:schemeClr val="accent1"/>
+          </a:fillRef>
+          <a:effectRef idx="0">
+            <a:schemeClr val="accent1"/>
+          </a:effectRef>
+          <a:fontRef idx="minor">
+            <a:schemeClr val="lt1"/>
+          </a:fontRef>
+        </p:style>
+        <p:txBody>
+          <a:bodyPr rtlCol="0" anchor="ctr"/>
+          <a:p>
+            <a:pPr algn="ctr"/>
+            <a:r>
+              <a:rPr lang="en-US" altLang="zh-CN"/>
+              <a:t>spring cloud Bus</a:t>
+            </a:r>
+            <a:endParaRPr lang="en-US" altLang="zh-CN"/>
+          </a:p>
+        </p:txBody>
+      </p:sp>
+      <p:sp>
+        <p:nvSpPr>
+          <p:cNvPr id="13" name="云形 12"/>
+          <p:cNvSpPr/>
+          <p:nvPr/>
+        </p:nvSpPr>
+        <p:spPr>
+          <a:xfrm>
+            <a:off x="4699000" y="4529455"/>
+            <a:ext cx="1415415" cy="914400"/>
+          </a:xfrm>
+          <a:prstGeom prst="cloud">
+            <a:avLst/>
+          </a:prstGeom>
+        </p:spPr>
+        <p:style>
+          <a:lnRef idx="2">
+            <a:schemeClr val="accent1">
+              <a:shade val="50000"/>
+            </a:schemeClr>
+          </a:lnRef>
+          <a:fillRef idx="1">
+            <a:schemeClr val="accent1"/>
+          </a:fillRef>
+          <a:effectRef idx="0">
+            <a:schemeClr val="accent1"/>
+          </a:effectRef>
+          <a:fontRef idx="minor">
+            <a:schemeClr val="lt1"/>
+          </a:fontRef>
+        </p:style>
+        <p:txBody>
+          <a:bodyPr rtlCol="0" anchor="ctr"/>
+          <a:p>
+            <a:pPr algn="ctr"/>
+            <a:r>
+              <a:rPr lang="en-US" altLang="zh-CN"/>
+              <a:t>spring cloud Stream</a:t>
+            </a:r>
+            <a:endParaRPr lang="en-US" altLang="zh-CN"/>
+          </a:p>
+        </p:txBody>
+      </p:sp>
+      <p:sp>
+        <p:nvSpPr>
+          <p:cNvPr id="14" name="云形 13"/>
+          <p:cNvSpPr/>
+          <p:nvPr/>
+        </p:nvSpPr>
+        <p:spPr>
+          <a:xfrm>
+            <a:off x="2086610" y="3615055"/>
+            <a:ext cx="1415415" cy="914400"/>
+          </a:xfrm>
+          <a:prstGeom prst="cloud">
+            <a:avLst/>
+          </a:prstGeom>
+        </p:spPr>
+        <p:style>
+          <a:lnRef idx="2">
+            <a:schemeClr val="accent1">
+              <a:shade val="50000"/>
+            </a:schemeClr>
+          </a:lnRef>
+          <a:fillRef idx="1">
+            <a:schemeClr val="accent1"/>
+          </a:fillRef>
+          <a:effectRef idx="0">
+            <a:schemeClr val="accent1"/>
+          </a:effectRef>
+          <a:fontRef idx="minor">
+            <a:schemeClr val="lt1"/>
+          </a:fontRef>
+        </p:style>
+        <p:txBody>
+          <a:bodyPr rtlCol="0" anchor="ctr"/>
+          <a:p>
+            <a:pPr algn="ctr"/>
+            <a:r>
+              <a:rPr lang="en-US" altLang="zh-CN"/>
+              <a:t>spring cloud Sleuth</a:t>
+            </a:r>
+            <a:endParaRPr lang="en-US" altLang="zh-CN"/>
+          </a:p>
+        </p:txBody>
+      </p:sp>
+      <p:cxnSp>
+        <p:nvCxnSpPr>
+          <p:cNvPr id="16" name="直接箭头连接符 15"/>
+          <p:cNvCxnSpPr/>
+          <p:nvPr/>
+        </p:nvCxnSpPr>
+        <p:spPr>
+          <a:xfrm flipH="1" flipV="1">
+            <a:off x="3767455" y="2826385"/>
+            <a:ext cx="527685" cy="528320"/>
+          </a:xfrm>
+          <a:prstGeom prst="straightConnector1">
+            <a:avLst/>
+          </a:prstGeom>
+          <a:ln>
+            <a:tailEnd type="arrow" w="med" len="med"/>
+          </a:ln>
+        </p:spPr>
+        <p:style>
+          <a:lnRef idx="1">
+            <a:schemeClr val="accent2"/>
+          </a:lnRef>
+          <a:fillRef idx="0">
+            <a:schemeClr val="accent2"/>
+          </a:fillRef>
+          <a:effectRef idx="0">
+            <a:schemeClr val="accent2"/>
+          </a:effectRef>
+          <a:fontRef idx="minor">
+            <a:schemeClr val="tx1"/>
+          </a:fontRef>
+        </p:style>
+      </p:cxnSp>
+      <p:cxnSp>
+        <p:nvCxnSpPr>
+          <p:cNvPr id="17" name="直接箭头连接符 16"/>
+          <p:cNvCxnSpPr>
+            <a:endCxn id="5" idx="0"/>
+          </p:cNvCxnSpPr>
+          <p:nvPr/>
+        </p:nvCxnSpPr>
+        <p:spPr>
+          <a:xfrm flipH="1" flipV="1">
+            <a:off x="2463165" y="3090545"/>
+            <a:ext cx="1474470" cy="483870"/>
+          </a:xfrm>
+          <a:prstGeom prst="straightConnector1">
+            <a:avLst/>
+          </a:prstGeom>
+          <a:ln>
+            <a:tailEnd type="arrow" w="med" len="med"/>
+          </a:ln>
+        </p:spPr>
+        <p:style>
+          <a:lnRef idx="1">
+            <a:schemeClr val="accent2"/>
+          </a:lnRef>
+          <a:fillRef idx="0">
+            <a:schemeClr val="accent2"/>
+          </a:fillRef>
+          <a:effectRef idx="0">
+            <a:schemeClr val="accent2"/>
+          </a:effectRef>
+          <a:fontRef idx="minor">
+            <a:schemeClr val="tx1"/>
+          </a:fontRef>
+        </p:style>
+      </p:cxnSp>
+      <p:cxnSp>
+        <p:nvCxnSpPr>
+          <p:cNvPr id="18" name="直接箭头连接符 17"/>
+          <p:cNvCxnSpPr>
+            <a:endCxn id="14" idx="0"/>
+          </p:cNvCxnSpPr>
+          <p:nvPr/>
+        </p:nvCxnSpPr>
+        <p:spPr>
+          <a:xfrm flipH="1">
+            <a:off x="3500755" y="3936365"/>
+            <a:ext cx="381635" cy="135890"/>
+          </a:xfrm>
+          <a:prstGeom prst="straightConnector1">
+            <a:avLst/>
+          </a:prstGeom>
+          <a:ln>
+            <a:tailEnd type="arrow" w="med" len="med"/>
+          </a:ln>
+        </p:spPr>
+        <p:style>
+          <a:lnRef idx="1">
+            <a:schemeClr val="accent2"/>
+          </a:lnRef>
+          <a:fillRef idx="0">
+            <a:schemeClr val="accent2"/>
+          </a:fillRef>
+          <a:effectRef idx="0">
+            <a:schemeClr val="accent2"/>
+          </a:effectRef>
+          <a:fontRef idx="minor">
+            <a:schemeClr val="tx1"/>
+          </a:fontRef>
+        </p:style>
+      </p:cxnSp>
+      <p:cxnSp>
+        <p:nvCxnSpPr>
+          <p:cNvPr id="19" name="直接箭头连接符 18"/>
+          <p:cNvCxnSpPr/>
+          <p:nvPr/>
+        </p:nvCxnSpPr>
+        <p:spPr>
+          <a:xfrm flipH="1">
+            <a:off x="3159125" y="4214495"/>
+            <a:ext cx="1042670" cy="1043305"/>
+          </a:xfrm>
+          <a:prstGeom prst="straightConnector1">
+            <a:avLst/>
+          </a:prstGeom>
+          <a:ln>
+            <a:tailEnd type="arrow" w="med" len="med"/>
+          </a:ln>
+        </p:spPr>
+        <p:style>
+          <a:lnRef idx="1">
+            <a:schemeClr val="accent2"/>
+          </a:lnRef>
+          <a:fillRef idx="0">
+            <a:schemeClr val="accent2"/>
+          </a:fillRef>
+          <a:effectRef idx="0">
+            <a:schemeClr val="accent2"/>
+          </a:effectRef>
+          <a:fontRef idx="minor">
+            <a:schemeClr val="tx1"/>
+          </a:fontRef>
+        </p:style>
+      </p:cxnSp>
+      <p:cxnSp>
+        <p:nvCxnSpPr>
+          <p:cNvPr id="20" name="直接箭头连接符 19"/>
+          <p:cNvCxnSpPr>
+            <a:stCxn id="3" idx="1"/>
+          </p:cNvCxnSpPr>
+          <p:nvPr/>
+        </p:nvCxnSpPr>
+        <p:spPr>
+          <a:xfrm flipH="1">
+            <a:off x="4180840" y="4242435"/>
+            <a:ext cx="327025" cy="1223645"/>
+          </a:xfrm>
+          <a:prstGeom prst="straightConnector1">
+            <a:avLst/>
+          </a:prstGeom>
+          <a:ln>
+            <a:tailEnd type="arrow" w="med" len="med"/>
+          </a:ln>
+        </p:spPr>
+        <p:style>
+          <a:lnRef idx="1">
+            <a:schemeClr val="accent2"/>
+          </a:lnRef>
+          <a:fillRef idx="0">
+            <a:schemeClr val="accent2"/>
+          </a:fillRef>
+          <a:effectRef idx="0">
+            <a:schemeClr val="accent2"/>
+          </a:effectRef>
+          <a:fontRef idx="minor">
+            <a:schemeClr val="tx1"/>
+          </a:fontRef>
+        </p:style>
+      </p:cxnSp>
+      <p:cxnSp>
+        <p:nvCxnSpPr>
+          <p:cNvPr id="21" name="直接箭头连接符 20"/>
+          <p:cNvCxnSpPr>
+            <a:endCxn id="13" idx="3"/>
+          </p:cNvCxnSpPr>
+          <p:nvPr/>
+        </p:nvCxnSpPr>
+        <p:spPr>
+          <a:xfrm>
+            <a:off x="4883785" y="4144645"/>
+            <a:ext cx="523240" cy="436880"/>
+          </a:xfrm>
+          <a:prstGeom prst="straightConnector1">
+            <a:avLst/>
+          </a:prstGeom>
+          <a:ln>
+            <a:tailEnd type="arrow" w="med" len="med"/>
+          </a:ln>
+        </p:spPr>
+        <p:style>
+          <a:lnRef idx="1">
+            <a:schemeClr val="accent2"/>
+          </a:lnRef>
+          <a:fillRef idx="0">
+            <a:schemeClr val="accent2"/>
+          </a:fillRef>
+          <a:effectRef idx="0">
+            <a:schemeClr val="accent2"/>
+          </a:effectRef>
+          <a:fontRef idx="minor">
+            <a:schemeClr val="tx1"/>
+          </a:fontRef>
+        </p:style>
+      </p:cxnSp>
+      <p:cxnSp>
+        <p:nvCxnSpPr>
+          <p:cNvPr id="22" name="直接箭头连接符 21"/>
+          <p:cNvCxnSpPr>
+            <a:stCxn id="3" idx="0"/>
+          </p:cNvCxnSpPr>
+          <p:nvPr/>
+        </p:nvCxnSpPr>
+        <p:spPr>
+          <a:xfrm>
+            <a:off x="5144770" y="3786505"/>
+            <a:ext cx="1978660" cy="1142365"/>
+          </a:xfrm>
+          <a:prstGeom prst="straightConnector1">
+            <a:avLst/>
+          </a:prstGeom>
+          <a:ln>
+            <a:tailEnd type="arrow" w="med" len="med"/>
+          </a:ln>
+        </p:spPr>
+        <p:style>
+          <a:lnRef idx="1">
+            <a:schemeClr val="accent2"/>
+          </a:lnRef>
+          <a:fillRef idx="0">
+            <a:schemeClr val="accent2"/>
+          </a:fillRef>
+          <a:effectRef idx="0">
+            <a:schemeClr val="accent2"/>
+          </a:effectRef>
+          <a:fontRef idx="minor">
+            <a:schemeClr val="tx1"/>
+          </a:fontRef>
+        </p:style>
+      </p:cxnSp>
+      <p:cxnSp>
+        <p:nvCxnSpPr>
+          <p:cNvPr id="23" name="直接箭头连接符 22"/>
+          <p:cNvCxnSpPr/>
+          <p:nvPr/>
+        </p:nvCxnSpPr>
+        <p:spPr>
+          <a:xfrm>
+            <a:off x="5120005" y="3546475"/>
+            <a:ext cx="1057275" cy="0"/>
+          </a:xfrm>
+          <a:prstGeom prst="straightConnector1">
+            <a:avLst/>
+          </a:prstGeom>
+          <a:ln>
+            <a:tailEnd type="arrow" w="med" len="med"/>
+          </a:ln>
+        </p:spPr>
+        <p:style>
+          <a:lnRef idx="1">
+            <a:schemeClr val="accent2"/>
+          </a:lnRef>
+          <a:fillRef idx="0">
+            <a:schemeClr val="accent2"/>
+          </a:fillRef>
+          <a:effectRef idx="0">
+            <a:schemeClr val="accent2"/>
+          </a:effectRef>
+          <a:fontRef idx="minor">
+            <a:schemeClr val="tx1"/>
+          </a:fontRef>
+        </p:style>
+      </p:cxnSp>
+      <p:cxnSp>
+        <p:nvCxnSpPr>
+          <p:cNvPr id="24" name="直接箭头连接符 23"/>
+          <p:cNvCxnSpPr/>
+          <p:nvPr/>
+        </p:nvCxnSpPr>
+        <p:spPr>
+          <a:xfrm flipV="1">
+            <a:off x="4730750" y="2921635"/>
+            <a:ext cx="375285" cy="374650"/>
+          </a:xfrm>
+          <a:prstGeom prst="straightConnector1">
+            <a:avLst/>
+          </a:prstGeom>
+          <a:ln>
+            <a:tailEnd type="arrow" w="med" len="med"/>
+          </a:ln>
+        </p:spPr>
+        <p:style>
+          <a:lnRef idx="1">
+            <a:schemeClr val="accent2"/>
+          </a:lnRef>
+          <a:fillRef idx="0">
+            <a:schemeClr val="accent2"/>
+          </a:fillRef>
+          <a:effectRef idx="0">
+            <a:schemeClr val="accent2"/>
+          </a:effectRef>
+          <a:fontRef idx="minor">
+            <a:schemeClr val="tx1"/>
+          </a:fontRef>
+        </p:style>
+      </p:cxnSp>
     </p:spTree>
   </p:cSld>
   <p:clrMapOvr>
@@ -11770,6 +12417,442 @@
           <a:chExt cx="0" cy="0"/>
         </a:xfrm>
       </p:grpSpPr>
+      <p:sp>
+        <p:nvSpPr>
+          <p:cNvPr id="6" name="文本框 5"/>
+          <p:cNvSpPr txBox="1"/>
+          <p:nvPr/>
+        </p:nvSpPr>
+        <p:spPr>
+          <a:xfrm>
+            <a:off x="135257" y="281310"/>
+            <a:ext cx="3632359" cy="460375"/>
+          </a:xfrm>
+          <a:prstGeom prst="rect">
+            <a:avLst/>
+          </a:prstGeom>
+          <a:noFill/>
+        </p:spPr>
+        <p:txBody>
+          <a:bodyPr wrap="square" rtlCol="0" anchor="t">
+            <a:spAutoFit/>
+          </a:bodyPr>
+          <a:lstStyle/>
+          <a:p>
+            <a:r>
+              <a:rPr lang="en-US" altLang="zh-CN" sz="2400" dirty="0">
+                <a:solidFill>
+                  <a:prstClr val="black"/>
+                </a:solidFill>
+                <a:latin typeface="微软雅黑" panose="020B0503020204020204" charset="-122"/>
+                <a:ea typeface="微软雅黑" panose="020B0503020204020204" charset="-122"/>
+              </a:rPr>
+              <a:t>Spring Cloud</a:t>
+            </a:r>
+            <a:endParaRPr lang="zh-CN" altLang="zh-CN" sz="2400" dirty="0">
+              <a:solidFill>
+                <a:prstClr val="black"/>
+              </a:solidFill>
+              <a:latin typeface="微软雅黑" panose="020B0503020204020204" charset="-122"/>
+              <a:ea typeface="微软雅黑" panose="020B0503020204020204" charset="-122"/>
+            </a:endParaRPr>
+          </a:p>
+        </p:txBody>
+      </p:sp>
+      <p:sp>
+        <p:nvSpPr>
+          <p:cNvPr id="8" name="内容占位符 7"/>
+          <p:cNvSpPr>
+            <a:spLocks noGrp="1"/>
+          </p:cNvSpPr>
+          <p:nvPr>
+            <p:ph idx="1"/>
+          </p:nvPr>
+        </p:nvSpPr>
+        <p:spPr>
+          <a:xfrm>
+            <a:off x="253678" y="950630"/>
+            <a:ext cx="8352928" cy="5616624"/>
+          </a:xfrm>
+        </p:spPr>
+        <p:txBody>
+          <a:bodyPr/>
+          <a:lstStyle/>
+          <a:p>
+            <a:pPr marL="457200" indent="-457200" algn="l">
+              <a:buFont typeface="Arial" panose="020B0604020202020204" pitchFamily="34" charset="0"/>
+              <a:buChar char="•"/>
+            </a:pPr>
+            <a:endParaRPr lang="en-US" altLang="zh-CN" sz="2800" dirty="0" smtClean="0">
+              <a:sym typeface="+mn-ea"/>
+            </a:endParaRPr>
+          </a:p>
+          <a:p>
+            <a:pPr marL="457200" indent="-457200" algn="l">
+              <a:buFont typeface="Arial" panose="020B0604020202020204" pitchFamily="34" charset="0"/>
+              <a:buChar char="•"/>
+            </a:pPr>
+            <a:endParaRPr lang="en-US" altLang="zh-CN" sz="2800" dirty="0" smtClean="0">
+              <a:sym typeface="+mn-ea"/>
+            </a:endParaRPr>
+          </a:p>
+          <a:p>
+            <a:pPr marL="457200" indent="-457200" algn="l">
+              <a:buFont typeface="Arial" panose="020B0604020202020204" pitchFamily="34" charset="0"/>
+              <a:buChar char="•"/>
+            </a:pPr>
+            <a:endParaRPr lang="en-US" altLang="zh-CN" sz="2800" dirty="0" smtClean="0">
+              <a:sym typeface="+mn-ea"/>
+            </a:endParaRPr>
+          </a:p>
+          <a:p>
+            <a:pPr algn="l">
+              <a:buNone/>
+            </a:pPr>
+            <a:endParaRPr lang="en-US" altLang="zh-CN" sz="2000" dirty="0" smtClean="0">
+              <a:sym typeface="+mn-ea"/>
+            </a:endParaRPr>
+          </a:p>
+          <a:p>
+            <a:pPr algn="l">
+              <a:buNone/>
+            </a:pPr>
+            <a:endParaRPr lang="en-US" altLang="zh-CN" sz="2000" dirty="0" smtClean="0">
+              <a:sym typeface="+mn-ea"/>
+            </a:endParaRPr>
+          </a:p>
+        </p:txBody>
+      </p:sp>
+      <p:pic>
+        <p:nvPicPr>
+          <p:cNvPr id="2" name="图片 1" descr="spring cloud"/>
+          <p:cNvPicPr>
+            <a:picLocks noChangeAspect="1"/>
+          </p:cNvPicPr>
+          <p:nvPr/>
+        </p:nvPicPr>
+        <p:blipFill>
+          <a:blip r:embed="rId1"/>
+          <a:stretch>
+            <a:fillRect/>
+          </a:stretch>
+        </p:blipFill>
+        <p:spPr>
+          <a:xfrm>
+            <a:off x="135255" y="950595"/>
+            <a:ext cx="8590280" cy="4390390"/>
+          </a:xfrm>
+          <a:prstGeom prst="rect">
+            <a:avLst/>
+          </a:prstGeom>
+        </p:spPr>
+      </p:pic>
+      <p:sp>
+        <p:nvSpPr>
+          <p:cNvPr id="3" name="文本框 2"/>
+          <p:cNvSpPr txBox="1"/>
+          <p:nvPr/>
+        </p:nvSpPr>
+        <p:spPr>
+          <a:xfrm>
+            <a:off x="2755900" y="5638165"/>
+            <a:ext cx="3979545" cy="368300"/>
+          </a:xfrm>
+          <a:prstGeom prst="rect">
+            <a:avLst/>
+          </a:prstGeom>
+          <a:noFill/>
+        </p:spPr>
+        <p:txBody>
+          <a:bodyPr wrap="square" rtlCol="0" anchor="t">
+            <a:spAutoFit/>
+          </a:bodyPr>
+          <a:p>
+            <a:r>
+              <a:rPr lang="zh-CN" altLang="zh-CN" dirty="0">
+                <a:solidFill>
+                  <a:prstClr val="black"/>
+                </a:solidFill>
+                <a:latin typeface="微软雅黑" panose="020B0503020204020204" charset="-122"/>
+                <a:ea typeface="微软雅黑" panose="020B0503020204020204" charset="-122"/>
+              </a:rPr>
+              <a:t>基于</a:t>
+            </a:r>
+            <a:r>
+              <a:rPr lang="en-US" altLang="zh-CN" dirty="0">
+                <a:solidFill>
+                  <a:prstClr val="black"/>
+                </a:solidFill>
+                <a:latin typeface="微软雅黑" panose="020B0503020204020204" charset="-122"/>
+                <a:ea typeface="微软雅黑" panose="020B0503020204020204" charset="-122"/>
+              </a:rPr>
+              <a:t>Spring Cloud</a:t>
+            </a:r>
+            <a:r>
+              <a:rPr lang="zh-CN" altLang="zh-CN" dirty="0">
+                <a:solidFill>
+                  <a:prstClr val="black"/>
+                </a:solidFill>
+                <a:latin typeface="微软雅黑" panose="020B0503020204020204" charset="-122"/>
+                <a:ea typeface="微软雅黑" panose="020B0503020204020204" charset="-122"/>
+              </a:rPr>
+              <a:t>分布式系统架构</a:t>
+            </a:r>
+            <a:endParaRPr lang="zh-CN" altLang="zh-CN" dirty="0">
+              <a:solidFill>
+                <a:prstClr val="black"/>
+              </a:solidFill>
+              <a:latin typeface="微软雅黑" panose="020B0503020204020204" charset="-122"/>
+              <a:ea typeface="微软雅黑" panose="020B0503020204020204" charset="-122"/>
+            </a:endParaRPr>
+          </a:p>
+        </p:txBody>
+      </p:sp>
+    </p:spTree>
+  </p:cSld>
+  <p:clrMapOvr>
+    <a:masterClrMapping/>
+  </p:clrMapOvr>
+  <p:transition advTm="12074"/>
+  <p:timing>
+    <p:tnLst>
+      <p:par>
+        <p:cTn id="1" dur="indefinite" restart="never" nodeType="tmRoot"/>
+      </p:par>
+    </p:tnLst>
+  </p:timing>
+</p:sld>
+</file>
+
+<file path=ppt/slides/slide12.xml><?xml version="1.0" encoding="utf-8"?>
+<p:sld xmlns:a="http://schemas.openxmlformats.org/drawingml/2006/main" xmlns:r="http://schemas.openxmlformats.org/officeDocument/2006/relationships" xmlns:p="http://schemas.openxmlformats.org/presentationml/2006/main">
+  <p:cSld>
+    <p:spTree>
+      <p:nvGrpSpPr>
+        <p:cNvPr id="1" name=""/>
+        <p:cNvGrpSpPr/>
+        <p:nvPr/>
+      </p:nvGrpSpPr>
+      <p:grpSpPr>
+        <a:xfrm>
+          <a:off x="0" y="0"/>
+          <a:ext cx="0" cy="0"/>
+          <a:chOff x="0" y="0"/>
+          <a:chExt cx="0" cy="0"/>
+        </a:xfrm>
+      </p:grpSpPr>
+      <p:sp>
+        <p:nvSpPr>
+          <p:cNvPr id="6" name="文本框 5"/>
+          <p:cNvSpPr txBox="1"/>
+          <p:nvPr/>
+        </p:nvSpPr>
+        <p:spPr>
+          <a:xfrm>
+            <a:off x="135257" y="281310"/>
+            <a:ext cx="3632359" cy="460375"/>
+          </a:xfrm>
+          <a:prstGeom prst="rect">
+            <a:avLst/>
+          </a:prstGeom>
+          <a:noFill/>
+        </p:spPr>
+        <p:txBody>
+          <a:bodyPr wrap="square" rtlCol="0" anchor="t">
+            <a:spAutoFit/>
+          </a:bodyPr>
+          <a:lstStyle/>
+          <a:p>
+            <a:r>
+              <a:rPr lang="zh-CN" altLang="zh-CN" sz="2400" dirty="0">
+                <a:solidFill>
+                  <a:prstClr val="black"/>
+                </a:solidFill>
+                <a:latin typeface="微软雅黑" panose="020B0503020204020204" charset="-122"/>
+                <a:ea typeface="微软雅黑" panose="020B0503020204020204" charset="-122"/>
+              </a:rPr>
+              <a:t>总结</a:t>
+            </a:r>
+            <a:endParaRPr lang="zh-CN" altLang="zh-CN" sz="2400" dirty="0">
+              <a:solidFill>
+                <a:prstClr val="black"/>
+              </a:solidFill>
+              <a:latin typeface="微软雅黑" panose="020B0503020204020204" charset="-122"/>
+              <a:ea typeface="微软雅黑" panose="020B0503020204020204" charset="-122"/>
+            </a:endParaRPr>
+          </a:p>
+        </p:txBody>
+      </p:sp>
+      <p:sp>
+        <p:nvSpPr>
+          <p:cNvPr id="8" name="内容占位符 7"/>
+          <p:cNvSpPr>
+            <a:spLocks noGrp="1"/>
+          </p:cNvSpPr>
+          <p:nvPr>
+            <p:ph idx="1"/>
+          </p:nvPr>
+        </p:nvSpPr>
+        <p:spPr>
+          <a:xfrm>
+            <a:off x="443230" y="1020445"/>
+            <a:ext cx="7421245" cy="3794125"/>
+          </a:xfrm>
+        </p:spPr>
+        <p:txBody>
+          <a:bodyPr/>
+          <a:lstStyle/>
+          <a:p>
+            <a:pPr marL="457200" indent="-457200" algn="just">
+              <a:buFont typeface="Wingdings" panose="05000000000000000000" charset="0"/>
+              <a:buChar char=""/>
+            </a:pPr>
+            <a:r>
+              <a:rPr lang="en-US" altLang="zh-CN" dirty="0" smtClean="0">
+                <a:sym typeface="+mn-ea"/>
+              </a:rPr>
+              <a:t>Spring MVC</a:t>
+            </a:r>
+            <a:r>
+              <a:rPr lang="zh-CN" altLang="zh-CN" dirty="0" smtClean="0">
+                <a:sym typeface="+mn-ea"/>
+              </a:rPr>
+              <a:t>：基于Java的实现了Web MVC架构模式的请求驱动类型的轻量级Web框架，简化了</a:t>
+            </a:r>
+            <a:r>
+              <a:rPr lang="en-US" altLang="zh-CN" dirty="0" smtClean="0">
+                <a:sym typeface="+mn-ea"/>
+              </a:rPr>
+              <a:t>WEB</a:t>
+            </a:r>
+            <a:r>
+              <a:rPr lang="zh-CN" altLang="en-US" dirty="0" smtClean="0">
+                <a:sym typeface="+mn-ea"/>
+              </a:rPr>
+              <a:t>应用的开发</a:t>
+            </a:r>
+            <a:endParaRPr lang="zh-CN" altLang="en-US" dirty="0" smtClean="0">
+              <a:sym typeface="+mn-ea"/>
+            </a:endParaRPr>
+          </a:p>
+          <a:p>
+            <a:pPr marL="457200" indent="-457200" algn="just">
+              <a:buFont typeface="Wingdings" panose="05000000000000000000" charset="0"/>
+              <a:buChar char=""/>
+            </a:pPr>
+            <a:r>
+              <a:rPr lang="en-US" altLang="zh-CN" dirty="0" smtClean="0">
+                <a:sym typeface="+mn-ea"/>
+              </a:rPr>
+              <a:t>Spring Boot</a:t>
+            </a:r>
+            <a:r>
+              <a:rPr lang="zh-CN" altLang="en-US" dirty="0" smtClean="0">
+                <a:sym typeface="+mn-ea"/>
+              </a:rPr>
+              <a:t>：通过起步依赖和自动配置简化了</a:t>
+            </a:r>
+            <a:r>
+              <a:rPr lang="en-US" altLang="zh-CN" dirty="0" smtClean="0">
+                <a:sym typeface="+mn-ea"/>
+              </a:rPr>
+              <a:t>Spring</a:t>
+            </a:r>
+            <a:r>
+              <a:rPr lang="zh-CN" altLang="en-US" dirty="0" smtClean="0">
+                <a:sym typeface="+mn-ea"/>
+              </a:rPr>
+              <a:t>应用的开发</a:t>
+            </a:r>
+            <a:endParaRPr lang="zh-CN" altLang="en-US" dirty="0" smtClean="0">
+              <a:sym typeface="+mn-ea"/>
+            </a:endParaRPr>
+          </a:p>
+          <a:p>
+            <a:pPr marL="457200" indent="-457200" algn="just">
+              <a:buFont typeface="Wingdings" panose="05000000000000000000" charset="0"/>
+              <a:buChar char=""/>
+            </a:pPr>
+            <a:r>
+              <a:rPr lang="en-US" altLang="zh-CN" dirty="0" smtClean="0">
+                <a:sym typeface="+mn-ea"/>
+              </a:rPr>
+              <a:t>Spring Cloud</a:t>
+            </a:r>
+            <a:r>
+              <a:rPr lang="zh-CN" altLang="en-US" dirty="0" smtClean="0">
+                <a:sym typeface="+mn-ea"/>
+              </a:rPr>
+              <a:t>：解决微服务架构实施的综合性解决框架、整合其他框架作为基础部件并在此基础上创建了边缘组件，每个微服务构建于</a:t>
+            </a:r>
+            <a:r>
+              <a:rPr lang="en-US" altLang="zh-CN" dirty="0" smtClean="0">
+                <a:sym typeface="+mn-ea"/>
+              </a:rPr>
+              <a:t>Spring Boot</a:t>
+            </a:r>
+            <a:r>
+              <a:rPr lang="zh-CN" altLang="en-US" dirty="0" smtClean="0">
+                <a:sym typeface="+mn-ea"/>
+              </a:rPr>
+              <a:t>之上</a:t>
+            </a:r>
+            <a:endParaRPr lang="zh-CN" altLang="en-US" dirty="0" smtClean="0">
+              <a:sym typeface="+mn-ea"/>
+            </a:endParaRPr>
+          </a:p>
+          <a:p>
+            <a:pPr marL="342900" indent="-342900" algn="l">
+              <a:buFont typeface="Wingdings" panose="05000000000000000000" charset="0"/>
+              <a:buChar char=""/>
+            </a:pPr>
+            <a:endParaRPr lang="en-US" altLang="zh-CN" sz="2000" dirty="0" smtClean="0">
+              <a:sym typeface="+mn-ea"/>
+            </a:endParaRPr>
+          </a:p>
+          <a:p>
+            <a:pPr marL="342900" indent="-342900" algn="l">
+              <a:buNone/>
+            </a:pPr>
+            <a:endParaRPr lang="en-US" altLang="zh-CN" sz="2000" dirty="0" smtClean="0">
+              <a:sym typeface="+mn-ea"/>
+            </a:endParaRPr>
+          </a:p>
+        </p:txBody>
+      </p:sp>
+    </p:spTree>
+  </p:cSld>
+  <p:clrMapOvr>
+    <a:masterClrMapping/>
+  </p:clrMapOvr>
+  <p:transition advTm="12074"/>
+  <p:timing>
+    <p:tnLst>
+      <p:par>
+        <p:cTn id="1" dur="indefinite" restart="never" nodeType="tmRoot"/>
+      </p:par>
+    </p:tnLst>
+  </p:timing>
+</p:sld>
+</file>
+
+<file path=ppt/slides/slide13.xml><?xml version="1.0" encoding="utf-8"?>
+<p:sld xmlns:a="http://schemas.openxmlformats.org/drawingml/2006/main" xmlns:r="http://schemas.openxmlformats.org/officeDocument/2006/relationships" xmlns:p="http://schemas.openxmlformats.org/presentationml/2006/main">
+  <p:cSld>
+    <p:spTree>
+      <p:nvGrpSpPr>
+        <p:cNvPr id="1" name=""/>
+        <p:cNvGrpSpPr/>
+        <p:nvPr/>
+      </p:nvGrpSpPr>
+      <p:grpSpPr>
+        <a:xfrm>
+          <a:off x="0" y="0"/>
+          <a:ext cx="0" cy="0"/>
+          <a:chOff x="0" y="0"/>
+          <a:chExt cx="0" cy="0"/>
+        </a:xfrm>
+      </p:grpSpPr>
       <p:cxnSp>
         <p:nvCxnSpPr>
           <p:cNvPr id="12292" name="直接连接符 8"/>
@@ -12437,8 +13520,8 @@
         </p:nvSpPr>
         <p:spPr>
           <a:xfrm>
-            <a:off x="2531791" y="1641039"/>
-            <a:ext cx="4740164" cy="3367570"/>
+            <a:off x="3007995" y="1694815"/>
+            <a:ext cx="4740275" cy="3199130"/>
           </a:xfrm>
         </p:spPr>
         <p:txBody>
@@ -12449,35 +13532,8 @@
               <a:lnSpc>
                 <a:spcPct val="150000"/>
               </a:lnSpc>
-              <a:buFont typeface="Wingdings" panose="05000000000000000000" pitchFamily="2" charset="2"/>
-              <a:buChar char="ü"/>
-            </a:pPr>
-            <a:r>
-              <a:rPr lang="en-US" altLang="zh-CN" sz="2000" dirty="0" smtClean="0">
-                <a:latin typeface="微软雅黑" panose="020B0503020204020204" charset="-122"/>
-                <a:ea typeface="微软雅黑" panose="020B0503020204020204" charset="-122"/>
-              </a:rPr>
-              <a:t>Spring </a:t>
-            </a:r>
-            <a:r>
-              <a:rPr lang="zh-CN" altLang="en-US" sz="2000" dirty="0" smtClean="0">
-                <a:latin typeface="微软雅黑" panose="020B0503020204020204" charset="-122"/>
-                <a:ea typeface="微软雅黑" panose="020B0503020204020204" charset="-122"/>
-              </a:rPr>
-              <a:t>家族</a:t>
-            </a:r>
-            <a:endParaRPr lang="zh-CN" altLang="en-US" sz="2000" dirty="0" smtClean="0">
-              <a:latin typeface="微软雅黑" panose="020B0503020204020204" charset="-122"/>
-              <a:ea typeface="微软雅黑" panose="020B0503020204020204" charset="-122"/>
-            </a:endParaRPr>
-          </a:p>
-          <a:p>
-            <a:pPr marL="342900" indent="-342900" algn="l">
-              <a:lnSpc>
-                <a:spcPct val="150000"/>
-              </a:lnSpc>
-              <a:buFont typeface="Wingdings" panose="05000000000000000000" pitchFamily="2" charset="2"/>
-              <a:buChar char="ü"/>
+              <a:buFont typeface="Wingdings" panose="05000000000000000000" charset="0"/>
+              <a:buChar char=""/>
             </a:pPr>
             <a:r>
               <a:rPr lang="en-US" altLang="zh-CN" sz="2000" dirty="0" smtClean="0">
@@ -12485,11 +13541,12 @@
                 <a:ea typeface="微软雅黑" panose="020B0503020204020204" charset="-122"/>
                 <a:sym typeface="+mn-ea"/>
               </a:rPr>
-              <a:t>Spring Framework</a:t>
+              <a:t>Spring MVC</a:t>
             </a:r>
             <a:endParaRPr lang="en-US" altLang="zh-CN" sz="2000" dirty="0" smtClean="0">
               <a:latin typeface="微软雅黑" panose="020B0503020204020204" charset="-122"/>
               <a:ea typeface="微软雅黑" panose="020B0503020204020204" charset="-122"/>
+              <a:sym typeface="+mn-ea"/>
             </a:endParaRPr>
           </a:p>
           <a:p>
@@ -12551,6 +13608,202 @@
 </file>
 
 <file path=ppt/slides/slide3.xml><?xml version="1.0" encoding="utf-8"?>
+<p:sld xmlns:a="http://schemas.openxmlformats.org/drawingml/2006/main" xmlns:r="http://schemas.openxmlformats.org/officeDocument/2006/relationships" xmlns:p="http://schemas.openxmlformats.org/presentationml/2006/main">
+  <p:cSld>
+    <p:spTree>
+      <p:nvGrpSpPr>
+        <p:cNvPr id="1" name=""/>
+        <p:cNvGrpSpPr/>
+        <p:nvPr/>
+      </p:nvGrpSpPr>
+      <p:grpSpPr>
+        <a:xfrm>
+          <a:off x="0" y="0"/>
+          <a:ext cx="0" cy="0"/>
+          <a:chOff x="0" y="0"/>
+          <a:chExt cx="0" cy="0"/>
+        </a:xfrm>
+      </p:grpSpPr>
+      <p:sp>
+        <p:nvSpPr>
+          <p:cNvPr id="6" name="文本框 5"/>
+          <p:cNvSpPr txBox="1"/>
+          <p:nvPr/>
+        </p:nvSpPr>
+        <p:spPr>
+          <a:xfrm>
+            <a:off x="135257" y="281310"/>
+            <a:ext cx="3632359" cy="460375"/>
+          </a:xfrm>
+          <a:prstGeom prst="rect">
+            <a:avLst/>
+          </a:prstGeom>
+          <a:noFill/>
+        </p:spPr>
+        <p:txBody>
+          <a:bodyPr wrap="square" rtlCol="0" anchor="t">
+            <a:spAutoFit/>
+          </a:bodyPr>
+          <a:lstStyle/>
+          <a:p>
+            <a:r>
+              <a:rPr lang="en-US" altLang="zh-CN" sz="2400" dirty="0">
+                <a:solidFill>
+                  <a:prstClr val="black"/>
+                </a:solidFill>
+                <a:latin typeface="微软雅黑" panose="020B0503020204020204" charset="-122"/>
+                <a:ea typeface="微软雅黑" panose="020B0503020204020204" charset="-122"/>
+              </a:rPr>
+              <a:t>Spring</a:t>
+            </a:r>
+            <a:endParaRPr lang="zh-CN" altLang="zh-CN" sz="2400" dirty="0">
+              <a:solidFill>
+                <a:prstClr val="black"/>
+              </a:solidFill>
+              <a:latin typeface="微软雅黑" panose="020B0503020204020204" charset="-122"/>
+              <a:ea typeface="微软雅黑" panose="020B0503020204020204" charset="-122"/>
+            </a:endParaRPr>
+          </a:p>
+        </p:txBody>
+      </p:sp>
+      <p:sp>
+        <p:nvSpPr>
+          <p:cNvPr id="8" name="内容占位符 7"/>
+          <p:cNvSpPr>
+            <a:spLocks noGrp="1"/>
+          </p:cNvSpPr>
+          <p:nvPr>
+            <p:ph idx="1"/>
+          </p:nvPr>
+        </p:nvSpPr>
+        <p:spPr>
+          <a:xfrm>
+            <a:off x="443230" y="1020445"/>
+            <a:ext cx="6447790" cy="5616575"/>
+          </a:xfrm>
+        </p:spPr>
+        <p:txBody>
+          <a:bodyPr/>
+          <a:lstStyle/>
+          <a:p>
+            <a:pPr algn="just">
+              <a:buFont typeface="Arial" panose="020B0604020202020204" pitchFamily="34" charset="0"/>
+            </a:pPr>
+            <a:endParaRPr lang="en-US" altLang="zh-CN" sz="2800" dirty="0" smtClean="0">
+              <a:sym typeface="+mn-ea"/>
+            </a:endParaRPr>
+          </a:p>
+          <a:p>
+            <a:pPr algn="l">
+              <a:buNone/>
+            </a:pPr>
+            <a:endParaRPr lang="en-US" altLang="zh-CN" sz="2000" dirty="0" smtClean="0">
+              <a:sym typeface="+mn-ea"/>
+            </a:endParaRPr>
+          </a:p>
+          <a:p>
+            <a:pPr algn="l">
+              <a:buNone/>
+            </a:pPr>
+            <a:endParaRPr lang="en-US" altLang="zh-CN" sz="2000" dirty="0" smtClean="0">
+              <a:sym typeface="+mn-ea"/>
+            </a:endParaRPr>
+          </a:p>
+        </p:txBody>
+      </p:sp>
+      <p:pic>
+        <p:nvPicPr>
+          <p:cNvPr id="2" name="图片 1" descr="spring"/>
+          <p:cNvPicPr>
+            <a:picLocks noChangeAspect="1"/>
+          </p:cNvPicPr>
+          <p:nvPr/>
+        </p:nvPicPr>
+        <p:blipFill>
+          <a:blip r:embed="rId1"/>
+          <a:stretch>
+            <a:fillRect/>
+          </a:stretch>
+        </p:blipFill>
+        <p:spPr>
+          <a:xfrm>
+            <a:off x="862965" y="883285"/>
+            <a:ext cx="6870065" cy="3971925"/>
+          </a:xfrm>
+          <a:prstGeom prst="rect">
+            <a:avLst/>
+          </a:prstGeom>
+        </p:spPr>
+      </p:pic>
+      <p:sp>
+        <p:nvSpPr>
+          <p:cNvPr id="3" name="文本框 2"/>
+          <p:cNvSpPr txBox="1"/>
+          <p:nvPr/>
+        </p:nvSpPr>
+        <p:spPr>
+          <a:xfrm>
+            <a:off x="2819402" y="4929510"/>
+            <a:ext cx="3632359" cy="337185"/>
+          </a:xfrm>
+          <a:prstGeom prst="rect">
+            <a:avLst/>
+          </a:prstGeom>
+          <a:noFill/>
+        </p:spPr>
+        <p:txBody>
+          <a:bodyPr wrap="square" rtlCol="0" anchor="t">
+            <a:spAutoFit/>
+          </a:bodyPr>
+          <a:p>
+            <a:pPr algn="ctr"/>
+            <a:r>
+              <a:rPr lang="en-US" altLang="zh-CN" sz="1600" dirty="0">
+                <a:solidFill>
+                  <a:prstClr val="black"/>
+                </a:solidFill>
+                <a:latin typeface="微软雅黑" panose="020B0503020204020204" charset="-122"/>
+                <a:ea typeface="微软雅黑" panose="020B0503020204020204" charset="-122"/>
+              </a:rPr>
+              <a:t>Spring</a:t>
+            </a:r>
+            <a:r>
+              <a:rPr lang="zh-CN" altLang="en-US" sz="1600" dirty="0">
+                <a:solidFill>
+                  <a:prstClr val="black"/>
+                </a:solidFill>
+                <a:latin typeface="微软雅黑" panose="020B0503020204020204" charset="-122"/>
+                <a:ea typeface="微软雅黑" panose="020B0503020204020204" charset="-122"/>
+              </a:rPr>
+              <a:t>旗下各个顶级项目</a:t>
+            </a:r>
+            <a:endParaRPr lang="zh-CN" altLang="en-US" sz="1600" dirty="0">
+              <a:solidFill>
+                <a:prstClr val="black"/>
+              </a:solidFill>
+              <a:latin typeface="微软雅黑" panose="020B0503020204020204" charset="-122"/>
+              <a:ea typeface="微软雅黑" panose="020B0503020204020204" charset="-122"/>
+            </a:endParaRPr>
+          </a:p>
+        </p:txBody>
+      </p:sp>
+    </p:spTree>
+  </p:cSld>
+  <p:clrMapOvr>
+    <a:masterClrMapping/>
+  </p:clrMapOvr>
+  <p:transition advTm="12074"/>
+  <p:timing>
+    <p:tnLst>
+      <p:par>
+        <p:cTn id="1" dur="indefinite" restart="never" nodeType="tmRoot"/>
+      </p:par>
+    </p:tnLst>
+  </p:timing>
+</p:sld>
+</file>
+
+<file path=ppt/slides/slide4.xml><?xml version="1.0" encoding="utf-8"?>
 <p:sld xmlns:a="http://schemas.openxmlformats.org/drawingml/2006/main" xmlns:r="http://schemas.openxmlformats.org/officeDocument/2006/relationships" xmlns:p="http://schemas.openxmlformats.org/presentationml/2006/main">
   <p:cSld>
     <p:spTree>
@@ -13793,24 +15046,7 @@
                 <a:ea typeface="+mn-ea"/>
                 <a:cs typeface="+mn-cs"/>
               </a:rPr>
-              <a:t>Spring </a:t>
-            </a:r>
-            <a:r>
-              <a:rPr kumimoji="0" lang="zh-CN" altLang="zh-CN" sz="6000" b="0" i="0" u="none" strike="noStrike" kern="1200" cap="none" spc="0" normalizeH="0" baseline="-25000" noProof="0" dirty="0" smtClean="0">
-                <a:ln>
-                  <a:noFill/>
-                </a:ln>
-                <a:solidFill>
-                  <a:srgbClr val="626262"/>
-                </a:solidFill>
-                <a:effectLst/>
-                <a:uLnTx/>
-                <a:uFillTx/>
-                <a:latin typeface="+mn-lt"/>
-                <a:ea typeface="+mn-ea"/>
-                <a:cs typeface="+mn-cs"/>
-              </a:rPr>
-              <a:t>家族</a:t>
+              <a:t>Spring MVC</a:t>
             </a:r>
             <a:endParaRPr kumimoji="0" lang="zh-CN" altLang="zh-CN" sz="6000" b="0" i="0" u="none" strike="noStrike" kern="1200" cap="none" spc="0" normalizeH="0" baseline="-25000" noProof="0" dirty="0" smtClean="0">
               <a:ln>
@@ -13835,276 +15071,6 @@
     <a:masterClrMapping/>
   </p:clrMapOvr>
   <p:transition advTm="1498"/>
-  <p:timing>
-    <p:tnLst>
-      <p:par>
-        <p:cTn id="1" dur="indefinite" restart="never" nodeType="tmRoot"/>
-      </p:par>
-    </p:tnLst>
-  </p:timing>
-</p:sld>
-</file>
-
-<file path=ppt/slides/slide4.xml><?xml version="1.0" encoding="utf-8"?>
-<p:sld xmlns:a="http://schemas.openxmlformats.org/drawingml/2006/main" xmlns:r="http://schemas.openxmlformats.org/officeDocument/2006/relationships" xmlns:p="http://schemas.openxmlformats.org/presentationml/2006/main">
-  <p:cSld>
-    <p:spTree>
-      <p:nvGrpSpPr>
-        <p:cNvPr id="1" name=""/>
-        <p:cNvGrpSpPr/>
-        <p:nvPr/>
-      </p:nvGrpSpPr>
-      <p:grpSpPr>
-        <a:xfrm>
-          <a:off x="0" y="0"/>
-          <a:ext cx="0" cy="0"/>
-          <a:chOff x="0" y="0"/>
-          <a:chExt cx="0" cy="0"/>
-        </a:xfrm>
-      </p:grpSpPr>
-      <p:sp>
-        <p:nvSpPr>
-          <p:cNvPr id="6" name="文本框 5"/>
-          <p:cNvSpPr txBox="1"/>
-          <p:nvPr/>
-        </p:nvSpPr>
-        <p:spPr>
-          <a:xfrm>
-            <a:off x="135257" y="281310"/>
-            <a:ext cx="3632359" cy="460375"/>
-          </a:xfrm>
-          <a:prstGeom prst="rect">
-            <a:avLst/>
-          </a:prstGeom>
-          <a:noFill/>
-        </p:spPr>
-        <p:txBody>
-          <a:bodyPr wrap="square" rtlCol="0" anchor="t">
-            <a:spAutoFit/>
-          </a:bodyPr>
-          <a:lstStyle/>
-          <a:p>
-            <a:r>
-              <a:rPr lang="en-US" altLang="zh-CN" sz="2400" dirty="0">
-                <a:solidFill>
-                  <a:prstClr val="black"/>
-                </a:solidFill>
-                <a:latin typeface="微软雅黑" panose="020B0503020204020204" charset="-122"/>
-                <a:ea typeface="微软雅黑" panose="020B0503020204020204" charset="-122"/>
-              </a:rPr>
-              <a:t>Spring </a:t>
-            </a:r>
-            <a:r>
-              <a:rPr lang="zh-CN" altLang="zh-CN" sz="2400" dirty="0">
-                <a:solidFill>
-                  <a:prstClr val="black"/>
-                </a:solidFill>
-                <a:latin typeface="微软雅黑" panose="020B0503020204020204" charset="-122"/>
-                <a:ea typeface="微软雅黑" panose="020B0503020204020204" charset="-122"/>
-              </a:rPr>
-              <a:t>家族</a:t>
-            </a:r>
-            <a:endParaRPr lang="zh-CN" altLang="zh-CN" sz="2400" dirty="0">
-              <a:solidFill>
-                <a:prstClr val="black"/>
-              </a:solidFill>
-              <a:latin typeface="微软雅黑" panose="020B0503020204020204" charset="-122"/>
-              <a:ea typeface="微软雅黑" panose="020B0503020204020204" charset="-122"/>
-            </a:endParaRPr>
-          </a:p>
-        </p:txBody>
-      </p:sp>
-      <p:sp>
-        <p:nvSpPr>
-          <p:cNvPr id="8" name="内容占位符 7"/>
-          <p:cNvSpPr>
-            <a:spLocks noGrp="1"/>
-          </p:cNvSpPr>
-          <p:nvPr>
-            <p:ph idx="1"/>
-          </p:nvPr>
-        </p:nvSpPr>
-        <p:spPr>
-          <a:xfrm>
-            <a:off x="671508" y="741715"/>
-            <a:ext cx="8352928" cy="5616624"/>
-          </a:xfrm>
-        </p:spPr>
-        <p:txBody>
-          <a:bodyPr/>
-          <a:lstStyle/>
-          <a:p>
-            <a:pPr algn="l">
-              <a:buNone/>
-            </a:pPr>
-            <a:endParaRPr lang="zh-CN" altLang="en-US" sz="2000" dirty="0" smtClean="0">
-              <a:sym typeface="+mn-ea"/>
-            </a:endParaRPr>
-          </a:p>
-          <a:p>
-            <a:pPr algn="l">
-              <a:buNone/>
-            </a:pPr>
-            <a:r>
-              <a:rPr lang="en-US" altLang="zh-CN" sz="2800" dirty="0" smtClean="0">
-                <a:sym typeface="+mn-ea"/>
-              </a:rPr>
-              <a:t>Spring IO Platform</a:t>
-            </a:r>
-            <a:endParaRPr lang="en-US" altLang="zh-CN" sz="2800" dirty="0" smtClean="0">
-              <a:sym typeface="+mn-ea"/>
-            </a:endParaRPr>
-          </a:p>
-          <a:p>
-            <a:pPr algn="l">
-              <a:buNone/>
-            </a:pPr>
-            <a:r>
-              <a:rPr lang="en-US" altLang="zh-CN" sz="2800" dirty="0" smtClean="0">
-                <a:sym typeface="+mn-ea"/>
-              </a:rPr>
-              <a:t>Spring Boot</a:t>
-            </a:r>
-            <a:endParaRPr lang="en-US" altLang="zh-CN" sz="2800" dirty="0" smtClean="0">
-              <a:sym typeface="+mn-ea"/>
-            </a:endParaRPr>
-          </a:p>
-          <a:p>
-            <a:pPr algn="l">
-              <a:buNone/>
-            </a:pPr>
-            <a:r>
-              <a:rPr lang="en-US" altLang="zh-CN" sz="2800" dirty="0" smtClean="0">
-                <a:sym typeface="+mn-ea"/>
-              </a:rPr>
-              <a:t>Spring Framework</a:t>
-            </a:r>
-            <a:endParaRPr lang="en-US" altLang="zh-CN" sz="2800" dirty="0" smtClean="0">
-              <a:sym typeface="+mn-ea"/>
-            </a:endParaRPr>
-          </a:p>
-          <a:p>
-            <a:pPr algn="l">
-              <a:buNone/>
-            </a:pPr>
-            <a:r>
-              <a:rPr lang="en-US" altLang="zh-CN" sz="2800" dirty="0" smtClean="0">
-                <a:sym typeface="+mn-ea"/>
-              </a:rPr>
-              <a:t>Spring Cloud Data Flow </a:t>
-            </a:r>
-            <a:endParaRPr lang="en-US" altLang="zh-CN" sz="2800" dirty="0" smtClean="0">
-              <a:sym typeface="+mn-ea"/>
-            </a:endParaRPr>
-          </a:p>
-          <a:p>
-            <a:pPr algn="l">
-              <a:buNone/>
-            </a:pPr>
-            <a:r>
-              <a:rPr lang="en-US" altLang="zh-CN" sz="2800" dirty="0" smtClean="0">
-                <a:sym typeface="+mn-ea"/>
-              </a:rPr>
-              <a:t>Spring Cloud </a:t>
-            </a:r>
-            <a:endParaRPr lang="en-US" altLang="zh-CN" sz="2800" dirty="0" smtClean="0">
-              <a:sym typeface="+mn-ea"/>
-            </a:endParaRPr>
-          </a:p>
-          <a:p>
-            <a:pPr algn="l">
-              <a:buNone/>
-            </a:pPr>
-            <a:r>
-              <a:rPr lang="en-US" altLang="zh-CN" sz="2800" dirty="0" smtClean="0">
-                <a:sym typeface="+mn-ea"/>
-              </a:rPr>
-              <a:t>Spring Data</a:t>
-            </a:r>
-            <a:endParaRPr lang="en-US" altLang="zh-CN" sz="2800" dirty="0" smtClean="0">
-              <a:sym typeface="+mn-ea"/>
-            </a:endParaRPr>
-          </a:p>
-          <a:p>
-            <a:pPr algn="l">
-              <a:buNone/>
-            </a:pPr>
-            <a:r>
-              <a:rPr lang="en-US" altLang="zh-CN" sz="2800" dirty="0" smtClean="0">
-                <a:sym typeface="+mn-ea"/>
-              </a:rPr>
-              <a:t>Spring Integration</a:t>
-            </a:r>
-            <a:endParaRPr lang="en-US" altLang="zh-CN" sz="2800" dirty="0" smtClean="0">
-              <a:sym typeface="+mn-ea"/>
-            </a:endParaRPr>
-          </a:p>
-          <a:p>
-            <a:pPr algn="l">
-              <a:buNone/>
-            </a:pPr>
-            <a:r>
-              <a:rPr lang="en-US" altLang="zh-CN" sz="2800" dirty="0" smtClean="0">
-                <a:sym typeface="+mn-ea"/>
-              </a:rPr>
-              <a:t>Spring Batch</a:t>
-            </a:r>
-            <a:endParaRPr lang="en-US" altLang="zh-CN" sz="2800" dirty="0" smtClean="0">
-              <a:sym typeface="+mn-ea"/>
-            </a:endParaRPr>
-          </a:p>
-          <a:p>
-            <a:pPr algn="l">
-              <a:buNone/>
-            </a:pPr>
-            <a:r>
-              <a:rPr lang="en-US" altLang="zh-CN" sz="2800" dirty="0" smtClean="0">
-                <a:sym typeface="+mn-ea"/>
-              </a:rPr>
-              <a:t>Spring Security</a:t>
-            </a:r>
-            <a:endParaRPr lang="en-US" altLang="zh-CN" sz="2800" dirty="0" smtClean="0">
-              <a:sym typeface="+mn-ea"/>
-            </a:endParaRPr>
-          </a:p>
-          <a:p>
-            <a:pPr algn="l">
-              <a:buNone/>
-            </a:pPr>
-            <a:r>
-              <a:rPr lang="en-US" altLang="zh-CN" sz="2800" dirty="0" smtClean="0">
-                <a:sym typeface="+mn-ea"/>
-              </a:rPr>
-              <a:t>......</a:t>
-            </a:r>
-            <a:endParaRPr lang="en-US" altLang="zh-CN" sz="2800" dirty="0" smtClean="0">
-              <a:sym typeface="+mn-ea"/>
-            </a:endParaRPr>
-          </a:p>
-          <a:p>
-            <a:pPr algn="l">
-              <a:buNone/>
-            </a:pPr>
-            <a:endParaRPr lang="en-US" altLang="zh-CN" sz="2000" dirty="0" smtClean="0">
-              <a:sym typeface="+mn-ea"/>
-            </a:endParaRPr>
-          </a:p>
-          <a:p>
-            <a:pPr algn="l">
-              <a:buNone/>
-            </a:pPr>
-            <a:endParaRPr lang="en-US" altLang="zh-CN" sz="2000" dirty="0" smtClean="0">
-              <a:sym typeface="+mn-ea"/>
-            </a:endParaRPr>
-          </a:p>
-        </p:txBody>
-      </p:sp>
-    </p:spTree>
-  </p:cSld>
-  <p:clrMapOvr>
-    <a:masterClrMapping/>
-  </p:clrMapOvr>
-  <p:transition advTm="12074"/>
   <p:timing>
     <p:tnLst>
       <p:par>
@@ -14162,7 +15128,7 @@
                 <a:latin typeface="微软雅黑" panose="020B0503020204020204" charset="-122"/>
                 <a:ea typeface="微软雅黑" panose="020B0503020204020204" charset="-122"/>
               </a:rPr>
-              <a:t>Spring Framework</a:t>
+              <a:t>Spring MVC</a:t>
             </a:r>
             <a:endParaRPr lang="zh-CN" altLang="zh-CN" sz="2400" dirty="0">
               <a:solidFill>
@@ -14187,119 +15153,16 @@
         <p:spPr>
           <a:xfrm>
             <a:off x="443230" y="1020445"/>
-            <a:ext cx="6447790" cy="5616575"/>
+            <a:ext cx="7839075" cy="5616575"/>
           </a:xfrm>
         </p:spPr>
         <p:txBody>
           <a:bodyPr/>
           <a:lstStyle/>
           <a:p>
-            <a:pPr marL="457200" indent="-457200" algn="just">
+            <a:pPr algn="just">
               <a:buFont typeface="Arial" panose="020B0604020202020204" pitchFamily="34" charset="0"/>
-              <a:buChar char="•"/>
             </a:pPr>
-            <a:r>
-              <a:rPr lang="en-US" altLang="zh-CN" sz="2800" dirty="0" smtClean="0">
-                <a:sym typeface="+mn-ea"/>
-              </a:rPr>
-              <a:t>IOC</a:t>
-            </a:r>
-            <a:endParaRPr lang="en-US" altLang="zh-CN" sz="2800" dirty="0" smtClean="0">
-              <a:sym typeface="+mn-ea"/>
-            </a:endParaRPr>
-          </a:p>
-          <a:p>
-            <a:pPr marL="457200" indent="-457200" algn="just">
-              <a:buFont typeface="Arial" panose="020B0604020202020204" pitchFamily="34" charset="0"/>
-              <a:buChar char="•"/>
-            </a:pPr>
-            <a:r>
-              <a:rPr lang="en-US" altLang="zh-CN" sz="2800" dirty="0" smtClean="0">
-                <a:sym typeface="+mn-ea"/>
-              </a:rPr>
-              <a:t>AOP</a:t>
-            </a:r>
-            <a:endParaRPr lang="en-US" altLang="zh-CN" sz="2800" dirty="0" smtClean="0">
-              <a:sym typeface="+mn-ea"/>
-            </a:endParaRPr>
-          </a:p>
-          <a:p>
-            <a:pPr marL="457200" indent="-457200" algn="just">
-              <a:buFont typeface="Arial" panose="020B0604020202020204" pitchFamily="34" charset="0"/>
-              <a:buChar char="•"/>
-            </a:pPr>
-            <a:r>
-              <a:rPr lang="en-US" altLang="zh-CN" sz="2800" dirty="0" smtClean="0">
-                <a:sym typeface="+mn-ea"/>
-              </a:rPr>
-              <a:t>Spring MVC</a:t>
-            </a:r>
-            <a:r>
-              <a:rPr lang="zh-CN" altLang="en-US" sz="2800" dirty="0" smtClean="0">
-                <a:sym typeface="+mn-ea"/>
-              </a:rPr>
-              <a:t>、</a:t>
-            </a:r>
-            <a:r>
-              <a:rPr lang="en-US" altLang="zh-CN" sz="2800" dirty="0" smtClean="0">
-                <a:sym typeface="+mn-ea"/>
-              </a:rPr>
-              <a:t>Spring WebFlux</a:t>
-            </a:r>
-            <a:endParaRPr lang="en-US" altLang="zh-CN" sz="2800" dirty="0" smtClean="0">
-              <a:sym typeface="+mn-ea"/>
-            </a:endParaRPr>
-          </a:p>
-          <a:p>
-            <a:pPr marL="457200" indent="-457200" algn="just">
-              <a:buFont typeface="Arial" panose="020B0604020202020204" pitchFamily="34" charset="0"/>
-              <a:buChar char="•"/>
-            </a:pPr>
-            <a:r>
-              <a:rPr lang="en-US" altLang="zh-CN" sz="2800" dirty="0" smtClean="0">
-                <a:sym typeface="+mn-ea"/>
-              </a:rPr>
-              <a:t>JDBC</a:t>
-            </a:r>
-            <a:r>
-              <a:rPr lang="zh-CN" altLang="zh-CN" sz="2800" dirty="0" smtClean="0">
-                <a:sym typeface="+mn-ea"/>
-              </a:rPr>
-              <a:t>、</a:t>
-            </a:r>
-            <a:r>
-              <a:rPr lang="en-US" altLang="zh-CN" sz="2800" dirty="0" smtClean="0">
-                <a:sym typeface="+mn-ea"/>
-              </a:rPr>
-              <a:t>JPA</a:t>
-            </a:r>
-            <a:r>
-              <a:rPr lang="zh-CN" altLang="en-US" sz="2800" dirty="0" smtClean="0">
-                <a:sym typeface="+mn-ea"/>
-              </a:rPr>
-              <a:t>、</a:t>
-            </a:r>
-            <a:r>
-              <a:rPr lang="en-US" altLang="zh-CN" sz="2800" dirty="0" smtClean="0">
-                <a:sym typeface="+mn-ea"/>
-              </a:rPr>
-              <a:t>JMS</a:t>
-            </a:r>
-            <a:endParaRPr lang="en-US" altLang="zh-CN" sz="2800" dirty="0" smtClean="0">
-              <a:sym typeface="+mn-ea"/>
-            </a:endParaRPr>
-          </a:p>
-          <a:p>
-            <a:pPr marL="457200" indent="-457200" algn="just">
-              <a:buFont typeface="Arial" panose="020B0604020202020204" pitchFamily="34" charset="0"/>
-              <a:buChar char="•"/>
-            </a:pPr>
-            <a:r>
-              <a:rPr lang="en-US" altLang="zh-CN" sz="2800" dirty="0" smtClean="0">
-                <a:sym typeface="+mn-ea"/>
-              </a:rPr>
-              <a:t>......</a:t>
-            </a:r>
             <a:endParaRPr lang="en-US" altLang="zh-CN" sz="2800" dirty="0" smtClean="0">
               <a:sym typeface="+mn-ea"/>
             </a:endParaRPr>
@@ -14322,16 +15185,40 @@
           </a:p>
         </p:txBody>
       </p:sp>
-      <p:sp>
-        <p:nvSpPr>
-          <p:cNvPr id="2" name="圆角矩形 1"/>
+      <p:pic>
+        <p:nvPicPr>
+          <p:cNvPr id="2" name="图片 1" descr="spring-mvc_archiyecture-2"/>
+          <p:cNvPicPr>
+            <a:picLocks noChangeAspect="1"/>
+          </p:cNvPicPr>
+          <p:nvPr/>
+        </p:nvPicPr>
+        <p:blipFill>
+          <a:blip r:embed="rId1"/>
+          <a:stretch>
+            <a:fillRect/>
+          </a:stretch>
+        </p:blipFill>
+        <p:spPr>
+          <a:xfrm>
+            <a:off x="1818005" y="873760"/>
+            <a:ext cx="5216525" cy="3505200"/>
+          </a:xfrm>
+          <a:prstGeom prst="rect">
+            <a:avLst/>
+          </a:prstGeom>
+        </p:spPr>
+      </p:pic>
+      <p:sp>
+        <p:nvSpPr>
+          <p:cNvPr id="3" name="圆角矩形 2"/>
           <p:cNvSpPr/>
           <p:nvPr/>
         </p:nvSpPr>
         <p:spPr>
           <a:xfrm>
-            <a:off x="443230" y="4224020"/>
-            <a:ext cx="1610360" cy="748030"/>
+            <a:off x="1818005" y="4584065"/>
+            <a:ext cx="5216525" cy="1386840"/>
           </a:xfrm>
           <a:prstGeom prst="roundRect">
             <a:avLst/>
@@ -14339,18 +15226,16 @@
         </p:spPr>
         <p:style>
           <a:lnRef idx="2">
-            <a:schemeClr val="accent1">
-              <a:shade val="50000"/>
-            </a:schemeClr>
+            <a:schemeClr val="accent1"/>
           </a:lnRef>
           <a:fillRef idx="1">
-            <a:schemeClr val="accent1"/>
+            <a:schemeClr val="lt1"/>
           </a:fillRef>
           <a:effectRef idx="0">
             <a:schemeClr val="accent1"/>
           </a:effectRef>
           <a:fontRef idx="minor">
-            <a:schemeClr val="lt1"/>
+            <a:schemeClr val="dk1"/>
           </a:fontRef>
         </p:style>
         <p:txBody>
@@ -14358,184 +15243,42 @@
           <a:p>
             <a:pPr algn="ctr"/>
             <a:r>
-              <a:rPr lang="en-US" altLang="zh-CN" sz="2000"/>
-              <a:t>XML</a:t>
-            </a:r>
-            <a:r>
-              <a:rPr lang="zh-CN" altLang="zh-CN" sz="2000"/>
-              <a:t>配置</a:t>
-            </a:r>
-            <a:endParaRPr lang="zh-CN" altLang="zh-CN" sz="2000"/>
-          </a:p>
-        </p:txBody>
-      </p:sp>
-      <p:cxnSp>
-        <p:nvCxnSpPr>
-          <p:cNvPr id="3" name="直接箭头连接符 2"/>
-          <p:cNvCxnSpPr>
-            <a:stCxn id="2" idx="3"/>
-          </p:cNvCxnSpPr>
-          <p:nvPr/>
-        </p:nvCxnSpPr>
-        <p:spPr>
-          <a:xfrm>
-            <a:off x="2053590" y="4598035"/>
-            <a:ext cx="685800" cy="0"/>
-          </a:xfrm>
-          <a:prstGeom prst="straightConnector1">
-            <a:avLst/>
-          </a:prstGeom>
-          <a:ln>
-            <a:solidFill>
-              <a:schemeClr val="accent2"/>
-            </a:solidFill>
-            <a:tailEnd type="arrow"/>
-          </a:ln>
-        </p:spPr>
-        <p:style>
-          <a:lnRef idx="1">
-            <a:schemeClr val="accent1"/>
-          </a:lnRef>
-          <a:fillRef idx="0">
-            <a:schemeClr val="accent1"/>
-          </a:fillRef>
-          <a:effectRef idx="0">
-            <a:schemeClr val="accent1"/>
-          </a:effectRef>
-          <a:fontRef idx="minor">
-            <a:schemeClr val="tx1"/>
-          </a:fontRef>
-        </p:style>
-      </p:cxnSp>
-      <p:sp>
-        <p:nvSpPr>
-          <p:cNvPr id="4" name="圆角矩形 3"/>
-          <p:cNvSpPr/>
-          <p:nvPr/>
-        </p:nvSpPr>
-        <p:spPr>
-          <a:xfrm>
-            <a:off x="2739390" y="4224020"/>
-            <a:ext cx="1595120" cy="748030"/>
-          </a:xfrm>
-          <a:prstGeom prst="roundRect">
-            <a:avLst/>
-          </a:prstGeom>
-        </p:spPr>
-        <p:style>
-          <a:lnRef idx="2">
-            <a:schemeClr val="accent1">
-              <a:shade val="50000"/>
-            </a:schemeClr>
-          </a:lnRef>
-          <a:fillRef idx="1">
-            <a:schemeClr val="accent1"/>
-          </a:fillRef>
-          <a:effectRef idx="0">
-            <a:schemeClr val="accent1"/>
-          </a:effectRef>
-          <a:fontRef idx="minor">
-            <a:schemeClr val="lt1"/>
-          </a:fontRef>
-        </p:style>
-        <p:txBody>
-          <a:bodyPr rtlCol="0" anchor="ctr"/>
-          <a:p>
-            <a:pPr algn="ctr"/>
-            <a:r>
-              <a:rPr lang="zh-CN" altLang="en-US" sz="2000"/>
-              <a:t>基于注解的组件扫描</a:t>
-            </a:r>
-            <a:endParaRPr lang="zh-CN" altLang="en-US" sz="2000"/>
-          </a:p>
-        </p:txBody>
-      </p:sp>
-      <p:cxnSp>
-        <p:nvCxnSpPr>
-          <p:cNvPr id="5" name="直接箭头连接符 4"/>
-          <p:cNvCxnSpPr>
-            <a:stCxn id="4" idx="3"/>
-          </p:cNvCxnSpPr>
-          <p:nvPr/>
-        </p:nvCxnSpPr>
-        <p:spPr>
-          <a:xfrm>
-            <a:off x="4334510" y="4598035"/>
-            <a:ext cx="782955" cy="0"/>
-          </a:xfrm>
-          <a:prstGeom prst="straightConnector1">
-            <a:avLst/>
-          </a:prstGeom>
-          <a:ln>
-            <a:solidFill>
-              <a:schemeClr val="accent2"/>
-            </a:solidFill>
-            <a:tailEnd type="arrow"/>
-          </a:ln>
-        </p:spPr>
-        <p:style>
-          <a:lnRef idx="1">
-            <a:schemeClr val="accent1"/>
-          </a:lnRef>
-          <a:fillRef idx="0">
-            <a:schemeClr val="accent1"/>
-          </a:fillRef>
-          <a:effectRef idx="0">
-            <a:schemeClr val="accent1"/>
-          </a:effectRef>
-          <a:fontRef idx="minor">
-            <a:schemeClr val="tx1"/>
-          </a:fontRef>
-        </p:style>
-      </p:cxnSp>
-      <p:sp>
-        <p:nvSpPr>
-          <p:cNvPr id="7" name="圆角矩形 6"/>
-          <p:cNvSpPr/>
-          <p:nvPr/>
-        </p:nvSpPr>
-        <p:spPr>
-          <a:xfrm>
-            <a:off x="5117465" y="4224020"/>
-            <a:ext cx="1470660" cy="748030"/>
-          </a:xfrm>
-          <a:prstGeom prst="roundRect">
-            <a:avLst/>
-          </a:prstGeom>
-        </p:spPr>
-        <p:style>
-          <a:lnRef idx="2">
-            <a:schemeClr val="accent1">
-              <a:shade val="50000"/>
-            </a:schemeClr>
-          </a:lnRef>
-          <a:fillRef idx="1">
-            <a:schemeClr val="accent1"/>
-          </a:fillRef>
-          <a:effectRef idx="0">
-            <a:schemeClr val="accent1"/>
-          </a:effectRef>
-          <a:fontRef idx="minor">
-            <a:schemeClr val="lt1"/>
-          </a:fontRef>
-        </p:style>
-        <p:txBody>
-          <a:bodyPr rtlCol="0" anchor="ctr"/>
-          <a:p>
-            <a:pPr algn="ctr"/>
-            <a:r>
-              <a:rPr lang="zh-CN" altLang="zh-CN"/>
-              <a:t>基于</a:t>
+              <a:rPr lang="zh-CN" altLang="en-US"/>
+              <a:t>简化</a:t>
             </a:r>
             <a:r>
               <a:rPr lang="en-US" altLang="zh-CN"/>
-              <a:t>Java</a:t>
+              <a:t>Web</a:t>
             </a:r>
             <a:r>
               <a:rPr lang="zh-CN" altLang="en-US"/>
-              <a:t>的配置</a:t>
-            </a:r>
-            <a:endParaRPr lang="zh-CN" altLang="en-US"/>
+              <a:t>层开发、天生与</a:t>
+            </a:r>
+            <a:r>
+              <a:rPr lang="en-US" altLang="zh-CN"/>
+              <a:t>Spring</a:t>
+            </a:r>
+            <a:r>
+              <a:rPr lang="zh-CN" altLang="en-US"/>
+              <a:t>框架集成、简单的</a:t>
+            </a:r>
+            <a:r>
+              <a:rPr lang="en-US" altLang="zh-CN"/>
+              <a:t>W</a:t>
+            </a:r>
+            <a:r>
+              <a:rPr lang="en-US" altLang="zh-CN"/>
+              <a:t>eb</a:t>
+            </a:r>
+            <a:r>
+              <a:rPr lang="zh-CN" altLang="en-US"/>
+              <a:t>层单元测试、丰富的视图技术集成、灵活的数据绑定机制、简单的异常处理</a:t>
+            </a:r>
+            <a:r>
+              <a:rPr lang="en-US" altLang="zh-CN"/>
+              <a:t>......</a:t>
+            </a:r>
+            <a:endParaRPr lang="en-US" altLang="zh-CN"/>
           </a:p>
         </p:txBody>
       </p:sp>
@@ -15534,7 +16277,7 @@
                 <a:ea typeface="微软雅黑" panose="020B0503020204020204" charset="-122"/>
                 <a:cs typeface="+mn-cs"/>
               </a:rPr>
-              <a:t>01</a:t>
+              <a:t>02</a:t>
             </a:r>
             <a:endParaRPr kumimoji="0" lang="zh-CN" altLang="en-US" sz="7200" b="0" i="0" u="none" strike="noStrike" kern="1200" cap="none" spc="0" normalizeH="0" baseline="0" noProof="0" dirty="0" smtClean="0">
               <a:ln>
@@ -15904,93 +16647,151 @@
         </p:nvSpPr>
         <p:spPr>
           <a:xfrm>
-            <a:off x="253678" y="950630"/>
-            <a:ext cx="8352928" cy="5616624"/>
+            <a:off x="443230" y="1020445"/>
+            <a:ext cx="8200390" cy="5616575"/>
           </a:xfrm>
         </p:spPr>
         <p:txBody>
           <a:bodyPr/>
           <a:lstStyle/>
           <a:p>
-            <a:pPr algn="l">
-              <a:buNone/>
+            <a:pPr marL="342900" indent="-342900" algn="just">
+              <a:buFont typeface="Wingdings" panose="05000000000000000000" charset="0"/>
+              <a:buChar char=""/>
+            </a:pPr>
+            <a:r>
+              <a:rPr lang="zh-CN" altLang="zh-CN" sz="2000" dirty="0" smtClean="0">
+                <a:sym typeface="+mn-ea"/>
+              </a:rPr>
+              <a:t>一个项目结构</a:t>
+            </a:r>
+            <a:endParaRPr lang="zh-CN" altLang="zh-CN" sz="2000" dirty="0" smtClean="0">
+              <a:sym typeface="+mn-ea"/>
+            </a:endParaRPr>
+          </a:p>
+          <a:p>
+            <a:pPr marL="342900" indent="-342900" algn="just">
+              <a:buFont typeface="Wingdings" panose="05000000000000000000" charset="0"/>
+              <a:buChar char=""/>
+            </a:pPr>
+            <a:r>
+              <a:rPr lang="zh-CN" altLang="zh-CN" sz="2000" dirty="0" smtClean="0">
+                <a:sym typeface="+mn-ea"/>
+              </a:rPr>
+              <a:t>一个</a:t>
+            </a:r>
+            <a:r>
+              <a:rPr lang="en-US" altLang="zh-CN" sz="2000" dirty="0" smtClean="0">
+                <a:sym typeface="+mn-ea"/>
+              </a:rPr>
+              <a:t>web.xml</a:t>
+            </a:r>
+            <a:r>
+              <a:rPr lang="zh-CN" altLang="zh-CN" sz="2000" dirty="0" smtClean="0">
+                <a:sym typeface="+mn-ea"/>
+              </a:rPr>
+              <a:t>文件</a:t>
+            </a:r>
+            <a:endParaRPr lang="zh-CN" altLang="zh-CN" sz="2000" dirty="0" smtClean="0">
+              <a:sym typeface="+mn-ea"/>
+            </a:endParaRPr>
+          </a:p>
+          <a:p>
+            <a:pPr marL="342900" indent="-342900" algn="just">
+              <a:buFont typeface="Wingdings" panose="05000000000000000000" charset="0"/>
+              <a:buChar char=""/>
+            </a:pPr>
+            <a:r>
+              <a:rPr lang="zh-CN" altLang="zh-CN" sz="2000" dirty="0" smtClean="0">
+                <a:sym typeface="+mn-ea"/>
+              </a:rPr>
+              <a:t>启用</a:t>
+            </a:r>
+            <a:r>
+              <a:rPr lang="en-US" altLang="zh-CN" sz="2000" dirty="0" smtClean="0">
+                <a:sym typeface="+mn-ea"/>
+              </a:rPr>
+              <a:t>Spring MVC</a:t>
+            </a:r>
+            <a:r>
+              <a:rPr lang="zh-CN" altLang="en-US" sz="2000" dirty="0" smtClean="0">
+                <a:sym typeface="+mn-ea"/>
+              </a:rPr>
+              <a:t>的</a:t>
+            </a:r>
+            <a:r>
+              <a:rPr lang="en-US" altLang="zh-CN" sz="2000" dirty="0" smtClean="0">
+                <a:sym typeface="+mn-ea"/>
+              </a:rPr>
+              <a:t>Spring</a:t>
+            </a:r>
+            <a:r>
+              <a:rPr lang="zh-CN" altLang="en-US" sz="2000" dirty="0" smtClean="0">
+                <a:sym typeface="+mn-ea"/>
+              </a:rPr>
+              <a:t>配置</a:t>
+            </a:r>
+            <a:endParaRPr lang="zh-CN" altLang="en-US" sz="2000" dirty="0" smtClean="0">
+              <a:sym typeface="+mn-ea"/>
+            </a:endParaRPr>
+          </a:p>
+          <a:p>
+            <a:pPr marL="342900" indent="-342900" algn="just">
+              <a:buFont typeface="Wingdings" panose="05000000000000000000" charset="0"/>
+              <a:buChar char=""/>
+            </a:pPr>
+            <a:r>
+              <a:rPr lang="zh-CN" altLang="en-US" sz="2000" dirty="0" smtClean="0">
+                <a:sym typeface="+mn-ea"/>
+              </a:rPr>
+              <a:t>一个控制器类</a:t>
+            </a:r>
+            <a:endParaRPr lang="zh-CN" altLang="en-US" sz="2000" dirty="0" smtClean="0">
+              <a:sym typeface="+mn-ea"/>
+            </a:endParaRPr>
+          </a:p>
+          <a:p>
+            <a:pPr marL="342900" indent="-342900" algn="just">
+              <a:buFont typeface="Wingdings" panose="05000000000000000000" charset="0"/>
+              <a:buChar char=""/>
+            </a:pPr>
+            <a:r>
+              <a:rPr lang="en-US" altLang="zh-CN" sz="2000" dirty="0" smtClean="0">
+                <a:sym typeface="+mn-ea"/>
+              </a:rPr>
+              <a:t>Web</a:t>
+            </a:r>
+            <a:r>
+              <a:rPr lang="zh-CN" altLang="en-US" sz="2000" dirty="0" smtClean="0">
+                <a:sym typeface="+mn-ea"/>
+              </a:rPr>
+              <a:t>应用服务器</a:t>
+            </a:r>
+            <a:endParaRPr lang="zh-CN" altLang="en-US" sz="2000" dirty="0" smtClean="0">
+              <a:sym typeface="+mn-ea"/>
+            </a:endParaRPr>
+          </a:p>
+          <a:p>
+            <a:pPr algn="just">
+              <a:buFont typeface="Wingdings" panose="05000000000000000000" charset="0"/>
             </a:pPr>
             <a:endParaRPr lang="zh-CN" altLang="en-US" sz="2000" dirty="0" smtClean="0">
               <a:sym typeface="+mn-ea"/>
             </a:endParaRPr>
           </a:p>
           <a:p>
-            <a:pPr marL="457200" indent="-457200" algn="l">
-              <a:buFont typeface="Arial" panose="020B0604020202020204" pitchFamily="34" charset="0"/>
-              <a:buChar char="•"/>
+            <a:pPr algn="just">
+              <a:buFont typeface="Wingdings" panose="05000000000000000000" charset="0"/>
             </a:pPr>
-            <a:r>
-              <a:rPr lang="en-US" altLang="zh-CN" sz="2800" dirty="0" smtClean="0">
-                <a:sym typeface="+mn-ea"/>
-              </a:rPr>
-              <a:t>stand-alone </a:t>
-            </a:r>
-            <a:endParaRPr lang="en-US" altLang="zh-CN" sz="2800" dirty="0" smtClean="0">
+            <a:endParaRPr lang="zh-CN" altLang="en-US" sz="2000" dirty="0" smtClean="0">
               <a:sym typeface="+mn-ea"/>
             </a:endParaRPr>
           </a:p>
           <a:p>
-            <a:pPr marL="457200" indent="-457200" algn="l">
-              <a:buFont typeface="Arial" panose="020B0604020202020204" pitchFamily="34" charset="0"/>
-              <a:buChar char="•"/>
+            <a:pPr algn="just">
+              <a:buFont typeface="Wingdings" panose="05000000000000000000" charset="0"/>
             </a:pPr>
-            <a:r>
-              <a:rPr lang="en-US" altLang="zh-CN" sz="2800" dirty="0" smtClean="0">
-                <a:sym typeface="+mn-ea"/>
-              </a:rPr>
-              <a:t>Embed Tomcat, Jetty or Undertow</a:t>
-            </a:r>
-            <a:endParaRPr lang="en-US" altLang="zh-CN" sz="2800" dirty="0" smtClean="0">
-              <a:sym typeface="+mn-ea"/>
-            </a:endParaRPr>
-          </a:p>
-          <a:p>
-            <a:pPr marL="457200" indent="-457200" algn="l">
-              <a:buFont typeface="Arial" panose="020B0604020202020204" pitchFamily="34" charset="0"/>
-              <a:buChar char="•"/>
-            </a:pPr>
-            <a:r>
-              <a:rPr lang="en-US" altLang="zh-CN" sz="2800" dirty="0" smtClean="0">
-                <a:sym typeface="+mn-ea"/>
-              </a:rPr>
-              <a:t>'starter' POMs</a:t>
-            </a:r>
-            <a:endParaRPr lang="en-US" altLang="zh-CN" sz="2800" dirty="0" smtClean="0">
-              <a:sym typeface="+mn-ea"/>
-            </a:endParaRPr>
-          </a:p>
-          <a:p>
-            <a:pPr marL="457200" indent="-457200" algn="l">
-              <a:buFont typeface="Arial" panose="020B0604020202020204" pitchFamily="34" charset="0"/>
-              <a:buChar char="•"/>
-            </a:pPr>
-            <a:r>
-              <a:rPr lang="en-US" altLang="zh-CN" sz="2800" dirty="0" smtClean="0">
-                <a:sym typeface="+mn-ea"/>
-              </a:rPr>
-              <a:t>Automatically configure</a:t>
-            </a:r>
-            <a:endParaRPr lang="en-US" altLang="zh-CN" sz="2800" dirty="0" smtClean="0">
-              <a:sym typeface="+mn-ea"/>
-            </a:endParaRPr>
-          </a:p>
-          <a:p>
-            <a:pPr marL="457200" indent="-457200" algn="l">
-              <a:buFont typeface="Arial" panose="020B0604020202020204" pitchFamily="34" charset="0"/>
-              <a:buChar char="•"/>
-            </a:pPr>
-            <a:r>
-              <a:rPr lang="en-US" altLang="zh-CN" sz="2800" dirty="0" smtClean="0">
-                <a:sym typeface="+mn-ea"/>
-              </a:rPr>
-              <a:t>production-ready features such as metrics, health checks and externalized configuration</a:t>
-            </a:r>
-            <a:endParaRPr lang="en-US" altLang="zh-CN" sz="2800" dirty="0" smtClean="0">
+            <a:endParaRPr lang="zh-CN" altLang="en-US" sz="2000" dirty="0" smtClean="0">
               <a:sym typeface="+mn-ea"/>
             </a:endParaRPr>
           </a:p>
@@ -16002,13 +16803,400 @@
               <a:sym typeface="+mn-ea"/>
             </a:endParaRPr>
           </a:p>
-          <a:p>
-            <a:pPr algn="l">
-              <a:buNone/>
-            </a:pPr>
-            <a:endParaRPr lang="en-US" altLang="zh-CN" sz="2000" dirty="0" smtClean="0">
-              <a:sym typeface="+mn-ea"/>
-            </a:endParaRPr>
+        </p:txBody>
+      </p:sp>
+      <p:sp>
+        <p:nvSpPr>
+          <p:cNvPr id="5" name="矩形 4"/>
+          <p:cNvSpPr/>
+          <p:nvPr/>
+        </p:nvSpPr>
+        <p:spPr>
+          <a:xfrm>
+            <a:off x="845185" y="1020445"/>
+            <a:ext cx="1932940" cy="319405"/>
+          </a:xfrm>
+          <a:prstGeom prst="rect">
+            <a:avLst/>
+          </a:prstGeom>
+          <a:noFill/>
+          <a:ln>
+            <a:solidFill>
+              <a:srgbClr val="FF0000"/>
+            </a:solidFill>
+          </a:ln>
+        </p:spPr>
+        <p:style>
+          <a:lnRef idx="2">
+            <a:schemeClr val="accent1">
+              <a:shade val="50000"/>
+            </a:schemeClr>
+          </a:lnRef>
+          <a:fillRef idx="1">
+            <a:schemeClr val="accent1"/>
+          </a:fillRef>
+          <a:effectRef idx="0">
+            <a:schemeClr val="accent1"/>
+          </a:effectRef>
+          <a:fontRef idx="minor">
+            <a:schemeClr val="lt1"/>
+          </a:fontRef>
+        </p:style>
+        <p:txBody>
+          <a:bodyPr rtlCol="0" anchor="ctr"/>
+          <a:p>
+            <a:pPr algn="ctr"/>
+            <a:endParaRPr lang="zh-CN" altLang="en-US"/>
+          </a:p>
+        </p:txBody>
+      </p:sp>
+      <p:sp>
+        <p:nvSpPr>
+          <p:cNvPr id="7" name="矩形 6"/>
+          <p:cNvSpPr/>
+          <p:nvPr/>
+        </p:nvSpPr>
+        <p:spPr>
+          <a:xfrm>
+            <a:off x="845185" y="1421765"/>
+            <a:ext cx="2092325" cy="319405"/>
+          </a:xfrm>
+          <a:prstGeom prst="rect">
+            <a:avLst/>
+          </a:prstGeom>
+          <a:noFill/>
+          <a:ln>
+            <a:solidFill>
+              <a:srgbClr val="FF0000"/>
+            </a:solidFill>
+          </a:ln>
+        </p:spPr>
+        <p:style>
+          <a:lnRef idx="2">
+            <a:schemeClr val="accent1">
+              <a:shade val="50000"/>
+            </a:schemeClr>
+          </a:lnRef>
+          <a:fillRef idx="1">
+            <a:schemeClr val="accent1"/>
+          </a:fillRef>
+          <a:effectRef idx="0">
+            <a:schemeClr val="accent1"/>
+          </a:effectRef>
+          <a:fontRef idx="minor">
+            <a:schemeClr val="lt1"/>
+          </a:fontRef>
+        </p:style>
+        <p:txBody>
+          <a:bodyPr rtlCol="0" anchor="ctr"/>
+          <a:p>
+            <a:pPr algn="ctr"/>
+            <a:endParaRPr lang="zh-CN" altLang="en-US"/>
+          </a:p>
+        </p:txBody>
+      </p:sp>
+      <p:sp>
+        <p:nvSpPr>
+          <p:cNvPr id="9" name="矩形 8"/>
+          <p:cNvSpPr/>
+          <p:nvPr/>
+        </p:nvSpPr>
+        <p:spPr>
+          <a:xfrm>
+            <a:off x="845185" y="1830070"/>
+            <a:ext cx="3522345" cy="319405"/>
+          </a:xfrm>
+          <a:prstGeom prst="rect">
+            <a:avLst/>
+          </a:prstGeom>
+          <a:noFill/>
+          <a:ln>
+            <a:solidFill>
+              <a:srgbClr val="FF0000"/>
+            </a:solidFill>
+          </a:ln>
+        </p:spPr>
+        <p:style>
+          <a:lnRef idx="2">
+            <a:schemeClr val="accent1">
+              <a:shade val="50000"/>
+            </a:schemeClr>
+          </a:lnRef>
+          <a:fillRef idx="1">
+            <a:schemeClr val="accent1"/>
+          </a:fillRef>
+          <a:effectRef idx="0">
+            <a:schemeClr val="accent1"/>
+          </a:effectRef>
+          <a:fontRef idx="minor">
+            <a:schemeClr val="lt1"/>
+          </a:fontRef>
+        </p:style>
+        <p:txBody>
+          <a:bodyPr rtlCol="0" anchor="ctr"/>
+          <a:p>
+            <a:pPr algn="ctr"/>
+            <a:endParaRPr lang="zh-CN" altLang="en-US"/>
+          </a:p>
+        </p:txBody>
+      </p:sp>
+      <p:sp>
+        <p:nvSpPr>
+          <p:cNvPr id="10" name="矩形 9"/>
+          <p:cNvSpPr/>
+          <p:nvPr/>
+        </p:nvSpPr>
+        <p:spPr>
+          <a:xfrm>
+            <a:off x="845185" y="2642235"/>
+            <a:ext cx="1932305" cy="319405"/>
+          </a:xfrm>
+          <a:prstGeom prst="rect">
+            <a:avLst/>
+          </a:prstGeom>
+          <a:noFill/>
+          <a:ln>
+            <a:solidFill>
+              <a:srgbClr val="FF0000"/>
+            </a:solidFill>
+          </a:ln>
+        </p:spPr>
+        <p:style>
+          <a:lnRef idx="2">
+            <a:schemeClr val="accent1">
+              <a:shade val="50000"/>
+            </a:schemeClr>
+          </a:lnRef>
+          <a:fillRef idx="1">
+            <a:schemeClr val="accent1"/>
+          </a:fillRef>
+          <a:effectRef idx="0">
+            <a:schemeClr val="accent1"/>
+          </a:effectRef>
+          <a:fontRef idx="minor">
+            <a:schemeClr val="lt1"/>
+          </a:fontRef>
+        </p:style>
+        <p:txBody>
+          <a:bodyPr rtlCol="0" anchor="ctr"/>
+          <a:p>
+            <a:pPr algn="ctr"/>
+            <a:endParaRPr lang="zh-CN" altLang="en-US"/>
+          </a:p>
+        </p:txBody>
+      </p:sp>
+      <p:sp>
+        <p:nvSpPr>
+          <p:cNvPr id="12" name="菱形 11"/>
+          <p:cNvSpPr/>
+          <p:nvPr/>
+        </p:nvSpPr>
+        <p:spPr>
+          <a:xfrm>
+            <a:off x="541020" y="3695700"/>
+            <a:ext cx="1913255" cy="1846580"/>
+          </a:xfrm>
+          <a:prstGeom prst="diamond">
+            <a:avLst/>
+          </a:prstGeom>
+        </p:spPr>
+        <p:style>
+          <a:lnRef idx="2">
+            <a:schemeClr val="accent1">
+              <a:shade val="50000"/>
+            </a:schemeClr>
+          </a:lnRef>
+          <a:fillRef idx="1">
+            <a:schemeClr val="accent1"/>
+          </a:fillRef>
+          <a:effectRef idx="0">
+            <a:schemeClr val="accent1"/>
+          </a:effectRef>
+          <a:fontRef idx="minor">
+            <a:schemeClr val="lt1"/>
+          </a:fontRef>
+        </p:style>
+        <p:txBody>
+          <a:bodyPr rtlCol="0" anchor="ctr"/>
+          <a:p>
+            <a:pPr algn="ctr"/>
+            <a:r>
+              <a:rPr lang="zh-CN" altLang="zh-CN" sz="2000"/>
+              <a:t>起步依赖</a:t>
+            </a:r>
+            <a:endParaRPr lang="zh-CN" altLang="zh-CN" sz="2000"/>
+          </a:p>
+        </p:txBody>
+      </p:sp>
+      <p:sp>
+        <p:nvSpPr>
+          <p:cNvPr id="13" name="菱形 12"/>
+          <p:cNvSpPr/>
+          <p:nvPr/>
+        </p:nvSpPr>
+        <p:spPr>
+          <a:xfrm>
+            <a:off x="2042160" y="3695700"/>
+            <a:ext cx="1913255" cy="1846580"/>
+          </a:xfrm>
+          <a:prstGeom prst="diamond">
+            <a:avLst/>
+          </a:prstGeom>
+        </p:spPr>
+        <p:style>
+          <a:lnRef idx="2">
+            <a:schemeClr val="accent1">
+              <a:shade val="50000"/>
+            </a:schemeClr>
+          </a:lnRef>
+          <a:fillRef idx="1">
+            <a:schemeClr val="accent1"/>
+          </a:fillRef>
+          <a:effectRef idx="0">
+            <a:schemeClr val="accent1"/>
+          </a:effectRef>
+          <a:fontRef idx="minor">
+            <a:schemeClr val="lt1"/>
+          </a:fontRef>
+        </p:style>
+        <p:txBody>
+          <a:bodyPr rtlCol="0" anchor="ctr"/>
+          <a:p>
+            <a:pPr algn="ctr"/>
+            <a:r>
+              <a:rPr lang="zh-CN" altLang="zh-CN" sz="2000"/>
+              <a:t>自动配置</a:t>
+            </a:r>
+            <a:endParaRPr lang="zh-CN" altLang="zh-CN" sz="2000"/>
+          </a:p>
+        </p:txBody>
+      </p:sp>
+      <p:sp>
+        <p:nvSpPr>
+          <p:cNvPr id="14" name="菱形 13"/>
+          <p:cNvSpPr/>
+          <p:nvPr/>
+        </p:nvSpPr>
+        <p:spPr>
+          <a:xfrm>
+            <a:off x="3516630" y="3695700"/>
+            <a:ext cx="1913255" cy="1846580"/>
+          </a:xfrm>
+          <a:prstGeom prst="diamond">
+            <a:avLst/>
+          </a:prstGeom>
+        </p:spPr>
+        <p:style>
+          <a:lnRef idx="2">
+            <a:schemeClr val="accent1">
+              <a:shade val="50000"/>
+            </a:schemeClr>
+          </a:lnRef>
+          <a:fillRef idx="1">
+            <a:schemeClr val="accent1"/>
+          </a:fillRef>
+          <a:effectRef idx="0">
+            <a:schemeClr val="accent1"/>
+          </a:effectRef>
+          <a:fontRef idx="minor">
+            <a:schemeClr val="lt1"/>
+          </a:fontRef>
+        </p:style>
+        <p:txBody>
+          <a:bodyPr rtlCol="0" anchor="ctr"/>
+          <a:p>
+            <a:pPr algn="ctr"/>
+            <a:r>
+              <a:rPr lang="zh-CN" altLang="zh-CN" sz="2000"/>
+              <a:t>命令行界面</a:t>
+            </a:r>
+            <a:endParaRPr lang="zh-CN" altLang="zh-CN" sz="2000"/>
+          </a:p>
+        </p:txBody>
+      </p:sp>
+      <p:sp>
+        <p:nvSpPr>
+          <p:cNvPr id="15" name="菱形 14"/>
+          <p:cNvSpPr/>
+          <p:nvPr/>
+        </p:nvSpPr>
+        <p:spPr>
+          <a:xfrm>
+            <a:off x="5012690" y="3695700"/>
+            <a:ext cx="1913255" cy="1846580"/>
+          </a:xfrm>
+          <a:prstGeom prst="diamond">
+            <a:avLst/>
+          </a:prstGeom>
+        </p:spPr>
+        <p:style>
+          <a:lnRef idx="2">
+            <a:schemeClr val="accent1">
+              <a:shade val="50000"/>
+            </a:schemeClr>
+          </a:lnRef>
+          <a:fillRef idx="1">
+            <a:schemeClr val="accent1"/>
+          </a:fillRef>
+          <a:effectRef idx="0">
+            <a:schemeClr val="accent1"/>
+          </a:effectRef>
+          <a:fontRef idx="minor">
+            <a:schemeClr val="lt1"/>
+          </a:fontRef>
+        </p:style>
+        <p:txBody>
+          <a:bodyPr rtlCol="0" anchor="ctr"/>
+          <a:p>
+            <a:pPr algn="ctr"/>
+            <a:r>
+              <a:rPr lang="en-US" altLang="zh-CN" sz="2400"/>
+              <a:t>stand-alone</a:t>
+            </a:r>
+            <a:endParaRPr lang="en-US" altLang="zh-CN" sz="2400"/>
+          </a:p>
+        </p:txBody>
+      </p:sp>
+      <p:sp>
+        <p:nvSpPr>
+          <p:cNvPr id="16" name="菱形 15"/>
+          <p:cNvSpPr/>
+          <p:nvPr/>
+        </p:nvSpPr>
+        <p:spPr>
+          <a:xfrm>
+            <a:off x="6503035" y="3695700"/>
+            <a:ext cx="1913255" cy="1846580"/>
+          </a:xfrm>
+          <a:prstGeom prst="diamond">
+            <a:avLst/>
+          </a:prstGeom>
+        </p:spPr>
+        <p:style>
+          <a:lnRef idx="2">
+            <a:schemeClr val="accent1">
+              <a:shade val="50000"/>
+            </a:schemeClr>
+          </a:lnRef>
+          <a:fillRef idx="1">
+            <a:schemeClr val="accent1"/>
+          </a:fillRef>
+          <a:effectRef idx="0">
+            <a:schemeClr val="accent1"/>
+          </a:effectRef>
+          <a:fontRef idx="minor">
+            <a:schemeClr val="lt1"/>
+          </a:fontRef>
+        </p:style>
+        <p:txBody>
+          <a:bodyPr rtlCol="0" anchor="ctr"/>
+          <a:p>
+            <a:pPr algn="ctr"/>
+            <a:r>
+              <a:rPr lang="en-US" altLang="zh-CN" sz="2400"/>
+              <a:t>Actuator</a:t>
+            </a:r>
+            <a:endParaRPr lang="en-US" altLang="zh-CN" sz="2400"/>
           </a:p>
         </p:txBody>
       </p:sp>
@@ -16017,13 +17205,760 @@
   <p:clrMapOvr>
     <a:masterClrMapping/>
   </p:clrMapOvr>
-  <p:transition advTm="12074"/>
+  <p:transition advTm="12074">
+    <p:comb/>
+  </p:transition>
   <p:timing>
     <p:tnLst>
       <p:par>
-        <p:cTn id="1" dur="indefinite" restart="never" nodeType="tmRoot"/>
+        <p:cTn id="1" dur="indefinite" restart="never" nodeType="tmRoot">
+          <p:childTnLst>
+            <p:seq concurrent="1" nextAc="seek">
+              <p:cTn id="2" dur="indefinite" nodeType="mainSeq">
+                <p:childTnLst>
+                  <p:par>
+                    <p:cTn id="3" fill="hold">
+                      <p:stCondLst>
+                        <p:cond delay="indefinite"/>
+                      </p:stCondLst>
+                      <p:childTnLst>
+                        <p:par>
+                          <p:cTn id="4" fill="hold">
+                            <p:stCondLst>
+                              <p:cond delay="0"/>
+                            </p:stCondLst>
+                            <p:childTnLst>
+                              <p:par>
+                                <p:cTn id="5" presetID="2" presetClass="entr" presetSubtype="4" fill="hold" grpId="0" nodeType="clickEffect">
+                                  <p:stCondLst>
+                                    <p:cond delay="0"/>
+                                  </p:stCondLst>
+                                  <p:childTnLst>
+                                    <p:set>
+                                      <p:cBhvr>
+                                        <p:cTn id="6" dur="1" fill="hold">
+                                          <p:stCondLst>
+                                            <p:cond delay="0"/>
+                                          </p:stCondLst>
+                                        </p:cTn>
+                                        <p:tgtEl>
+                                          <p:spTgt spid="5"/>
+                                        </p:tgtEl>
+                                        <p:attrNameLst>
+                                          <p:attrName>style.visibility</p:attrName>
+                                        </p:attrNameLst>
+                                      </p:cBhvr>
+                                      <p:to>
+                                        <p:strVal val="visible"/>
+                                      </p:to>
+                                    </p:set>
+                                    <p:anim calcmode="lin" valueType="num">
+                                      <p:cBhvr additive="base">
+                                        <p:cTn id="7" dur="500" fill="hold"/>
+                                        <p:tgtEl>
+                                          <p:spTgt spid="5"/>
+                                        </p:tgtEl>
+                                        <p:attrNameLst>
+                                          <p:attrName>ppt_x</p:attrName>
+                                        </p:attrNameLst>
+                                      </p:cBhvr>
+                                      <p:tavLst>
+                                        <p:tav tm="0">
+                                          <p:val>
+                                            <p:strVal val="#ppt_x"/>
+                                          </p:val>
+                                        </p:tav>
+                                        <p:tav tm="100000">
+                                          <p:val>
+                                            <p:strVal val="#ppt_x"/>
+                                          </p:val>
+                                        </p:tav>
+                                      </p:tavLst>
+                                    </p:anim>
+                                    <p:anim calcmode="lin" valueType="num">
+                                      <p:cBhvr additive="base">
+                                        <p:cTn id="8" dur="500" fill="hold"/>
+                                        <p:tgtEl>
+                                          <p:spTgt spid="5"/>
+                                        </p:tgtEl>
+                                        <p:attrNameLst>
+                                          <p:attrName>ppt_y</p:attrName>
+                                        </p:attrNameLst>
+                                      </p:cBhvr>
+                                      <p:tavLst>
+                                        <p:tav tm="0">
+                                          <p:val>
+                                            <p:strVal val="1+#ppt_h/2"/>
+                                          </p:val>
+                                        </p:tav>
+                                        <p:tav tm="100000">
+                                          <p:val>
+                                            <p:strVal val="#ppt_y"/>
+                                          </p:val>
+                                        </p:tav>
+                                      </p:tavLst>
+                                    </p:anim>
+                                  </p:childTnLst>
+                                </p:cTn>
+                              </p:par>
+                              <p:par>
+                                <p:cTn id="9" presetID="2" presetClass="entr" presetSubtype="4" fill="hold" grpId="0" nodeType="withEffect">
+                                  <p:stCondLst>
+                                    <p:cond delay="0"/>
+                                  </p:stCondLst>
+                                  <p:childTnLst>
+                                    <p:set>
+                                      <p:cBhvr>
+                                        <p:cTn id="10" dur="1" fill="hold">
+                                          <p:stCondLst>
+                                            <p:cond delay="0"/>
+                                          </p:stCondLst>
+                                        </p:cTn>
+                                        <p:tgtEl>
+                                          <p:spTgt spid="7"/>
+                                        </p:tgtEl>
+                                        <p:attrNameLst>
+                                          <p:attrName>style.visibility</p:attrName>
+                                        </p:attrNameLst>
+                                      </p:cBhvr>
+                                      <p:to>
+                                        <p:strVal val="visible"/>
+                                      </p:to>
+                                    </p:set>
+                                    <p:anim calcmode="lin" valueType="num">
+                                      <p:cBhvr additive="base">
+                                        <p:cTn id="11" dur="500" fill="hold"/>
+                                        <p:tgtEl>
+                                          <p:spTgt spid="7"/>
+                                        </p:tgtEl>
+                                        <p:attrNameLst>
+                                          <p:attrName>ppt_x</p:attrName>
+                                        </p:attrNameLst>
+                                      </p:cBhvr>
+                                      <p:tavLst>
+                                        <p:tav tm="0">
+                                          <p:val>
+                                            <p:strVal val="#ppt_x"/>
+                                          </p:val>
+                                        </p:tav>
+                                        <p:tav tm="100000">
+                                          <p:val>
+                                            <p:strVal val="#ppt_x"/>
+                                          </p:val>
+                                        </p:tav>
+                                      </p:tavLst>
+                                    </p:anim>
+                                    <p:anim calcmode="lin" valueType="num">
+                                      <p:cBhvr additive="base">
+                                        <p:cTn id="12" dur="500" fill="hold"/>
+                                        <p:tgtEl>
+                                          <p:spTgt spid="7"/>
+                                        </p:tgtEl>
+                                        <p:attrNameLst>
+                                          <p:attrName>ppt_y</p:attrName>
+                                        </p:attrNameLst>
+                                      </p:cBhvr>
+                                      <p:tavLst>
+                                        <p:tav tm="0">
+                                          <p:val>
+                                            <p:strVal val="1+#ppt_h/2"/>
+                                          </p:val>
+                                        </p:tav>
+                                        <p:tav tm="100000">
+                                          <p:val>
+                                            <p:strVal val="#ppt_y"/>
+                                          </p:val>
+                                        </p:tav>
+                                      </p:tavLst>
+                                    </p:anim>
+                                  </p:childTnLst>
+                                </p:cTn>
+                              </p:par>
+                              <p:par>
+                                <p:cTn id="13" presetID="2" presetClass="entr" presetSubtype="4" fill="hold" grpId="0" nodeType="withEffect">
+                                  <p:stCondLst>
+                                    <p:cond delay="0"/>
+                                  </p:stCondLst>
+                                  <p:childTnLst>
+                                    <p:set>
+                                      <p:cBhvr>
+                                        <p:cTn id="14" dur="1" fill="hold">
+                                          <p:stCondLst>
+                                            <p:cond delay="0"/>
+                                          </p:stCondLst>
+                                        </p:cTn>
+                                        <p:tgtEl>
+                                          <p:spTgt spid="9"/>
+                                        </p:tgtEl>
+                                        <p:attrNameLst>
+                                          <p:attrName>style.visibility</p:attrName>
+                                        </p:attrNameLst>
+                                      </p:cBhvr>
+                                      <p:to>
+                                        <p:strVal val="visible"/>
+                                      </p:to>
+                                    </p:set>
+                                    <p:anim calcmode="lin" valueType="num">
+                                      <p:cBhvr additive="base">
+                                        <p:cTn id="15" dur="500" fill="hold"/>
+                                        <p:tgtEl>
+                                          <p:spTgt spid="9"/>
+                                        </p:tgtEl>
+                                        <p:attrNameLst>
+                                          <p:attrName>ppt_x</p:attrName>
+                                        </p:attrNameLst>
+                                      </p:cBhvr>
+                                      <p:tavLst>
+                                        <p:tav tm="0">
+                                          <p:val>
+                                            <p:strVal val="#ppt_x"/>
+                                          </p:val>
+                                        </p:tav>
+                                        <p:tav tm="100000">
+                                          <p:val>
+                                            <p:strVal val="#ppt_x"/>
+                                          </p:val>
+                                        </p:tav>
+                                      </p:tavLst>
+                                    </p:anim>
+                                    <p:anim calcmode="lin" valueType="num">
+                                      <p:cBhvr additive="base">
+                                        <p:cTn id="16" dur="500" fill="hold"/>
+                                        <p:tgtEl>
+                                          <p:spTgt spid="9"/>
+                                        </p:tgtEl>
+                                        <p:attrNameLst>
+                                          <p:attrName>ppt_y</p:attrName>
+                                        </p:attrNameLst>
+                                      </p:cBhvr>
+                                      <p:tavLst>
+                                        <p:tav tm="0">
+                                          <p:val>
+                                            <p:strVal val="1+#ppt_h/2"/>
+                                          </p:val>
+                                        </p:tav>
+                                        <p:tav tm="100000">
+                                          <p:val>
+                                            <p:strVal val="#ppt_y"/>
+                                          </p:val>
+                                        </p:tav>
+                                      </p:tavLst>
+                                    </p:anim>
+                                  </p:childTnLst>
+                                </p:cTn>
+                              </p:par>
+                              <p:par>
+                                <p:cTn id="17" presetID="2" presetClass="entr" presetSubtype="4" fill="hold" grpId="0" nodeType="withEffect">
+                                  <p:stCondLst>
+                                    <p:cond delay="0"/>
+                                  </p:stCondLst>
+                                  <p:childTnLst>
+                                    <p:set>
+                                      <p:cBhvr>
+                                        <p:cTn id="18" dur="1" fill="hold">
+                                          <p:stCondLst>
+                                            <p:cond delay="0"/>
+                                          </p:stCondLst>
+                                        </p:cTn>
+                                        <p:tgtEl>
+                                          <p:spTgt spid="10"/>
+                                        </p:tgtEl>
+                                        <p:attrNameLst>
+                                          <p:attrName>style.visibility</p:attrName>
+                                        </p:attrNameLst>
+                                      </p:cBhvr>
+                                      <p:to>
+                                        <p:strVal val="visible"/>
+                                      </p:to>
+                                    </p:set>
+                                    <p:anim calcmode="lin" valueType="num">
+                                      <p:cBhvr additive="base">
+                                        <p:cTn id="19" dur="500" fill="hold"/>
+                                        <p:tgtEl>
+                                          <p:spTgt spid="10"/>
+                                        </p:tgtEl>
+                                        <p:attrNameLst>
+                                          <p:attrName>ppt_x</p:attrName>
+                                        </p:attrNameLst>
+                                      </p:cBhvr>
+                                      <p:tavLst>
+                                        <p:tav tm="0">
+                                          <p:val>
+                                            <p:strVal val="#ppt_x"/>
+                                          </p:val>
+                                        </p:tav>
+                                        <p:tav tm="100000">
+                                          <p:val>
+                                            <p:strVal val="#ppt_x"/>
+                                          </p:val>
+                                        </p:tav>
+                                      </p:tavLst>
+                                    </p:anim>
+                                    <p:anim calcmode="lin" valueType="num">
+                                      <p:cBhvr additive="base">
+                                        <p:cTn id="20" dur="500" fill="hold"/>
+                                        <p:tgtEl>
+                                          <p:spTgt spid="10"/>
+                                        </p:tgtEl>
+                                        <p:attrNameLst>
+                                          <p:attrName>ppt_y</p:attrName>
+                                        </p:attrNameLst>
+                                      </p:cBhvr>
+                                      <p:tavLst>
+                                        <p:tav tm="0">
+                                          <p:val>
+                                            <p:strVal val="1+#ppt_h/2"/>
+                                          </p:val>
+                                        </p:tav>
+                                        <p:tav tm="100000">
+                                          <p:val>
+                                            <p:strVal val="#ppt_y"/>
+                                          </p:val>
+                                        </p:tav>
+                                      </p:tavLst>
+                                    </p:anim>
+                                  </p:childTnLst>
+                                </p:cTn>
+                              </p:par>
+                            </p:childTnLst>
+                          </p:cTn>
+                        </p:par>
+                      </p:childTnLst>
+                    </p:cTn>
+                  </p:par>
+                  <p:par>
+                    <p:cTn id="21" fill="hold">
+                      <p:stCondLst>
+                        <p:cond delay="indefinite"/>
+                      </p:stCondLst>
+                      <p:childTnLst>
+                        <p:par>
+                          <p:cTn id="22" fill="hold">
+                            <p:stCondLst>
+                              <p:cond delay="0"/>
+                            </p:stCondLst>
+                            <p:childTnLst>
+                              <p:par>
+                                <p:cTn id="23" presetID="2" presetClass="entr" presetSubtype="4" fill="hold" grpId="0" nodeType="clickEffect">
+                                  <p:stCondLst>
+                                    <p:cond delay="0"/>
+                                  </p:stCondLst>
+                                  <p:childTnLst>
+                                    <p:set>
+                                      <p:cBhvr>
+                                        <p:cTn id="24" dur="1" fill="hold">
+                                          <p:stCondLst>
+                                            <p:cond delay="0"/>
+                                          </p:stCondLst>
+                                        </p:cTn>
+                                        <p:tgtEl>
+                                          <p:spTgt spid="12"/>
+                                        </p:tgtEl>
+                                        <p:attrNameLst>
+                                          <p:attrName>style.visibility</p:attrName>
+                                        </p:attrNameLst>
+                                      </p:cBhvr>
+                                      <p:to>
+                                        <p:strVal val="visible"/>
+                                      </p:to>
+                                    </p:set>
+                                    <p:anim calcmode="lin" valueType="num">
+                                      <p:cBhvr additive="base">
+                                        <p:cTn id="25" dur="500" fill="hold"/>
+                                        <p:tgtEl>
+                                          <p:spTgt spid="12"/>
+                                        </p:tgtEl>
+                                        <p:attrNameLst>
+                                          <p:attrName>ppt_x</p:attrName>
+                                        </p:attrNameLst>
+                                      </p:cBhvr>
+                                      <p:tavLst>
+                                        <p:tav tm="0">
+                                          <p:val>
+                                            <p:strVal val="#ppt_x"/>
+                                          </p:val>
+                                        </p:tav>
+                                        <p:tav tm="100000">
+                                          <p:val>
+                                            <p:strVal val="#ppt_x"/>
+                                          </p:val>
+                                        </p:tav>
+                                      </p:tavLst>
+                                    </p:anim>
+                                    <p:anim calcmode="lin" valueType="num">
+                                      <p:cBhvr additive="base">
+                                        <p:cTn id="26" dur="500" fill="hold"/>
+                                        <p:tgtEl>
+                                          <p:spTgt spid="12"/>
+                                        </p:tgtEl>
+                                        <p:attrNameLst>
+                                          <p:attrName>ppt_y</p:attrName>
+                                        </p:attrNameLst>
+                                      </p:cBhvr>
+                                      <p:tavLst>
+                                        <p:tav tm="0">
+                                          <p:val>
+                                            <p:strVal val="1+#ppt_h/2"/>
+                                          </p:val>
+                                        </p:tav>
+                                        <p:tav tm="100000">
+                                          <p:val>
+                                            <p:strVal val="#ppt_y"/>
+                                          </p:val>
+                                        </p:tav>
+                                      </p:tavLst>
+                                    </p:anim>
+                                  </p:childTnLst>
+                                </p:cTn>
+                              </p:par>
+                              <p:par>
+                                <p:cTn id="27" presetID="2" presetClass="entr" presetSubtype="4" fill="hold" grpId="0" nodeType="withEffect">
+                                  <p:stCondLst>
+                                    <p:cond delay="0"/>
+                                  </p:stCondLst>
+                                  <p:childTnLst>
+                                    <p:set>
+                                      <p:cBhvr>
+                                        <p:cTn id="28" dur="1" fill="hold">
+                                          <p:stCondLst>
+                                            <p:cond delay="0"/>
+                                          </p:stCondLst>
+                                        </p:cTn>
+                                        <p:tgtEl>
+                                          <p:spTgt spid="13"/>
+                                        </p:tgtEl>
+                                        <p:attrNameLst>
+                                          <p:attrName>style.visibility</p:attrName>
+                                        </p:attrNameLst>
+                                      </p:cBhvr>
+                                      <p:to>
+                                        <p:strVal val="visible"/>
+                                      </p:to>
+                                    </p:set>
+                                    <p:anim calcmode="lin" valueType="num">
+                                      <p:cBhvr additive="base">
+                                        <p:cTn id="29" dur="500" fill="hold"/>
+                                        <p:tgtEl>
+                                          <p:spTgt spid="13"/>
+                                        </p:tgtEl>
+                                        <p:attrNameLst>
+                                          <p:attrName>ppt_x</p:attrName>
+                                        </p:attrNameLst>
+                                      </p:cBhvr>
+                                      <p:tavLst>
+                                        <p:tav tm="0">
+                                          <p:val>
+                                            <p:strVal val="#ppt_x"/>
+                                          </p:val>
+                                        </p:tav>
+                                        <p:tav tm="100000">
+                                          <p:val>
+                                            <p:strVal val="#ppt_x"/>
+                                          </p:val>
+                                        </p:tav>
+                                      </p:tavLst>
+                                    </p:anim>
+                                    <p:anim calcmode="lin" valueType="num">
+                                      <p:cBhvr additive="base">
+                                        <p:cTn id="30" dur="500" fill="hold"/>
+                                        <p:tgtEl>
+                                          <p:spTgt spid="13"/>
+                                        </p:tgtEl>
+                                        <p:attrNameLst>
+                                          <p:attrName>ppt_y</p:attrName>
+                                        </p:attrNameLst>
+                                      </p:cBhvr>
+                                      <p:tavLst>
+                                        <p:tav tm="0">
+                                          <p:val>
+                                            <p:strVal val="1+#ppt_h/2"/>
+                                          </p:val>
+                                        </p:tav>
+                                        <p:tav tm="100000">
+                                          <p:val>
+                                            <p:strVal val="#ppt_y"/>
+                                          </p:val>
+                                        </p:tav>
+                                      </p:tavLst>
+                                    </p:anim>
+                                  </p:childTnLst>
+                                </p:cTn>
+                              </p:par>
+                              <p:par>
+                                <p:cTn id="31" presetID="2" presetClass="entr" presetSubtype="4" fill="hold" grpId="0" nodeType="withEffect">
+                                  <p:stCondLst>
+                                    <p:cond delay="0"/>
+                                  </p:stCondLst>
+                                  <p:childTnLst>
+                                    <p:set>
+                                      <p:cBhvr>
+                                        <p:cTn id="32" dur="1" fill="hold">
+                                          <p:stCondLst>
+                                            <p:cond delay="0"/>
+                                          </p:stCondLst>
+                                        </p:cTn>
+                                        <p:tgtEl>
+                                          <p:spTgt spid="14"/>
+                                        </p:tgtEl>
+                                        <p:attrNameLst>
+                                          <p:attrName>style.visibility</p:attrName>
+                                        </p:attrNameLst>
+                                      </p:cBhvr>
+                                      <p:to>
+                                        <p:strVal val="visible"/>
+                                      </p:to>
+                                    </p:set>
+                                    <p:anim calcmode="lin" valueType="num">
+                                      <p:cBhvr additive="base">
+                                        <p:cTn id="33" dur="500" fill="hold"/>
+                                        <p:tgtEl>
+                                          <p:spTgt spid="14"/>
+                                        </p:tgtEl>
+                                        <p:attrNameLst>
+                                          <p:attrName>ppt_x</p:attrName>
+                                        </p:attrNameLst>
+                                      </p:cBhvr>
+                                      <p:tavLst>
+                                        <p:tav tm="0">
+                                          <p:val>
+                                            <p:strVal val="#ppt_x"/>
+                                          </p:val>
+                                        </p:tav>
+                                        <p:tav tm="100000">
+                                          <p:val>
+                                            <p:strVal val="#ppt_x"/>
+                                          </p:val>
+                                        </p:tav>
+                                      </p:tavLst>
+                                    </p:anim>
+                                    <p:anim calcmode="lin" valueType="num">
+                                      <p:cBhvr additive="base">
+                                        <p:cTn id="34" dur="500" fill="hold"/>
+                                        <p:tgtEl>
+                                          <p:spTgt spid="14"/>
+                                        </p:tgtEl>
+                                        <p:attrNameLst>
+                                          <p:attrName>ppt_y</p:attrName>
+                                        </p:attrNameLst>
+                                      </p:cBhvr>
+                                      <p:tavLst>
+                                        <p:tav tm="0">
+                                          <p:val>
+                                            <p:strVal val="1+#ppt_h/2"/>
+                                          </p:val>
+                                        </p:tav>
+                                        <p:tav tm="100000">
+                                          <p:val>
+                                            <p:strVal val="#ppt_y"/>
+                                          </p:val>
+                                        </p:tav>
+                                      </p:tavLst>
+                                    </p:anim>
+                                  </p:childTnLst>
+                                </p:cTn>
+                              </p:par>
+                              <p:par>
+                                <p:cTn id="35" presetID="2" presetClass="entr" presetSubtype="4" fill="hold" grpId="0" nodeType="withEffect">
+                                  <p:stCondLst>
+                                    <p:cond delay="0"/>
+                                  </p:stCondLst>
+                                  <p:childTnLst>
+                                    <p:set>
+                                      <p:cBhvr>
+                                        <p:cTn id="36" dur="1" fill="hold">
+                                          <p:stCondLst>
+                                            <p:cond delay="0"/>
+                                          </p:stCondLst>
+                                        </p:cTn>
+                                        <p:tgtEl>
+                                          <p:spTgt spid="15"/>
+                                        </p:tgtEl>
+                                        <p:attrNameLst>
+                                          <p:attrName>style.visibility</p:attrName>
+                                        </p:attrNameLst>
+                                      </p:cBhvr>
+                                      <p:to>
+                                        <p:strVal val="visible"/>
+                                      </p:to>
+                                    </p:set>
+                                    <p:anim calcmode="lin" valueType="num">
+                                      <p:cBhvr additive="base">
+                                        <p:cTn id="37" dur="500" fill="hold"/>
+                                        <p:tgtEl>
+                                          <p:spTgt spid="15"/>
+                                        </p:tgtEl>
+                                        <p:attrNameLst>
+                                          <p:attrName>ppt_x</p:attrName>
+                                        </p:attrNameLst>
+                                      </p:cBhvr>
+                                      <p:tavLst>
+                                        <p:tav tm="0">
+                                          <p:val>
+                                            <p:strVal val="#ppt_x"/>
+                                          </p:val>
+                                        </p:tav>
+                                        <p:tav tm="100000">
+                                          <p:val>
+                                            <p:strVal val="#ppt_x"/>
+                                          </p:val>
+                                        </p:tav>
+                                      </p:tavLst>
+                                    </p:anim>
+                                    <p:anim calcmode="lin" valueType="num">
+                                      <p:cBhvr additive="base">
+                                        <p:cTn id="38" dur="500" fill="hold"/>
+                                        <p:tgtEl>
+                                          <p:spTgt spid="15"/>
+                                        </p:tgtEl>
+                                        <p:attrNameLst>
+                                          <p:attrName>ppt_y</p:attrName>
+                                        </p:attrNameLst>
+                                      </p:cBhvr>
+                                      <p:tavLst>
+                                        <p:tav tm="0">
+                                          <p:val>
+                                            <p:strVal val="1+#ppt_h/2"/>
+                                          </p:val>
+                                        </p:tav>
+                                        <p:tav tm="100000">
+                                          <p:val>
+                                            <p:strVal val="#ppt_y"/>
+                                          </p:val>
+                                        </p:tav>
+                                      </p:tavLst>
+                                    </p:anim>
+                                  </p:childTnLst>
+                                </p:cTn>
+                              </p:par>
+                            </p:childTnLst>
+                          </p:cTn>
+                        </p:par>
+                      </p:childTnLst>
+                    </p:cTn>
+                  </p:par>
+                  <p:par>
+                    <p:cTn id="39" fill="hold">
+                      <p:stCondLst>
+                        <p:cond delay="indefinite"/>
+                      </p:stCondLst>
+                      <p:childTnLst>
+                        <p:par>
+                          <p:cTn id="40" fill="hold">
+                            <p:stCondLst>
+                              <p:cond delay="0"/>
+                            </p:stCondLst>
+                            <p:childTnLst>
+                              <p:par>
+                                <p:cTn id="41" presetID="2" presetClass="entr" presetSubtype="4" fill="hold" grpId="1" nodeType="clickEffect">
+                                  <p:stCondLst>
+                                    <p:cond delay="0"/>
+                                  </p:stCondLst>
+                                  <p:childTnLst>
+                                    <p:set>
+                                      <p:cBhvr>
+                                        <p:cTn id="42" dur="1" fill="hold">
+                                          <p:stCondLst>
+                                            <p:cond delay="0"/>
+                                          </p:stCondLst>
+                                        </p:cTn>
+                                        <p:tgtEl>
+                                          <p:spTgt spid="16"/>
+                                        </p:tgtEl>
+                                        <p:attrNameLst>
+                                          <p:attrName>style.visibility</p:attrName>
+                                        </p:attrNameLst>
+                                      </p:cBhvr>
+                                      <p:to>
+                                        <p:strVal val="visible"/>
+                                      </p:to>
+                                    </p:set>
+                                    <p:anim calcmode="lin" valueType="num">
+                                      <p:cBhvr additive="base">
+                                        <p:cTn id="43" dur="500" fill="hold"/>
+                                        <p:tgtEl>
+                                          <p:spTgt spid="16"/>
+                                        </p:tgtEl>
+                                        <p:attrNameLst>
+                                          <p:attrName>ppt_x</p:attrName>
+                                        </p:attrNameLst>
+                                      </p:cBhvr>
+                                      <p:tavLst>
+                                        <p:tav tm="0">
+                                          <p:val>
+                                            <p:strVal val="#ppt_x"/>
+                                          </p:val>
+                                        </p:tav>
+                                        <p:tav tm="100000">
+                                          <p:val>
+                                            <p:strVal val="#ppt_x"/>
+                                          </p:val>
+                                        </p:tav>
+                                      </p:tavLst>
+                                    </p:anim>
+                                    <p:anim calcmode="lin" valueType="num">
+                                      <p:cBhvr additive="base">
+                                        <p:cTn id="44" dur="500" fill="hold"/>
+                                        <p:tgtEl>
+                                          <p:spTgt spid="16"/>
+                                        </p:tgtEl>
+                                        <p:attrNameLst>
+                                          <p:attrName>ppt_y</p:attrName>
+                                        </p:attrNameLst>
+                                      </p:cBhvr>
+                                      <p:tavLst>
+                                        <p:tav tm="0">
+                                          <p:val>
+                                            <p:strVal val="1+#ppt_h/2"/>
+                                          </p:val>
+                                        </p:tav>
+                                        <p:tav tm="100000">
+                                          <p:val>
+                                            <p:strVal val="#ppt_y"/>
+                                          </p:val>
+                                        </p:tav>
+                                      </p:tavLst>
+                                    </p:anim>
+                                  </p:childTnLst>
+                                </p:cTn>
+                              </p:par>
+                            </p:childTnLst>
+                          </p:cTn>
+                        </p:par>
+                      </p:childTnLst>
+                    </p:cTn>
+                  </p:par>
+                </p:childTnLst>
+              </p:cTn>
+              <p:prevCondLst>
+                <p:cond evt="onPrev" delay="0">
+                  <p:tgtEl>
+                    <p:sldTgt/>
+                  </p:tgtEl>
+                </p:cond>
+              </p:prevCondLst>
+              <p:nextCondLst>
+                <p:cond evt="onNext" delay="0">
+                  <p:tgtEl>
+                    <p:sldTgt/>
+                  </p:tgtEl>
+                </p:cond>
+              </p:nextCondLst>
+            </p:seq>
+          </p:childTnLst>
+        </p:cTn>
       </p:par>
     </p:tnLst>
+    <p:bldLst>
+      <p:bldP spid="5" grpId="0" animBg="1"/>
+      <p:bldP spid="7" grpId="0" animBg="1"/>
+      <p:bldP spid="9" grpId="0" animBg="1"/>
+      <p:bldP spid="10" grpId="0" animBg="1"/>
+      <p:bldP spid="12" grpId="0" bldLvl="0" animBg="1"/>
+      <p:bldP spid="13" grpId="0" bldLvl="0" animBg="1"/>
+      <p:bldP spid="14" grpId="0" bldLvl="0" animBg="1"/>
+      <p:bldP spid="15" grpId="0" bldLvl="0" animBg="1"/>
+      <p:bldP spid="16" grpId="1" animBg="1"/>
+    </p:bldLst>
   </p:timing>
 </p:sld>
 </file>
@@ -16372,8 +18307,8 @@
         </p:nvSpPr>
         <p:spPr bwMode="auto">
           <a:xfrm>
-            <a:off x="1439863" y="2457450"/>
-            <a:ext cx="1152525" cy="1390650"/>
+            <a:off x="1440180" y="2457450"/>
+            <a:ext cx="1435735" cy="1390650"/>
           </a:xfrm>
           <a:custGeom>
             <a:avLst/>
@@ -17007,7 +18942,7 @@
                 <a:ea typeface="微软雅黑" panose="020B0503020204020204" charset="-122"/>
                 <a:cs typeface="+mn-cs"/>
               </a:rPr>
-              <a:t>01</a:t>
+              <a:t>03</a:t>
             </a:r>
             <a:endParaRPr kumimoji="0" lang="zh-CN" altLang="en-US" sz="7200" b="0" i="0" u="none" strike="noStrike" kern="1200" cap="none" spc="0" normalizeH="0" baseline="0" noProof="0" dirty="0" smtClean="0">
               <a:ln>
@@ -17385,196 +19320,9 @@
           <a:bodyPr/>
           <a:lstStyle/>
           <a:p>
-            <a:pPr marL="457200" indent="-457200" algn="l">
+            <a:pPr algn="l">
               <a:buFont typeface="Arial" panose="020B0604020202020204" pitchFamily="34" charset="0"/>
-              <a:buChar char="•"/>
             </a:pPr>
-            <a:r>
-              <a:rPr lang="en-US" altLang="zh-CN" sz="2800" dirty="0" smtClean="0">
-                <a:sym typeface="+mn-ea"/>
-              </a:rPr>
-              <a:t>Spring Cloud Config</a:t>
-            </a:r>
-            <a:endParaRPr lang="en-US" altLang="zh-CN" sz="2800" dirty="0" smtClean="0">
-              <a:sym typeface="+mn-ea"/>
-            </a:endParaRPr>
-          </a:p>
-          <a:p>
-            <a:pPr marL="457200" indent="-457200" algn="l">
-              <a:buFont typeface="Arial" panose="020B0604020202020204" pitchFamily="34" charset="0"/>
-              <a:buChar char="•"/>
-            </a:pPr>
-            <a:r>
-              <a:rPr lang="en-US" altLang="zh-CN" sz="2800" dirty="0" smtClean="0">
-                <a:sym typeface="+mn-ea"/>
-              </a:rPr>
-              <a:t>Spring Cloud NetFlix (Eureka</a:t>
-            </a:r>
-            <a:r>
-              <a:rPr lang="zh-CN" altLang="zh-CN" sz="2800" dirty="0" smtClean="0">
-                <a:sym typeface="+mn-ea"/>
-              </a:rPr>
-              <a:t>、</a:t>
-            </a:r>
-            <a:r>
-              <a:rPr lang="en-US" altLang="zh-CN" sz="2800" dirty="0" smtClean="0">
-                <a:sym typeface="+mn-ea"/>
-              </a:rPr>
-              <a:t>Hystrix</a:t>
-            </a:r>
-            <a:r>
-              <a:rPr lang="zh-CN" altLang="en-US" sz="2800" dirty="0" smtClean="0">
-                <a:sym typeface="+mn-ea"/>
-              </a:rPr>
-              <a:t>、</a:t>
-            </a:r>
-            <a:r>
-              <a:rPr lang="en-US" altLang="zh-CN" sz="2800" dirty="0" smtClean="0">
-                <a:sym typeface="+mn-ea"/>
-              </a:rPr>
-              <a:t>Ribbon</a:t>
-            </a:r>
-            <a:r>
-              <a:rPr lang="zh-CN" altLang="en-US" sz="2800" dirty="0" smtClean="0">
-                <a:sym typeface="+mn-ea"/>
-              </a:rPr>
-              <a:t>、</a:t>
-            </a:r>
-            <a:r>
-              <a:rPr lang="en-US" altLang="zh-CN" sz="2800" dirty="0" smtClean="0">
-                <a:sym typeface="+mn-ea"/>
-              </a:rPr>
-              <a:t>Feign</a:t>
-            </a:r>
-            <a:r>
-              <a:rPr lang="zh-CN" altLang="en-US" sz="2800" dirty="0" smtClean="0">
-                <a:sym typeface="+mn-ea"/>
-              </a:rPr>
-              <a:t>、</a:t>
-            </a:r>
-            <a:r>
-              <a:rPr lang="en-US" altLang="zh-CN" sz="2800" dirty="0" smtClean="0">
-                <a:sym typeface="+mn-ea"/>
-              </a:rPr>
-              <a:t>Zuul</a:t>
-            </a:r>
-            <a:r>
-              <a:rPr lang="zh-CN" altLang="en-US" sz="2800" dirty="0" smtClean="0">
-                <a:sym typeface="+mn-ea"/>
-              </a:rPr>
-              <a:t>、</a:t>
-            </a:r>
-            <a:r>
-              <a:rPr lang="en-US" altLang="zh-CN" sz="2800" dirty="0" smtClean="0">
-                <a:sym typeface="+mn-ea"/>
-              </a:rPr>
-              <a:t>Archaius)</a:t>
-            </a:r>
-            <a:endParaRPr lang="en-US" altLang="zh-CN" sz="2800" dirty="0" smtClean="0">
-              <a:sym typeface="+mn-ea"/>
-            </a:endParaRPr>
-          </a:p>
-          <a:p>
-            <a:pPr marL="457200" indent="-457200" algn="l">
-              <a:buFont typeface="Arial" panose="020B0604020202020204" pitchFamily="34" charset="0"/>
-              <a:buChar char="•"/>
-            </a:pPr>
-            <a:r>
-              <a:rPr lang="en-US" altLang="zh-CN" sz="2800" dirty="0" smtClean="0">
-                <a:sym typeface="+mn-ea"/>
-              </a:rPr>
-              <a:t>Spring Cloud Bus</a:t>
-            </a:r>
-            <a:endParaRPr lang="en-US" altLang="zh-CN" sz="2800" dirty="0" smtClean="0">
-              <a:sym typeface="+mn-ea"/>
-            </a:endParaRPr>
-          </a:p>
-          <a:p>
-            <a:pPr marL="457200" indent="-457200" algn="l">
-              <a:buFont typeface="Arial" panose="020B0604020202020204" pitchFamily="34" charset="0"/>
-              <a:buChar char="•"/>
-            </a:pPr>
-            <a:r>
-              <a:rPr lang="en-US" altLang="zh-CN" sz="2800" dirty="0" smtClean="0">
-                <a:sym typeface="+mn-ea"/>
-              </a:rPr>
-              <a:t>Spring Cloud Cluster</a:t>
-            </a:r>
-            <a:endParaRPr lang="en-US" altLang="zh-CN" sz="2800" dirty="0" smtClean="0">
-              <a:sym typeface="+mn-ea"/>
-            </a:endParaRPr>
-          </a:p>
-          <a:p>
-            <a:pPr marL="457200" indent="-457200" algn="l">
-              <a:buFont typeface="Arial" panose="020B0604020202020204" pitchFamily="34" charset="0"/>
-              <a:buChar char="•"/>
-            </a:pPr>
-            <a:r>
-              <a:rPr lang="en-US" altLang="zh-CN" sz="2800" dirty="0" smtClean="0">
-                <a:sym typeface="+mn-ea"/>
-              </a:rPr>
-              <a:t>Spring Cloud Cloudfoundry</a:t>
-            </a:r>
-            <a:endParaRPr lang="en-US" altLang="zh-CN" sz="2800" dirty="0" smtClean="0">
-              <a:sym typeface="+mn-ea"/>
-            </a:endParaRPr>
-          </a:p>
-          <a:p>
-            <a:pPr marL="457200" indent="-457200" algn="l">
-              <a:buFont typeface="Arial" panose="020B0604020202020204" pitchFamily="34" charset="0"/>
-              <a:buChar char="•"/>
-            </a:pPr>
-            <a:r>
-              <a:rPr lang="en-US" altLang="zh-CN" sz="2800" dirty="0" smtClean="0">
-                <a:sym typeface="+mn-ea"/>
-              </a:rPr>
-              <a:t>Spring Cloud Consul</a:t>
-            </a:r>
-            <a:endParaRPr lang="en-US" altLang="zh-CN" sz="2800" dirty="0" smtClean="0">
-              <a:sym typeface="+mn-ea"/>
-            </a:endParaRPr>
-          </a:p>
-          <a:p>
-            <a:pPr marL="457200" indent="-457200" algn="l">
-              <a:buFont typeface="Arial" panose="020B0604020202020204" pitchFamily="34" charset="0"/>
-              <a:buChar char="•"/>
-            </a:pPr>
-            <a:r>
-              <a:rPr lang="en-US" altLang="zh-CN" sz="2800" dirty="0" smtClean="0">
-                <a:sym typeface="+mn-ea"/>
-              </a:rPr>
-              <a:t>Spring Cloud Stream</a:t>
-            </a:r>
-            <a:endParaRPr lang="en-US" altLang="zh-CN" sz="2800" dirty="0" smtClean="0">
-              <a:sym typeface="+mn-ea"/>
-            </a:endParaRPr>
-          </a:p>
-          <a:p>
-            <a:pPr marL="457200" indent="-457200" algn="l">
-              <a:buFont typeface="Arial" panose="020B0604020202020204" pitchFamily="34" charset="0"/>
-              <a:buChar char="•"/>
-            </a:pPr>
-            <a:r>
-              <a:rPr lang="en-US" altLang="zh-CN" sz="2800" dirty="0" smtClean="0">
-                <a:sym typeface="+mn-ea"/>
-              </a:rPr>
-              <a:t>Spring Cloud AWS</a:t>
-            </a:r>
-            <a:endParaRPr lang="en-US" altLang="zh-CN" sz="2800" dirty="0" smtClean="0">
-              <a:sym typeface="+mn-ea"/>
-            </a:endParaRPr>
-          </a:p>
-          <a:p>
-            <a:pPr marL="457200" indent="-457200" algn="l">
-              <a:buFont typeface="Arial" panose="020B0604020202020204" pitchFamily="34" charset="0"/>
-              <a:buChar char="•"/>
-            </a:pPr>
-            <a:r>
-              <a:rPr lang="en-US" altLang="zh-CN" sz="2800" dirty="0" smtClean="0">
-                <a:sym typeface="+mn-ea"/>
-              </a:rPr>
-              <a:t>......</a:t>
-            </a:r>
             <a:endParaRPr lang="en-US" altLang="zh-CN" sz="2800" dirty="0" smtClean="0">
               <a:sym typeface="+mn-ea"/>
             </a:endParaRPr>
@@ -17612,6 +19360,239 @@
             <a:endParaRPr lang="en-US" altLang="zh-CN" sz="2000" dirty="0" smtClean="0">
               <a:sym typeface="+mn-ea"/>
             </a:endParaRPr>
+          </a:p>
+        </p:txBody>
+      </p:sp>
+      <p:pic>
+        <p:nvPicPr>
+          <p:cNvPr id="2" name="图片 1" descr="danti"/>
+          <p:cNvPicPr>
+            <a:picLocks noChangeAspect="1"/>
+          </p:cNvPicPr>
+          <p:nvPr/>
+        </p:nvPicPr>
+        <p:blipFill>
+          <a:blip r:embed="rId1"/>
+          <a:stretch>
+            <a:fillRect/>
+          </a:stretch>
+        </p:blipFill>
+        <p:spPr>
+          <a:xfrm>
+            <a:off x="253365" y="1075055"/>
+            <a:ext cx="2731770" cy="3372485"/>
+          </a:xfrm>
+          <a:prstGeom prst="rect">
+            <a:avLst/>
+          </a:prstGeom>
+        </p:spPr>
+      </p:pic>
+      <p:pic>
+        <p:nvPicPr>
+          <p:cNvPr id="3" name="图片 2" descr="micro"/>
+          <p:cNvPicPr>
+            <a:picLocks noChangeAspect="1"/>
+          </p:cNvPicPr>
+          <p:nvPr/>
+        </p:nvPicPr>
+        <p:blipFill>
+          <a:blip r:embed="rId2"/>
+          <a:stretch>
+            <a:fillRect/>
+          </a:stretch>
+        </p:blipFill>
+        <p:spPr>
+          <a:xfrm>
+            <a:off x="4566920" y="1075055"/>
+            <a:ext cx="4354830" cy="3478530"/>
+          </a:xfrm>
+          <a:prstGeom prst="rect">
+            <a:avLst/>
+          </a:prstGeom>
+        </p:spPr>
+      </p:pic>
+      <p:sp>
+        <p:nvSpPr>
+          <p:cNvPr id="4" name="右箭头 3"/>
+          <p:cNvSpPr/>
+          <p:nvPr/>
+        </p:nvSpPr>
+        <p:spPr>
+          <a:xfrm>
+            <a:off x="3223260" y="2550795"/>
+            <a:ext cx="1216660" cy="485775"/>
+          </a:xfrm>
+          <a:prstGeom prst="rightArrow">
+            <a:avLst/>
+          </a:prstGeom>
+        </p:spPr>
+        <p:style>
+          <a:lnRef idx="2">
+            <a:schemeClr val="accent1">
+              <a:shade val="50000"/>
+            </a:schemeClr>
+          </a:lnRef>
+          <a:fillRef idx="1">
+            <a:schemeClr val="accent1"/>
+          </a:fillRef>
+          <a:effectRef idx="0">
+            <a:schemeClr val="accent1"/>
+          </a:effectRef>
+          <a:fontRef idx="minor">
+            <a:schemeClr val="lt1"/>
+          </a:fontRef>
+        </p:style>
+        <p:txBody>
+          <a:bodyPr rtlCol="0" anchor="ctr"/>
+          <a:p>
+            <a:pPr algn="ctr"/>
+            <a:endParaRPr lang="zh-CN" altLang="en-US"/>
+          </a:p>
+        </p:txBody>
+      </p:sp>
+      <p:sp>
+        <p:nvSpPr>
+          <p:cNvPr id="7" name="圆角矩形 6"/>
+          <p:cNvSpPr/>
+          <p:nvPr/>
+        </p:nvSpPr>
+        <p:spPr>
+          <a:xfrm>
+            <a:off x="340995" y="4639945"/>
+            <a:ext cx="2881630" cy="1649730"/>
+          </a:xfrm>
+          <a:prstGeom prst="roundRect">
+            <a:avLst/>
+          </a:prstGeom>
+        </p:spPr>
+        <p:style>
+          <a:lnRef idx="2">
+            <a:schemeClr val="accent1"/>
+          </a:lnRef>
+          <a:fillRef idx="1">
+            <a:schemeClr val="lt1"/>
+          </a:fillRef>
+          <a:effectRef idx="0">
+            <a:schemeClr val="accent1"/>
+          </a:effectRef>
+          <a:fontRef idx="minor">
+            <a:schemeClr val="dk1"/>
+          </a:fontRef>
+        </p:style>
+        <p:txBody>
+          <a:bodyPr rtlCol="0" anchor="ctr"/>
+          <a:p>
+            <a:pPr algn="ctr"/>
+            <a:r>
+              <a:rPr lang="zh-CN" altLang="zh-CN"/>
+              <a:t>开发效率低</a:t>
+            </a:r>
+            <a:endParaRPr lang="zh-CN" altLang="zh-CN"/>
+          </a:p>
+          <a:p>
+            <a:pPr algn="ctr"/>
+            <a:r>
+              <a:rPr lang="zh-CN" altLang="zh-CN"/>
+              <a:t>代码维护难</a:t>
+            </a:r>
+            <a:endParaRPr lang="zh-CN" altLang="zh-CN"/>
+          </a:p>
+          <a:p>
+            <a:pPr algn="ctr"/>
+            <a:r>
+              <a:rPr lang="zh-CN" altLang="zh-CN"/>
+              <a:t>稳定性不高</a:t>
+            </a:r>
+            <a:endParaRPr lang="zh-CN" altLang="zh-CN"/>
+          </a:p>
+          <a:p>
+            <a:pPr algn="ctr"/>
+            <a:r>
+              <a:rPr lang="zh-CN" altLang="zh-CN"/>
+              <a:t>扩展性不够</a:t>
+            </a:r>
+            <a:endParaRPr lang="zh-CN" altLang="zh-CN"/>
+          </a:p>
+          <a:p>
+            <a:pPr algn="ctr"/>
+            <a:r>
+              <a:rPr lang="en-US" altLang="zh-CN"/>
+              <a:t>...</a:t>
+            </a:r>
+            <a:endParaRPr lang="en-US" altLang="zh-CN"/>
+          </a:p>
+        </p:txBody>
+      </p:sp>
+      <p:sp>
+        <p:nvSpPr>
+          <p:cNvPr id="9" name="圆角矩形 8"/>
+          <p:cNvSpPr/>
+          <p:nvPr/>
+        </p:nvSpPr>
+        <p:spPr>
+          <a:xfrm>
+            <a:off x="5303520" y="4639945"/>
+            <a:ext cx="2881630" cy="1649730"/>
+          </a:xfrm>
+          <a:prstGeom prst="roundRect">
+            <a:avLst/>
+          </a:prstGeom>
+        </p:spPr>
+        <p:style>
+          <a:lnRef idx="2">
+            <a:schemeClr val="accent1"/>
+          </a:lnRef>
+          <a:fillRef idx="1">
+            <a:schemeClr val="lt1"/>
+          </a:fillRef>
+          <a:effectRef idx="0">
+            <a:schemeClr val="accent1"/>
+          </a:effectRef>
+          <a:fontRef idx="minor">
+            <a:schemeClr val="dk1"/>
+          </a:fontRef>
+        </p:style>
+        <p:txBody>
+          <a:bodyPr rtlCol="0" anchor="ctr"/>
+          <a:p>
+            <a:pPr algn="ctr"/>
+            <a:r>
+              <a:rPr lang="zh-CN" altLang="en-US"/>
+              <a:t>跨平台</a:t>
+            </a:r>
+            <a:endParaRPr lang="zh-CN" altLang="en-US"/>
+          </a:p>
+          <a:p>
+            <a:pPr algn="ctr"/>
+            <a:r>
+              <a:rPr lang="zh-CN" altLang="zh-CN"/>
+              <a:t>自动化部署</a:t>
+            </a:r>
+            <a:endParaRPr lang="zh-CN" altLang="zh-CN"/>
+          </a:p>
+          <a:p>
+            <a:pPr algn="ctr"/>
+            <a:r>
+              <a:rPr lang="zh-CN" altLang="zh-CN"/>
+              <a:t>服务组件化</a:t>
+            </a:r>
+            <a:endParaRPr lang="zh-CN" altLang="zh-CN"/>
+          </a:p>
+          <a:p>
+            <a:pPr algn="ctr"/>
+            <a:r>
+              <a:rPr lang="zh-CN" altLang="zh-CN"/>
+              <a:t>易于扩展</a:t>
+            </a:r>
+            <a:endParaRPr lang="zh-CN" altLang="zh-CN"/>
+          </a:p>
+          <a:p>
+            <a:pPr algn="ctr"/>
+            <a:r>
+              <a:rPr lang="en-US" altLang="zh-CN"/>
+              <a:t>...</a:t>
+            </a:r>
+            <a:endParaRPr lang="en-US" altLang="zh-CN"/>
           </a:p>
         </p:txBody>
       </p:sp>
@@ -17624,9 +19605,208 @@
   <p:timing>
     <p:tnLst>
       <p:par>
-        <p:cTn id="1" dur="indefinite" restart="never" nodeType="tmRoot"/>
+        <p:cTn id="1" dur="indefinite" restart="never" nodeType="tmRoot">
+          <p:childTnLst>
+            <p:seq concurrent="1" nextAc="seek">
+              <p:cTn id="2" dur="indefinite" nodeType="mainSeq">
+                <p:childTnLst>
+                  <p:par>
+                    <p:cTn id="3" fill="hold">
+                      <p:stCondLst>
+                        <p:cond delay="indefinite"/>
+                      </p:stCondLst>
+                      <p:childTnLst>
+                        <p:par>
+                          <p:cTn id="4" fill="hold">
+                            <p:stCondLst>
+                              <p:cond delay="0"/>
+                            </p:stCondLst>
+                            <p:childTnLst>
+                              <p:par>
+                                <p:cTn id="5" presetID="1" presetClass="entr" presetSubtype="0" fill="hold" nodeType="clickEffect">
+                                  <p:stCondLst>
+                                    <p:cond delay="0"/>
+                                  </p:stCondLst>
+                                  <p:childTnLst>
+                                    <p:set>
+                                      <p:cBhvr>
+                                        <p:cTn id="6" dur="1" fill="hold">
+                                          <p:stCondLst>
+                                            <p:cond delay="0"/>
+                                          </p:stCondLst>
+                                        </p:cTn>
+                                        <p:tgtEl>
+                                          <p:spTgt spid="2"/>
+                                        </p:tgtEl>
+                                        <p:attrNameLst>
+                                          <p:attrName>style.visibility</p:attrName>
+                                        </p:attrNameLst>
+                                      </p:cBhvr>
+                                      <p:to>
+                                        <p:strVal val="visible"/>
+                                      </p:to>
+                                    </p:set>
+                                  </p:childTnLst>
+                                </p:cTn>
+                              </p:par>
+                              <p:par>
+                                <p:cTn id="7" presetID="1" presetClass="entr" presetSubtype="0" fill="hold" grpId="0" nodeType="withEffect">
+                                  <p:stCondLst>
+                                    <p:cond delay="0"/>
+                                  </p:stCondLst>
+                                  <p:childTnLst>
+                                    <p:set>
+                                      <p:cBhvr>
+                                        <p:cTn id="8" dur="1" fill="hold">
+                                          <p:stCondLst>
+                                            <p:cond delay="0"/>
+                                          </p:stCondLst>
+                                        </p:cTn>
+                                        <p:tgtEl>
+                                          <p:spTgt spid="7"/>
+                                        </p:tgtEl>
+                                        <p:attrNameLst>
+                                          <p:attrName>style.visibility</p:attrName>
+                                        </p:attrNameLst>
+                                      </p:cBhvr>
+                                      <p:to>
+                                        <p:strVal val="visible"/>
+                                      </p:to>
+                                    </p:set>
+                                  </p:childTnLst>
+                                </p:cTn>
+                              </p:par>
+                            </p:childTnLst>
+                          </p:cTn>
+                        </p:par>
+                      </p:childTnLst>
+                    </p:cTn>
+                  </p:par>
+                  <p:par>
+                    <p:cTn id="9" fill="hold">
+                      <p:stCondLst>
+                        <p:cond delay="indefinite"/>
+                      </p:stCondLst>
+                      <p:childTnLst>
+                        <p:par>
+                          <p:cTn id="10" fill="hold">
+                            <p:stCondLst>
+                              <p:cond delay="0"/>
+                            </p:stCondLst>
+                            <p:childTnLst>
+                              <p:par>
+                                <p:cTn id="11" presetID="1" presetClass="entr" presetSubtype="0" fill="hold" grpId="0" nodeType="clickEffect">
+                                  <p:stCondLst>
+                                    <p:cond delay="0"/>
+                                  </p:stCondLst>
+                                  <p:childTnLst>
+                                    <p:set>
+                                      <p:cBhvr>
+                                        <p:cTn id="12" dur="1" fill="hold">
+                                          <p:stCondLst>
+                                            <p:cond delay="0"/>
+                                          </p:stCondLst>
+                                        </p:cTn>
+                                        <p:tgtEl>
+                                          <p:spTgt spid="4"/>
+                                        </p:tgtEl>
+                                        <p:attrNameLst>
+                                          <p:attrName>style.visibility</p:attrName>
+                                        </p:attrNameLst>
+                                      </p:cBhvr>
+                                      <p:to>
+                                        <p:strVal val="visible"/>
+                                      </p:to>
+                                    </p:set>
+                                  </p:childTnLst>
+                                </p:cTn>
+                              </p:par>
+                              <p:par>
+                                <p:cTn id="13" presetID="1" presetClass="entr" presetSubtype="0" fill="hold" nodeType="withEffect">
+                                  <p:stCondLst>
+                                    <p:cond delay="0"/>
+                                  </p:stCondLst>
+                                  <p:childTnLst>
+                                    <p:set>
+                                      <p:cBhvr>
+                                        <p:cTn id="14" dur="1" fill="hold">
+                                          <p:stCondLst>
+                                            <p:cond delay="0"/>
+                                          </p:stCondLst>
+                                        </p:cTn>
+                                        <p:tgtEl>
+                                          <p:spTgt spid="3"/>
+                                        </p:tgtEl>
+                                        <p:attrNameLst>
+                                          <p:attrName>style.visibility</p:attrName>
+                                        </p:attrNameLst>
+                                      </p:cBhvr>
+                                      <p:to>
+                                        <p:strVal val="visible"/>
+                                      </p:to>
+                                    </p:set>
+                                  </p:childTnLst>
+                                </p:cTn>
+                              </p:par>
+                              <p:par>
+                                <p:cTn id="15" presetID="1" presetClass="entr" presetSubtype="0" fill="hold" grpId="0" nodeType="withEffect">
+                                  <p:stCondLst>
+                                    <p:cond delay="0"/>
+                                  </p:stCondLst>
+                                  <p:childTnLst>
+                                    <p:set>
+                                      <p:cBhvr>
+                                        <p:cTn id="16" dur="1" fill="hold">
+                                          <p:stCondLst>
+                                            <p:cond delay="0"/>
+                                          </p:stCondLst>
+                                        </p:cTn>
+                                        <p:tgtEl>
+                                          <p:spTgt spid="9"/>
+                                        </p:tgtEl>
+                                        <p:attrNameLst>
+                                          <p:attrName>style.visibility</p:attrName>
+                                        </p:attrNameLst>
+                                      </p:cBhvr>
+                                      <p:to>
+                                        <p:strVal val="visible"/>
+                                      </p:to>
+                                    </p:set>
+                                  </p:childTnLst>
+                                </p:cTn>
+                              </p:par>
+                            </p:childTnLst>
+                          </p:cTn>
+                        </p:par>
+                      </p:childTnLst>
+                    </p:cTn>
+                  </p:par>
+                </p:childTnLst>
+              </p:cTn>
+              <p:prevCondLst>
+                <p:cond evt="onPrev" delay="0">
+                  <p:tgtEl>
+                    <p:sldTgt/>
+                  </p:tgtEl>
+                </p:cond>
+              </p:prevCondLst>
+              <p:nextCondLst>
+                <p:cond evt="onNext" delay="0">
+                  <p:tgtEl>
+                    <p:sldTgt/>
+                  </p:tgtEl>
+                </p:cond>
+              </p:nextCondLst>
+            </p:seq>
+          </p:childTnLst>
+        </p:cTn>
       </p:par>
     </p:tnLst>
+    <p:bldLst>
+      <p:bldP spid="7" grpId="0" animBg="1"/>
+      <p:bldP spid="4" grpId="0" animBg="1"/>
+      <p:bldP spid="9" grpId="0" animBg="1"/>
+    </p:bldLst>
   </p:timing>
 </p:sld>
 </file>

--- a/Spring.pptx
+++ b/Spring.pptx
@@ -18,9 +18,10 @@
     <p:sldId id="361" r:id="rId13"/>
     <p:sldId id="362" r:id="rId14"/>
     <p:sldId id="378" r:id="rId15"/>
-    <p:sldId id="363" r:id="rId16"/>
-    <p:sldId id="379" r:id="rId17"/>
-    <p:sldId id="345" r:id="rId18"/>
+    <p:sldId id="383" r:id="rId16"/>
+    <p:sldId id="363" r:id="rId17"/>
+    <p:sldId id="379" r:id="rId18"/>
+    <p:sldId id="345" r:id="rId19"/>
   </p:sldIdLst>
   <p:sldSz cx="9144000" cy="6858000" type="screen4x3"/>
   <p:notesSz cx="6858000" cy="9144000"/>
@@ -12425,7 +12426,7 @@
         </p:nvSpPr>
         <p:spPr>
           <a:xfrm>
-            <a:off x="135257" y="281310"/>
+            <a:off x="135258" y="281310"/>
             <a:ext cx="3632359" cy="460375"/>
           </a:xfrm>
           <a:prstGeom prst="rect">
@@ -12449,7 +12450,7 @@
               </a:rPr>
               <a:t>Spring Cloud</a:t>
             </a:r>
-            <a:endParaRPr lang="zh-CN" altLang="zh-CN" sz="2400" dirty="0">
+            <a:endParaRPr lang="en-US" altLang="zh-CN" sz="2400" dirty="0">
               <a:solidFill>
                 <a:prstClr val="black"/>
               </a:solidFill>
@@ -12471,139 +12472,298 @@
         </p:nvSpPr>
         <p:spPr>
           <a:xfrm>
-            <a:off x="253678" y="950630"/>
-            <a:ext cx="8352928" cy="5616624"/>
+            <a:off x="349885" y="1082040"/>
+            <a:ext cx="8198485" cy="4408170"/>
           </a:xfrm>
         </p:spPr>
         <p:txBody>
           <a:bodyPr/>
           <a:lstStyle/>
           <a:p>
-            <a:pPr marL="457200" indent="-457200" algn="l">
-              <a:buFont typeface="Arial" panose="020B0604020202020204" pitchFamily="34" charset="0"/>
-              <a:buChar char="•"/>
+            <a:pPr algn="l">
+              <a:lnSpc>
+                <a:spcPct val="100000"/>
+              </a:lnSpc>
+              <a:buFont typeface="Wingdings" panose="05000000000000000000" charset="0"/>
             </a:pPr>
-            <a:endParaRPr lang="en-US" altLang="zh-CN" sz="2800" dirty="0" smtClean="0">
-              <a:sym typeface="+mn-ea"/>
-            </a:endParaRPr>
-          </a:p>
-          <a:p>
-            <a:pPr marL="457200" indent="-457200" algn="l">
-              <a:buFont typeface="Arial" panose="020B0604020202020204" pitchFamily="34" charset="0"/>
-              <a:buChar char="•"/>
-            </a:pPr>
-            <a:endParaRPr lang="en-US" altLang="zh-CN" sz="2800" dirty="0" smtClean="0">
-              <a:sym typeface="+mn-ea"/>
-            </a:endParaRPr>
-          </a:p>
-          <a:p>
-            <a:pPr marL="457200" indent="-457200" algn="l">
-              <a:buFont typeface="Arial" panose="020B0604020202020204" pitchFamily="34" charset="0"/>
-              <a:buChar char="•"/>
-            </a:pPr>
-            <a:endParaRPr lang="en-US" altLang="zh-CN" sz="2800" dirty="0" smtClean="0">
-              <a:sym typeface="+mn-ea"/>
-            </a:endParaRPr>
-          </a:p>
-          <a:p>
-            <a:pPr algn="l">
-              <a:buNone/>
-            </a:pPr>
-            <a:endParaRPr lang="en-US" altLang="zh-CN" sz="2000" dirty="0" smtClean="0">
-              <a:sym typeface="+mn-ea"/>
-            </a:endParaRPr>
-          </a:p>
-          <a:p>
-            <a:pPr algn="l">
-              <a:buNone/>
-            </a:pPr>
-            <a:endParaRPr lang="en-US" altLang="zh-CN" sz="2000" dirty="0" smtClean="0">
-              <a:sym typeface="+mn-ea"/>
-            </a:endParaRPr>
-          </a:p>
-        </p:txBody>
-      </p:sp>
-      <p:pic>
-        <p:nvPicPr>
-          <p:cNvPr id="2" name="图片 1" descr="spring cloud"/>
-          <p:cNvPicPr>
-            <a:picLocks noChangeAspect="1"/>
-          </p:cNvPicPr>
-          <p:nvPr/>
-        </p:nvPicPr>
-        <p:blipFill>
-          <a:blip r:embed="rId1"/>
-          <a:stretch>
-            <a:fillRect/>
-          </a:stretch>
-        </p:blipFill>
-        <p:spPr>
-          <a:xfrm>
-            <a:off x="135255" y="950595"/>
-            <a:ext cx="8590280" cy="4390390"/>
-          </a:xfrm>
-          <a:prstGeom prst="rect">
-            <a:avLst/>
-          </a:prstGeom>
-        </p:spPr>
-      </p:pic>
-      <p:sp>
-        <p:nvSpPr>
-          <p:cNvPr id="3" name="文本框 2"/>
-          <p:cNvSpPr txBox="1"/>
-          <p:nvPr/>
-        </p:nvSpPr>
-        <p:spPr>
-          <a:xfrm>
-            <a:off x="2755900" y="5638165"/>
-            <a:ext cx="3979545" cy="368300"/>
-          </a:xfrm>
-          <a:prstGeom prst="rect">
-            <a:avLst/>
-          </a:prstGeom>
-          <a:noFill/>
-        </p:spPr>
-        <p:txBody>
-          <a:bodyPr wrap="square" rtlCol="0" anchor="t">
-            <a:spAutoFit/>
-          </a:bodyPr>
-          <a:p>
-            <a:r>
-              <a:rPr lang="zh-CN" altLang="zh-CN" dirty="0">
-                <a:solidFill>
-                  <a:prstClr val="black"/>
-                </a:solidFill>
+            <a:r>
+              <a:rPr lang="en-US" altLang="zh-CN" sz="1600" dirty="0">
                 <a:latin typeface="微软雅黑" panose="020B0503020204020204" charset="-122"/>
                 <a:ea typeface="微软雅黑" panose="020B0503020204020204" charset="-122"/>
               </a:rPr>
-              <a:t>基于</a:t>
-            </a:r>
-            <a:r>
-              <a:rPr lang="en-US" altLang="zh-CN" dirty="0">
-                <a:solidFill>
-                  <a:prstClr val="black"/>
-                </a:solidFill>
+              <a:t>Spring Cloud Eureka</a:t>
+            </a:r>
+            <a:r>
+              <a:rPr lang="zh-CN" altLang="zh-CN" sz="1600" dirty="0">
                 <a:latin typeface="微软雅黑" panose="020B0503020204020204" charset="-122"/>
                 <a:ea typeface="微软雅黑" panose="020B0503020204020204" charset="-122"/>
               </a:rPr>
-              <a:t>Spring Cloud</a:t>
-            </a:r>
-            <a:r>
-              <a:rPr lang="zh-CN" altLang="zh-CN" dirty="0">
-                <a:solidFill>
-                  <a:prstClr val="black"/>
-                </a:solidFill>
+              <a:t>：服务治理组件、实现各个微服务实例的注册和发现</a:t>
+            </a:r>
+            <a:endParaRPr lang="zh-CN" altLang="zh-CN" sz="1600" dirty="0">
+              <a:latin typeface="微软雅黑" panose="020B0503020204020204" charset="-122"/>
+              <a:ea typeface="微软雅黑" panose="020B0503020204020204" charset="-122"/>
+            </a:endParaRPr>
+          </a:p>
+          <a:p>
+            <a:pPr algn="l">
+              <a:lnSpc>
+                <a:spcPct val="150000"/>
+              </a:lnSpc>
+              <a:buFont typeface="Wingdings" panose="05000000000000000000" charset="0"/>
+            </a:pPr>
+            <a:r>
+              <a:rPr lang="en-US" altLang="zh-CN" sz="1600" dirty="0">
                 <a:latin typeface="微软雅黑" panose="020B0503020204020204" charset="-122"/>
                 <a:ea typeface="微软雅黑" panose="020B0503020204020204" charset="-122"/>
               </a:rPr>
-              <a:t>分布式系统架构</a:t>
-            </a:r>
-            <a:endParaRPr lang="zh-CN" altLang="zh-CN" dirty="0">
-              <a:solidFill>
-                <a:prstClr val="black"/>
-              </a:solidFill>
+              <a:t>Spring Cloud Ribbon</a:t>
+            </a:r>
+            <a:r>
+              <a:rPr lang="zh-CN" altLang="zh-CN" sz="1600" dirty="0">
+                <a:latin typeface="微软雅黑" panose="020B0503020204020204" charset="-122"/>
+                <a:ea typeface="微软雅黑" panose="020B0503020204020204" charset="-122"/>
+              </a:rPr>
+              <a:t>：客户端负载均衡组件</a:t>
+            </a:r>
+            <a:endParaRPr lang="zh-CN" altLang="zh-CN" sz="1600" dirty="0">
               <a:latin typeface="微软雅黑" panose="020B0503020204020204" charset="-122"/>
               <a:ea typeface="微软雅黑" panose="020B0503020204020204" charset="-122"/>
+            </a:endParaRPr>
+          </a:p>
+          <a:p>
+            <a:pPr algn="l">
+              <a:lnSpc>
+                <a:spcPct val="150000"/>
+              </a:lnSpc>
+              <a:buFont typeface="Wingdings" panose="05000000000000000000" charset="0"/>
+            </a:pPr>
+            <a:r>
+              <a:rPr lang="en-US" altLang="zh-CN" sz="1600" dirty="0">
+                <a:latin typeface="微软雅黑" panose="020B0503020204020204" charset="-122"/>
+                <a:ea typeface="微软雅黑" panose="020B0503020204020204" charset="-122"/>
+              </a:rPr>
+              <a:t>Spring Cloud Hystrix</a:t>
+            </a:r>
+            <a:r>
+              <a:rPr lang="zh-CN" altLang="en-US" sz="1600" dirty="0">
+                <a:latin typeface="微软雅黑" panose="020B0503020204020204" charset="-122"/>
+                <a:ea typeface="微软雅黑" panose="020B0503020204020204" charset="-122"/>
+              </a:rPr>
+              <a:t>：容错服务组件</a:t>
+            </a:r>
+            <a:endParaRPr lang="zh-CN" altLang="en-US" sz="1600" dirty="0">
+              <a:latin typeface="微软雅黑" panose="020B0503020204020204" charset="-122"/>
+              <a:ea typeface="微软雅黑" panose="020B0503020204020204" charset="-122"/>
+            </a:endParaRPr>
+          </a:p>
+          <a:p>
+            <a:pPr algn="l">
+              <a:lnSpc>
+                <a:spcPct val="150000"/>
+              </a:lnSpc>
+              <a:buFont typeface="Wingdings" panose="05000000000000000000" charset="0"/>
+            </a:pPr>
+            <a:r>
+              <a:rPr lang="en-US" altLang="zh-CN" sz="1600" dirty="0">
+                <a:latin typeface="微软雅黑" panose="020B0503020204020204" charset="-122"/>
+                <a:ea typeface="微软雅黑" panose="020B0503020204020204" charset="-122"/>
+              </a:rPr>
+              <a:t>Spring Cloud Feign</a:t>
+            </a:r>
+            <a:r>
+              <a:rPr lang="zh-CN" altLang="en-US" sz="1600" dirty="0">
+                <a:latin typeface="微软雅黑" panose="020B0503020204020204" charset="-122"/>
+                <a:ea typeface="微软雅黑" panose="020B0503020204020204" charset="-122"/>
+              </a:rPr>
+              <a:t>： 整合了</a:t>
+            </a:r>
+            <a:r>
+              <a:rPr lang="en-US" altLang="zh-CN" sz="1600" dirty="0">
+                <a:latin typeface="微软雅黑" panose="020B0503020204020204" charset="-122"/>
+                <a:ea typeface="微软雅黑" panose="020B0503020204020204" charset="-122"/>
+                <a:sym typeface="+mn-ea"/>
+              </a:rPr>
+              <a:t>Spring Cloud Ribbon</a:t>
+            </a:r>
+            <a:r>
+              <a:rPr lang="zh-CN" altLang="en-US" sz="1600" dirty="0">
+                <a:latin typeface="微软雅黑" panose="020B0503020204020204" charset="-122"/>
+                <a:ea typeface="微软雅黑" panose="020B0503020204020204" charset="-122"/>
+                <a:sym typeface="+mn-ea"/>
+              </a:rPr>
+              <a:t>和</a:t>
+            </a:r>
+            <a:r>
+              <a:rPr lang="en-US" altLang="zh-CN" sz="1600" dirty="0">
+                <a:latin typeface="微软雅黑" panose="020B0503020204020204" charset="-122"/>
+                <a:ea typeface="微软雅黑" panose="020B0503020204020204" charset="-122"/>
+                <a:sym typeface="+mn-ea"/>
+              </a:rPr>
+              <a:t>Spring Cloud Hystrix</a:t>
+            </a:r>
+            <a:endParaRPr lang="en-US" altLang="zh-CN" sz="1600" dirty="0">
+              <a:latin typeface="微软雅黑" panose="020B0503020204020204" charset="-122"/>
+              <a:ea typeface="微软雅黑" panose="020B0503020204020204" charset="-122"/>
+              <a:sym typeface="+mn-ea"/>
+            </a:endParaRPr>
+          </a:p>
+          <a:p>
+            <a:pPr algn="l">
+              <a:lnSpc>
+                <a:spcPct val="150000"/>
+              </a:lnSpc>
+              <a:buFont typeface="Wingdings" panose="05000000000000000000" charset="0"/>
+            </a:pPr>
+            <a:r>
+              <a:rPr lang="en-US" altLang="zh-CN" sz="1600" dirty="0">
+                <a:latin typeface="微软雅黑" panose="020B0503020204020204" charset="-122"/>
+                <a:ea typeface="微软雅黑" panose="020B0503020204020204" charset="-122"/>
+                <a:sym typeface="+mn-ea"/>
+              </a:rPr>
+              <a:t>Spring Cloud Zuul</a:t>
+            </a:r>
+            <a:r>
+              <a:rPr lang="zh-CN" altLang="en-US" sz="1600" dirty="0">
+                <a:latin typeface="微软雅黑" panose="020B0503020204020204" charset="-122"/>
+                <a:ea typeface="微软雅黑" panose="020B0503020204020204" charset="-122"/>
+                <a:sym typeface="+mn-ea"/>
+              </a:rPr>
+              <a:t>：网关组件，提供智能路由和访问过滤等功能</a:t>
+            </a:r>
+            <a:endParaRPr lang="zh-CN" altLang="en-US" sz="1600" dirty="0">
+              <a:latin typeface="微软雅黑" panose="020B0503020204020204" charset="-122"/>
+              <a:ea typeface="微软雅黑" panose="020B0503020204020204" charset="-122"/>
+              <a:sym typeface="+mn-ea"/>
+            </a:endParaRPr>
+          </a:p>
+          <a:p>
+            <a:pPr algn="l">
+              <a:lnSpc>
+                <a:spcPct val="150000"/>
+              </a:lnSpc>
+              <a:buFont typeface="Wingdings" panose="05000000000000000000" charset="0"/>
+            </a:pPr>
+            <a:r>
+              <a:rPr lang="en-US" altLang="zh-CN" sz="1600" dirty="0">
+                <a:latin typeface="微软雅黑" panose="020B0503020204020204" charset="-122"/>
+                <a:ea typeface="微软雅黑" panose="020B0503020204020204" charset="-122"/>
+                <a:sym typeface="+mn-ea"/>
+              </a:rPr>
+              <a:t>Spring Cloud Config</a:t>
+            </a:r>
+            <a:r>
+              <a:rPr lang="zh-CN" altLang="en-US" sz="1600" dirty="0">
+                <a:latin typeface="微软雅黑" panose="020B0503020204020204" charset="-122"/>
+                <a:ea typeface="微软雅黑" panose="020B0503020204020204" charset="-122"/>
+                <a:sym typeface="+mn-ea"/>
+              </a:rPr>
+              <a:t>：分布式配置中心</a:t>
+            </a:r>
+            <a:endParaRPr lang="zh-CN" altLang="en-US" sz="1600" dirty="0">
+              <a:latin typeface="微软雅黑" panose="020B0503020204020204" charset="-122"/>
+              <a:ea typeface="微软雅黑" panose="020B0503020204020204" charset="-122"/>
+              <a:sym typeface="+mn-ea"/>
+            </a:endParaRPr>
+          </a:p>
+          <a:p>
+            <a:pPr algn="l">
+              <a:lnSpc>
+                <a:spcPct val="150000"/>
+              </a:lnSpc>
+              <a:buFont typeface="Wingdings" panose="05000000000000000000" charset="0"/>
+            </a:pPr>
+            <a:r>
+              <a:rPr lang="en-US" altLang="zh-CN" sz="1600" dirty="0">
+                <a:latin typeface="微软雅黑" panose="020B0503020204020204" charset="-122"/>
+                <a:ea typeface="微软雅黑" panose="020B0503020204020204" charset="-122"/>
+                <a:sym typeface="+mn-ea"/>
+              </a:rPr>
+              <a:t>Spring Cloud Stream</a:t>
+            </a:r>
+            <a:r>
+              <a:rPr lang="zh-CN" altLang="en-US" sz="1600" dirty="0">
+                <a:latin typeface="微软雅黑" panose="020B0503020204020204" charset="-122"/>
+                <a:ea typeface="微软雅黑" panose="020B0503020204020204" charset="-122"/>
+                <a:sym typeface="+mn-ea"/>
+              </a:rPr>
+              <a:t>：轻量级的消息驱动的微服务框架</a:t>
+            </a:r>
+            <a:endParaRPr lang="zh-CN" altLang="en-US" sz="1600" dirty="0">
+              <a:latin typeface="微软雅黑" panose="020B0503020204020204" charset="-122"/>
+              <a:ea typeface="微软雅黑" panose="020B0503020204020204" charset="-122"/>
+              <a:sym typeface="+mn-ea"/>
+            </a:endParaRPr>
+          </a:p>
+          <a:p>
+            <a:pPr algn="l">
+              <a:lnSpc>
+                <a:spcPct val="150000"/>
+              </a:lnSpc>
+              <a:buFont typeface="Wingdings" panose="05000000000000000000" charset="0"/>
+            </a:pPr>
+            <a:r>
+              <a:rPr lang="en-US" altLang="zh-CN" sz="1600" dirty="0">
+                <a:latin typeface="微软雅黑" panose="020B0503020204020204" charset="-122"/>
+                <a:ea typeface="微软雅黑" panose="020B0503020204020204" charset="-122"/>
+                <a:sym typeface="+mn-ea"/>
+              </a:rPr>
+              <a:t>Spring Cloud Bus</a:t>
+            </a:r>
+            <a:r>
+              <a:rPr lang="zh-CN" altLang="en-US" sz="1600" dirty="0">
+                <a:latin typeface="微软雅黑" panose="020B0503020204020204" charset="-122"/>
+                <a:ea typeface="微软雅黑" panose="020B0503020204020204" charset="-122"/>
+                <a:sym typeface="+mn-ea"/>
+              </a:rPr>
+              <a:t>：事件、消息总线</a:t>
+            </a:r>
+            <a:endParaRPr lang="zh-CN" altLang="en-US" sz="1600" dirty="0">
+              <a:latin typeface="微软雅黑" panose="020B0503020204020204" charset="-122"/>
+              <a:ea typeface="微软雅黑" panose="020B0503020204020204" charset="-122"/>
+              <a:sym typeface="+mn-ea"/>
+            </a:endParaRPr>
+          </a:p>
+          <a:p>
+            <a:pPr algn="l">
+              <a:lnSpc>
+                <a:spcPct val="150000"/>
+              </a:lnSpc>
+              <a:buFont typeface="Wingdings" panose="05000000000000000000" charset="0"/>
+            </a:pPr>
+            <a:r>
+              <a:rPr lang="en-US" altLang="zh-CN" sz="1600" dirty="0">
+                <a:latin typeface="微软雅黑" panose="020B0503020204020204" charset="-122"/>
+                <a:ea typeface="微软雅黑" panose="020B0503020204020204" charset="-122"/>
+                <a:sym typeface="+mn-ea"/>
+              </a:rPr>
+              <a:t>Spring Cloud Sleuth</a:t>
+            </a:r>
+            <a:r>
+              <a:rPr lang="zh-CN" altLang="en-US" sz="1600" dirty="0">
+                <a:latin typeface="微软雅黑" panose="020B0503020204020204" charset="-122"/>
+                <a:ea typeface="微软雅黑" panose="020B0503020204020204" charset="-122"/>
+                <a:sym typeface="+mn-ea"/>
+              </a:rPr>
+              <a:t>：分布式跟踪服务</a:t>
+            </a:r>
+            <a:endParaRPr lang="zh-CN" altLang="en-US" sz="1600" dirty="0">
+              <a:latin typeface="微软雅黑" panose="020B0503020204020204" charset="-122"/>
+              <a:ea typeface="微软雅黑" panose="020B0503020204020204" charset="-122"/>
+              <a:sym typeface="+mn-ea"/>
+            </a:endParaRPr>
+          </a:p>
+          <a:p>
+            <a:pPr algn="l">
+              <a:lnSpc>
+                <a:spcPct val="150000"/>
+              </a:lnSpc>
+              <a:buFont typeface="Wingdings" panose="05000000000000000000" charset="0"/>
+            </a:pPr>
+            <a:endParaRPr lang="zh-CN" altLang="en-US" sz="1600" dirty="0">
+              <a:latin typeface="微软雅黑" panose="020B0503020204020204" charset="-122"/>
+              <a:ea typeface="微软雅黑" panose="020B0503020204020204" charset="-122"/>
+              <a:sym typeface="+mn-ea"/>
             </a:endParaRPr>
           </a:p>
         </p:txBody>
@@ -12613,7 +12773,7 @@
   <p:clrMapOvr>
     <a:masterClrMapping/>
   </p:clrMapOvr>
-  <p:transition advTm="12074"/>
+  <p:transition advTm="18486"/>
   <p:timing>
     <p:tnLst>
       <p:par>
@@ -12664,14 +12824,14 @@
           <a:lstStyle/>
           <a:p>
             <a:r>
-              <a:rPr lang="zh-CN" altLang="zh-CN" sz="2400" dirty="0">
+              <a:rPr lang="en-US" altLang="zh-CN" sz="2400" dirty="0">
                 <a:solidFill>
                   <a:prstClr val="black"/>
                 </a:solidFill>
                 <a:latin typeface="微软雅黑" panose="020B0503020204020204" charset="-122"/>
                 <a:ea typeface="微软雅黑" panose="020B0503020204020204" charset="-122"/>
               </a:rPr>
-              <a:t>总结</a:t>
+              <a:t>Spring Cloud</a:t>
             </a:r>
             <a:endParaRPr lang="zh-CN" altLang="zh-CN" sz="2400" dirty="0">
               <a:solidFill>
@@ -12695,127 +12855,139 @@
         </p:nvSpPr>
         <p:spPr>
           <a:xfrm>
-            <a:off x="443230" y="1020445"/>
-            <a:ext cx="7421245" cy="3794125"/>
+            <a:off x="253678" y="950630"/>
+            <a:ext cx="8352928" cy="5616624"/>
           </a:xfrm>
         </p:spPr>
         <p:txBody>
           <a:bodyPr/>
           <a:lstStyle/>
           <a:p>
-            <a:pPr marL="457200" indent="-457200" algn="just">
-              <a:buFont typeface="Wingdings" panose="05000000000000000000" charset="0"/>
-              <a:buChar char=""/>
+            <a:pPr marL="457200" indent="-457200" algn="l">
+              <a:buFont typeface="Arial" panose="020B0604020202020204" pitchFamily="34" charset="0"/>
+              <a:buChar char="•"/>
             </a:pPr>
-            <a:r>
-              <a:rPr lang="en-US" altLang="zh-CN" dirty="0" smtClean="0">
-                <a:sym typeface="+mn-ea"/>
-              </a:rPr>
-              <a:t>Spring MVC</a:t>
-            </a:r>
-            <a:r>
-              <a:rPr lang="zh-CN" altLang="zh-CN" dirty="0" smtClean="0">
-                <a:sym typeface="+mn-ea"/>
-              </a:rPr>
-              <a:t>：基于Java的实现了Web MVC架构模式的请求驱动类型的轻量级Web框架，简化了</a:t>
-            </a:r>
-            <a:r>
-              <a:rPr lang="en-US" altLang="zh-CN" dirty="0" smtClean="0">
-                <a:sym typeface="+mn-ea"/>
-              </a:rPr>
-              <a:t>WEB</a:t>
-            </a:r>
-            <a:r>
-              <a:rPr lang="zh-CN" altLang="en-US" dirty="0" smtClean="0">
-                <a:sym typeface="+mn-ea"/>
-              </a:rPr>
-              <a:t>应用的开发</a:t>
-            </a:r>
-            <a:endParaRPr lang="zh-CN" altLang="en-US" dirty="0" smtClean="0">
+            <a:endParaRPr lang="en-US" altLang="zh-CN" sz="2800" dirty="0" smtClean="0">
               <a:sym typeface="+mn-ea"/>
             </a:endParaRPr>
           </a:p>
           <a:p>
-            <a:pPr marL="457200" indent="-457200" algn="just">
-              <a:buFont typeface="Wingdings" panose="05000000000000000000" charset="0"/>
-              <a:buChar char=""/>
+            <a:pPr marL="457200" indent="-457200" algn="l">
+              <a:buFont typeface="Arial" panose="020B0604020202020204" pitchFamily="34" charset="0"/>
+              <a:buChar char="•"/>
             </a:pPr>
-            <a:r>
-              <a:rPr lang="en-US" altLang="zh-CN" dirty="0" smtClean="0">
-                <a:sym typeface="+mn-ea"/>
-              </a:rPr>
-              <a:t>Spring Boot</a:t>
-            </a:r>
-            <a:r>
-              <a:rPr lang="zh-CN" altLang="en-US" dirty="0" smtClean="0">
-                <a:sym typeface="+mn-ea"/>
-              </a:rPr>
-              <a:t>：通过起步依赖和自动配置简化了</a:t>
-            </a:r>
-            <a:r>
-              <a:rPr lang="en-US" altLang="zh-CN" dirty="0" smtClean="0">
-                <a:sym typeface="+mn-ea"/>
-              </a:rPr>
-              <a:t>Spring</a:t>
-            </a:r>
-            <a:r>
-              <a:rPr lang="zh-CN" altLang="en-US" dirty="0" smtClean="0">
-                <a:sym typeface="+mn-ea"/>
-              </a:rPr>
-              <a:t>应用的开发</a:t>
-            </a:r>
-            <a:endParaRPr lang="zh-CN" altLang="en-US" dirty="0" smtClean="0">
+            <a:endParaRPr lang="en-US" altLang="zh-CN" sz="2800" dirty="0" smtClean="0">
               <a:sym typeface="+mn-ea"/>
             </a:endParaRPr>
           </a:p>
           <a:p>
-            <a:pPr marL="457200" indent="-457200" algn="just">
-              <a:buFont typeface="Wingdings" panose="05000000000000000000" charset="0"/>
-              <a:buChar char=""/>
+            <a:pPr marL="457200" indent="-457200" algn="l">
+              <a:buFont typeface="Arial" panose="020B0604020202020204" pitchFamily="34" charset="0"/>
+              <a:buChar char="•"/>
             </a:pPr>
-            <a:r>
-              <a:rPr lang="en-US" altLang="zh-CN" dirty="0" smtClean="0">
-                <a:sym typeface="+mn-ea"/>
-              </a:rPr>
-              <a:t>Spring Cloud</a:t>
-            </a:r>
-            <a:r>
-              <a:rPr lang="zh-CN" altLang="en-US" dirty="0" smtClean="0">
-                <a:sym typeface="+mn-ea"/>
-              </a:rPr>
-              <a:t>：解决微服务架构实施的综合性解决框架、整合其他框架作为基础部件并在此基础上创建了边缘组件，每个微服务构建于</a:t>
-            </a:r>
-            <a:r>
-              <a:rPr lang="en-US" altLang="zh-CN" dirty="0" smtClean="0">
-                <a:sym typeface="+mn-ea"/>
-              </a:rPr>
-              <a:t>Spring Boot</a:t>
-            </a:r>
-            <a:r>
-              <a:rPr lang="zh-CN" altLang="en-US" dirty="0" smtClean="0">
-                <a:sym typeface="+mn-ea"/>
-              </a:rPr>
-              <a:t>之上</a:t>
-            </a:r>
-            <a:endParaRPr lang="zh-CN" altLang="en-US" dirty="0" smtClean="0">
+            <a:endParaRPr lang="en-US" altLang="zh-CN" sz="2800" dirty="0" smtClean="0">
               <a:sym typeface="+mn-ea"/>
             </a:endParaRPr>
           </a:p>
           <a:p>
-            <a:pPr marL="342900" indent="-342900" algn="l">
-              <a:buFont typeface="Wingdings" panose="05000000000000000000" charset="0"/>
-              <a:buChar char=""/>
+            <a:pPr algn="l">
+              <a:buNone/>
             </a:pPr>
             <a:endParaRPr lang="en-US" altLang="zh-CN" sz="2000" dirty="0" smtClean="0">
               <a:sym typeface="+mn-ea"/>
             </a:endParaRPr>
           </a:p>
           <a:p>
-            <a:pPr marL="342900" indent="-342900" algn="l">
+            <a:pPr algn="l">
               <a:buNone/>
             </a:pPr>
             <a:endParaRPr lang="en-US" altLang="zh-CN" sz="2000" dirty="0" smtClean="0">
               <a:sym typeface="+mn-ea"/>
+            </a:endParaRPr>
+          </a:p>
+        </p:txBody>
+      </p:sp>
+      <p:pic>
+        <p:nvPicPr>
+          <p:cNvPr id="2" name="图片 1" descr="spring cloud"/>
+          <p:cNvPicPr>
+            <a:picLocks noChangeAspect="1"/>
+          </p:cNvPicPr>
+          <p:nvPr/>
+        </p:nvPicPr>
+        <p:blipFill>
+          <a:blip r:embed="rId1"/>
+          <a:stretch>
+            <a:fillRect/>
+          </a:stretch>
+        </p:blipFill>
+        <p:spPr>
+          <a:xfrm>
+            <a:off x="135255" y="950595"/>
+            <a:ext cx="8590280" cy="4390390"/>
+          </a:xfrm>
+          <a:prstGeom prst="rect">
+            <a:avLst/>
+          </a:prstGeom>
+        </p:spPr>
+      </p:pic>
+      <p:sp>
+        <p:nvSpPr>
+          <p:cNvPr id="3" name="文本框 2"/>
+          <p:cNvSpPr txBox="1"/>
+          <p:nvPr/>
+        </p:nvSpPr>
+        <p:spPr>
+          <a:xfrm>
+            <a:off x="2755900" y="5638165"/>
+            <a:ext cx="3979545" cy="368300"/>
+          </a:xfrm>
+          <a:prstGeom prst="rect">
+            <a:avLst/>
+          </a:prstGeom>
+          <a:noFill/>
+        </p:spPr>
+        <p:txBody>
+          <a:bodyPr wrap="square" rtlCol="0" anchor="t">
+            <a:spAutoFit/>
+          </a:bodyPr>
+          <a:p>
+            <a:r>
+              <a:rPr lang="zh-CN" altLang="zh-CN" dirty="0">
+                <a:solidFill>
+                  <a:prstClr val="black"/>
+                </a:solidFill>
+                <a:latin typeface="微软雅黑" panose="020B0503020204020204" charset="-122"/>
+                <a:ea typeface="微软雅黑" panose="020B0503020204020204" charset="-122"/>
+              </a:rPr>
+              <a:t>基于</a:t>
+            </a:r>
+            <a:r>
+              <a:rPr lang="en-US" altLang="zh-CN" dirty="0">
+                <a:solidFill>
+                  <a:prstClr val="black"/>
+                </a:solidFill>
+                <a:latin typeface="微软雅黑" panose="020B0503020204020204" charset="-122"/>
+                <a:ea typeface="微软雅黑" panose="020B0503020204020204" charset="-122"/>
+              </a:rPr>
+              <a:t>Spring Cloud</a:t>
+            </a:r>
+            <a:r>
+              <a:rPr lang="zh-CN" altLang="zh-CN" dirty="0">
+                <a:solidFill>
+                  <a:prstClr val="black"/>
+                </a:solidFill>
+                <a:latin typeface="微软雅黑" panose="020B0503020204020204" charset="-122"/>
+                <a:ea typeface="微软雅黑" panose="020B0503020204020204" charset="-122"/>
+              </a:rPr>
+              <a:t>分布式系统架构</a:t>
+            </a:r>
+            <a:endParaRPr lang="zh-CN" altLang="zh-CN" dirty="0">
+              <a:solidFill>
+                <a:prstClr val="black"/>
+              </a:solidFill>
+              <a:latin typeface="微软雅黑" panose="020B0503020204020204" charset="-122"/>
+              <a:ea typeface="微软雅黑" panose="020B0503020204020204" charset="-122"/>
             </a:endParaRPr>
           </a:p>
         </p:txBody>
@@ -12853,6 +13025,218 @@
           <a:chExt cx="0" cy="0"/>
         </a:xfrm>
       </p:grpSpPr>
+      <p:sp>
+        <p:nvSpPr>
+          <p:cNvPr id="6" name="文本框 5"/>
+          <p:cNvSpPr txBox="1"/>
+          <p:nvPr/>
+        </p:nvSpPr>
+        <p:spPr>
+          <a:xfrm>
+            <a:off x="135257" y="281310"/>
+            <a:ext cx="3632359" cy="460375"/>
+          </a:xfrm>
+          <a:prstGeom prst="rect">
+            <a:avLst/>
+          </a:prstGeom>
+          <a:noFill/>
+        </p:spPr>
+        <p:txBody>
+          <a:bodyPr wrap="square" rtlCol="0" anchor="t">
+            <a:spAutoFit/>
+          </a:bodyPr>
+          <a:lstStyle/>
+          <a:p>
+            <a:r>
+              <a:rPr lang="zh-CN" altLang="zh-CN" sz="2400" dirty="0">
+                <a:solidFill>
+                  <a:prstClr val="black"/>
+                </a:solidFill>
+                <a:latin typeface="微软雅黑" panose="020B0503020204020204" charset="-122"/>
+                <a:ea typeface="微软雅黑" panose="020B0503020204020204" charset="-122"/>
+              </a:rPr>
+              <a:t>总结</a:t>
+            </a:r>
+            <a:endParaRPr lang="zh-CN" altLang="zh-CN" sz="2400" dirty="0">
+              <a:solidFill>
+                <a:prstClr val="black"/>
+              </a:solidFill>
+              <a:latin typeface="微软雅黑" panose="020B0503020204020204" charset="-122"/>
+              <a:ea typeface="微软雅黑" panose="020B0503020204020204" charset="-122"/>
+            </a:endParaRPr>
+          </a:p>
+        </p:txBody>
+      </p:sp>
+      <p:sp>
+        <p:nvSpPr>
+          <p:cNvPr id="8" name="内容占位符 7"/>
+          <p:cNvSpPr>
+            <a:spLocks noGrp="1"/>
+          </p:cNvSpPr>
+          <p:nvPr>
+            <p:ph idx="1"/>
+          </p:nvPr>
+        </p:nvSpPr>
+        <p:spPr>
+          <a:xfrm>
+            <a:off x="443230" y="1020445"/>
+            <a:ext cx="7421245" cy="3794125"/>
+          </a:xfrm>
+        </p:spPr>
+        <p:txBody>
+          <a:bodyPr/>
+          <a:lstStyle/>
+          <a:p>
+            <a:pPr marL="457200" indent="-457200" algn="just">
+              <a:buFont typeface="Wingdings" panose="05000000000000000000" charset="0"/>
+              <a:buChar char=""/>
+            </a:pPr>
+            <a:r>
+              <a:rPr lang="en-US" altLang="zh-CN" dirty="0" smtClean="0">
+                <a:sym typeface="+mn-ea"/>
+              </a:rPr>
+              <a:t>Spring MVC</a:t>
+            </a:r>
+            <a:r>
+              <a:rPr lang="zh-CN" altLang="zh-CN" dirty="0" smtClean="0">
+                <a:sym typeface="+mn-ea"/>
+              </a:rPr>
+              <a:t>：基于Java的实现了Web MVC架构模式的请求驱动类型的轻量级Web框架，简化了</a:t>
+            </a:r>
+            <a:r>
+              <a:rPr lang="en-US" altLang="zh-CN" dirty="0" smtClean="0">
+                <a:sym typeface="+mn-ea"/>
+              </a:rPr>
+              <a:t>WEB</a:t>
+            </a:r>
+            <a:r>
+              <a:rPr lang="zh-CN" altLang="en-US" dirty="0" smtClean="0">
+                <a:sym typeface="+mn-ea"/>
+              </a:rPr>
+              <a:t>应用的开发</a:t>
+            </a:r>
+            <a:endParaRPr lang="zh-CN" altLang="en-US" dirty="0" smtClean="0">
+              <a:sym typeface="+mn-ea"/>
+            </a:endParaRPr>
+          </a:p>
+          <a:p>
+            <a:pPr marL="457200" indent="-457200" algn="just">
+              <a:buFont typeface="Wingdings" panose="05000000000000000000" charset="0"/>
+              <a:buChar char=""/>
+            </a:pPr>
+            <a:r>
+              <a:rPr lang="en-US" altLang="zh-CN" dirty="0" smtClean="0">
+                <a:sym typeface="+mn-ea"/>
+              </a:rPr>
+              <a:t>Spring Boot</a:t>
+            </a:r>
+            <a:r>
+              <a:rPr lang="zh-CN" altLang="en-US" dirty="0" smtClean="0">
+                <a:sym typeface="+mn-ea"/>
+              </a:rPr>
+              <a:t>：通过起步依赖和自动配置简化了</a:t>
+            </a:r>
+            <a:r>
+              <a:rPr lang="en-US" altLang="zh-CN" dirty="0" smtClean="0">
+                <a:sym typeface="+mn-ea"/>
+              </a:rPr>
+              <a:t>Spring</a:t>
+            </a:r>
+            <a:r>
+              <a:rPr lang="zh-CN" altLang="en-US" dirty="0" smtClean="0">
+                <a:sym typeface="+mn-ea"/>
+              </a:rPr>
+              <a:t>应用的开发</a:t>
+            </a:r>
+            <a:endParaRPr lang="zh-CN" altLang="en-US" dirty="0" smtClean="0">
+              <a:sym typeface="+mn-ea"/>
+            </a:endParaRPr>
+          </a:p>
+          <a:p>
+            <a:pPr marL="457200" indent="-457200" algn="just">
+              <a:buFont typeface="Wingdings" panose="05000000000000000000" charset="0"/>
+              <a:buChar char=""/>
+            </a:pPr>
+            <a:r>
+              <a:rPr lang="en-US" altLang="zh-CN" dirty="0" smtClean="0">
+                <a:sym typeface="+mn-ea"/>
+              </a:rPr>
+              <a:t>Spring Cloud</a:t>
+            </a:r>
+            <a:r>
+              <a:rPr lang="zh-CN" altLang="en-US" dirty="0" smtClean="0">
+                <a:sym typeface="+mn-ea"/>
+              </a:rPr>
+              <a:t>：解决微服务架构实施的综合性解决框架、整合其他框架作为基础部件并在此基础上创建了边缘组件，每个微服务构建于</a:t>
+            </a:r>
+            <a:r>
+              <a:rPr lang="en-US" altLang="zh-CN" dirty="0" smtClean="0">
+                <a:sym typeface="+mn-ea"/>
+              </a:rPr>
+              <a:t>Spring Boot</a:t>
+            </a:r>
+            <a:r>
+              <a:rPr lang="zh-CN" altLang="en-US" dirty="0" smtClean="0">
+                <a:sym typeface="+mn-ea"/>
+              </a:rPr>
+              <a:t>之上</a:t>
+            </a:r>
+            <a:endParaRPr lang="zh-CN" altLang="en-US" dirty="0" smtClean="0">
+              <a:sym typeface="+mn-ea"/>
+            </a:endParaRPr>
+          </a:p>
+          <a:p>
+            <a:pPr marL="342900" indent="-342900" algn="l">
+              <a:buFont typeface="Wingdings" panose="05000000000000000000" charset="0"/>
+              <a:buChar char=""/>
+            </a:pPr>
+            <a:endParaRPr lang="en-US" altLang="zh-CN" sz="2000" dirty="0" smtClean="0">
+              <a:sym typeface="+mn-ea"/>
+            </a:endParaRPr>
+          </a:p>
+          <a:p>
+            <a:pPr marL="342900" indent="-342900" algn="l">
+              <a:buNone/>
+            </a:pPr>
+            <a:endParaRPr lang="en-US" altLang="zh-CN" sz="2000" dirty="0" smtClean="0">
+              <a:sym typeface="+mn-ea"/>
+            </a:endParaRPr>
+          </a:p>
+        </p:txBody>
+      </p:sp>
+    </p:spTree>
+  </p:cSld>
+  <p:clrMapOvr>
+    <a:masterClrMapping/>
+  </p:clrMapOvr>
+  <p:transition advTm="12074"/>
+  <p:timing>
+    <p:tnLst>
+      <p:par>
+        <p:cTn id="1" dur="indefinite" restart="never" nodeType="tmRoot"/>
+      </p:par>
+    </p:tnLst>
+  </p:timing>
+</p:sld>
+</file>
+
+<file path=ppt/slides/slide14.xml><?xml version="1.0" encoding="utf-8"?>
+<p:sld xmlns:a="http://schemas.openxmlformats.org/drawingml/2006/main" xmlns:r="http://schemas.openxmlformats.org/officeDocument/2006/relationships" xmlns:p="http://schemas.openxmlformats.org/presentationml/2006/main">
+  <p:cSld>
+    <p:spTree>
+      <p:nvGrpSpPr>
+        <p:cNvPr id="1" name=""/>
+        <p:cNvGrpSpPr/>
+        <p:nvPr/>
+      </p:nvGrpSpPr>
+      <p:grpSpPr>
+        <a:xfrm>
+          <a:off x="0" y="0"/>
+          <a:ext cx="0" cy="0"/>
+          <a:chOff x="0" y="0"/>
+          <a:chExt cx="0" cy="0"/>
+        </a:xfrm>
+      </p:grpSpPr>
       <p:cxnSp>
         <p:nvCxnSpPr>
           <p:cNvPr id="12292" name="直接连接符 8"/>
@@ -13727,7 +14111,7 @@
         </p:blipFill>
         <p:spPr>
           <a:xfrm>
-            <a:off x="862965" y="883285"/>
+            <a:off x="854710" y="883285"/>
             <a:ext cx="6870065" cy="3971925"/>
           </a:xfrm>
           <a:prstGeom prst="rect">
@@ -15264,11 +15648,7 @@
             </a:r>
             <a:r>
               <a:rPr lang="en-US" altLang="zh-CN"/>
-              <a:t>W</a:t>
-            </a:r>
-            <a:r>
-              <a:rPr lang="en-US" altLang="zh-CN"/>
-              <a:t>eb</a:t>
+              <a:t>Web</a:t>
             </a:r>
             <a:r>
               <a:rPr lang="zh-CN" altLang="en-US"/>
@@ -17165,7 +17545,7 @@
         </p:nvSpPr>
         <p:spPr>
           <a:xfrm>
-            <a:off x="6503035" y="3695700"/>
+            <a:off x="6520180" y="3695700"/>
             <a:ext cx="1913255" cy="1846580"/>
           </a:xfrm>
           <a:prstGeom prst="diamond">
@@ -17957,7 +18337,7 @@
       <p:bldP spid="13" grpId="0" bldLvl="0" animBg="1"/>
       <p:bldP spid="14" grpId="0" bldLvl="0" animBg="1"/>
       <p:bldP spid="15" grpId="0" bldLvl="0" animBg="1"/>
-      <p:bldP spid="16" grpId="1" animBg="1"/>
+      <p:bldP spid="16" grpId="1" bldLvl="0" animBg="1"/>
     </p:bldLst>
   </p:timing>
 </p:sld>
@@ -19458,7 +19838,7 @@
         </p:nvSpPr>
         <p:spPr>
           <a:xfrm>
-            <a:off x="340995" y="4639945"/>
+            <a:off x="341630" y="4639945"/>
             <a:ext cx="2881630" cy="1649730"/>
           </a:xfrm>
           <a:prstGeom prst="roundRect">
@@ -19803,9 +20183,9 @@
       </p:par>
     </p:tnLst>
     <p:bldLst>
-      <p:bldP spid="7" grpId="0" animBg="1"/>
+      <p:bldP spid="7" grpId="0" bldLvl="0" animBg="1"/>
       <p:bldP spid="4" grpId="0" animBg="1"/>
-      <p:bldP spid="9" grpId="0" animBg="1"/>
+      <p:bldP spid="9" grpId="0" bldLvl="0" animBg="1"/>
     </p:bldLst>
   </p:timing>
 </p:sld>

--- a/Spring.pptx
+++ b/Spring.pptx
@@ -11603,7 +11603,7 @@
         </p:nvSpPr>
         <p:spPr>
           <a:xfrm>
-            <a:off x="135255" y="978535"/>
+            <a:off x="135255" y="884555"/>
             <a:ext cx="8687435" cy="5616575"/>
           </a:xfrm>
         </p:spPr>
@@ -11618,15 +11618,21 @@
               <a:rPr lang="en-US" altLang="zh-CN" dirty="0" smtClean="0">
                 <a:sym typeface="+mn-ea"/>
               </a:rPr>
-              <a:t>         </a:t>
-            </a:r>
-            <a:r>
-              <a:rPr lang="zh-CN" altLang="zh-CN" dirty="0" smtClean="0">
+              <a:t>     </a:t>
+            </a:r>
+            <a:r>
+              <a:rPr lang="en-US" altLang="zh-CN" sz="1800" dirty="0" smtClean="0">
                 <a:sym typeface="+mn-ea"/>
               </a:rPr>
-              <a:t>配置管理、服务治理、断路器、智能路由、微代理、总线控制、全局锁、决策竞选、分布式会话、集群状态管理等。</a:t>
-            </a:r>
-            <a:endParaRPr lang="zh-CN" altLang="zh-CN" dirty="0" smtClean="0">
+              <a:t>Spring Cloud</a:t>
+            </a:r>
+            <a:r>
+              <a:rPr lang="zh-CN" altLang="en-US" sz="1800" dirty="0" smtClean="0">
+                <a:sym typeface="+mn-ea"/>
+              </a:rPr>
+              <a:t>为微服务架构中涉及的服务治理、配置管理、容错管理、负载均衡、智能路由、消息总线、服务跟踪等提供了一种简单的开发方式。</a:t>
+            </a:r>
+            <a:endParaRPr lang="zh-CN" altLang="en-US" sz="1800" dirty="0" smtClean="0">
               <a:sym typeface="+mn-ea"/>
             </a:endParaRPr>
           </a:p>
@@ -11646,6 +11652,104 @@
               <a:sym typeface="+mn-ea"/>
             </a:endParaRPr>
           </a:p>
+          <a:p>
+            <a:pPr algn="l">
+              <a:buNone/>
+            </a:pPr>
+            <a:endParaRPr lang="en-US" altLang="zh-CN" sz="2000" dirty="0" smtClean="0">
+              <a:sym typeface="+mn-ea"/>
+            </a:endParaRPr>
+          </a:p>
+          <a:p>
+            <a:pPr algn="l">
+              <a:buNone/>
+            </a:pPr>
+            <a:endParaRPr lang="en-US" altLang="zh-CN" sz="2000" dirty="0" smtClean="0">
+              <a:sym typeface="+mn-ea"/>
+            </a:endParaRPr>
+          </a:p>
+          <a:p>
+            <a:pPr algn="l">
+              <a:buNone/>
+            </a:pPr>
+            <a:endParaRPr lang="en-US" altLang="zh-CN" sz="2000" dirty="0" smtClean="0">
+              <a:sym typeface="+mn-ea"/>
+            </a:endParaRPr>
+          </a:p>
+          <a:p>
+            <a:pPr algn="l">
+              <a:buNone/>
+            </a:pPr>
+            <a:endParaRPr lang="en-US" altLang="zh-CN" sz="2000" dirty="0" smtClean="0">
+              <a:sym typeface="+mn-ea"/>
+            </a:endParaRPr>
+          </a:p>
+          <a:p>
+            <a:pPr algn="l">
+              <a:buNone/>
+            </a:pPr>
+            <a:endParaRPr lang="en-US" altLang="zh-CN" sz="2000" dirty="0" smtClean="0">
+              <a:sym typeface="+mn-ea"/>
+            </a:endParaRPr>
+          </a:p>
+          <a:p>
+            <a:pPr algn="l">
+              <a:buNone/>
+            </a:pPr>
+            <a:endParaRPr lang="en-US" altLang="zh-CN" sz="2000" dirty="0" smtClean="0">
+              <a:sym typeface="+mn-ea"/>
+            </a:endParaRPr>
+          </a:p>
+          <a:p>
+            <a:pPr algn="l">
+              <a:buNone/>
+            </a:pPr>
+            <a:endParaRPr lang="en-US" altLang="zh-CN" sz="2000" dirty="0" smtClean="0">
+              <a:sym typeface="+mn-ea"/>
+            </a:endParaRPr>
+          </a:p>
+          <a:p>
+            <a:pPr algn="l">
+              <a:buNone/>
+            </a:pPr>
+            <a:endParaRPr lang="en-US" altLang="zh-CN" sz="2000" dirty="0" smtClean="0">
+              <a:sym typeface="+mn-ea"/>
+            </a:endParaRPr>
+          </a:p>
+          <a:p>
+            <a:pPr algn="l">
+              <a:buNone/>
+            </a:pPr>
+            <a:r>
+              <a:rPr lang="en-US" altLang="zh-CN" sz="1600" dirty="0" smtClean="0">
+                <a:sym typeface="+mn-ea"/>
+              </a:rPr>
+              <a:t>                                                                          </a:t>
+            </a:r>
+            <a:endParaRPr lang="en-US" altLang="zh-CN" sz="1600" dirty="0" smtClean="0">
+              <a:sym typeface="+mn-ea"/>
+            </a:endParaRPr>
+          </a:p>
+          <a:p>
+            <a:pPr algn="l">
+              <a:buNone/>
+            </a:pPr>
+            <a:r>
+              <a:rPr lang="en-US" altLang="zh-CN" sz="1600" dirty="0" smtClean="0">
+                <a:sym typeface="+mn-ea"/>
+              </a:rPr>
+              <a:t>                                                              Spring Cloud</a:t>
+            </a:r>
+            <a:r>
+              <a:rPr lang="zh-CN" altLang="en-US" sz="1600" dirty="0" smtClean="0">
+                <a:sym typeface="+mn-ea"/>
+              </a:rPr>
+              <a:t>子项目</a:t>
+            </a:r>
+            <a:endParaRPr lang="zh-CN" altLang="en-US" sz="1600" dirty="0" smtClean="0">
+              <a:sym typeface="+mn-ea"/>
+            </a:endParaRPr>
+          </a:p>
         </p:txBody>
       </p:sp>
       <p:sp>
@@ -11656,7 +11760,7 @@
         </p:nvSpPr>
         <p:spPr>
           <a:xfrm>
-            <a:off x="3869690" y="3329305"/>
+            <a:off x="3829685" y="2921635"/>
             <a:ext cx="1276350" cy="914400"/>
           </a:xfrm>
           <a:prstGeom prst="cloud">
@@ -11699,7 +11803,7 @@
         </p:nvSpPr>
         <p:spPr>
           <a:xfrm>
-            <a:off x="2728595" y="2051685"/>
+            <a:off x="2661285" y="1659255"/>
             <a:ext cx="1276350" cy="914400"/>
           </a:xfrm>
           <a:prstGeom prst="cloud">
@@ -11742,7 +11846,7 @@
         </p:nvSpPr>
         <p:spPr>
           <a:xfrm>
-            <a:off x="1049020" y="2633345"/>
+            <a:off x="962660" y="2573655"/>
             <a:ext cx="1415415" cy="914400"/>
           </a:xfrm>
           <a:prstGeom prst="cloud">
@@ -11785,7 +11889,7 @@
         </p:nvSpPr>
         <p:spPr>
           <a:xfrm>
-            <a:off x="1739265" y="5060315"/>
+            <a:off x="1841500" y="4668520"/>
             <a:ext cx="1415415" cy="914400"/>
           </a:xfrm>
           <a:prstGeom prst="cloud">
@@ -11828,7 +11932,7 @@
         </p:nvSpPr>
         <p:spPr>
           <a:xfrm>
-            <a:off x="4917440" y="2051685"/>
+            <a:off x="4761865" y="1727835"/>
             <a:ext cx="1415415" cy="914400"/>
           </a:xfrm>
           <a:prstGeom prst="cloud">
@@ -11871,7 +11975,7 @@
         </p:nvSpPr>
         <p:spPr>
           <a:xfrm>
-            <a:off x="6114415" y="3329305"/>
+            <a:off x="6114415" y="2632075"/>
             <a:ext cx="1415415" cy="914400"/>
           </a:xfrm>
           <a:prstGeom prst="cloud">
@@ -11914,7 +12018,7 @@
         </p:nvSpPr>
         <p:spPr>
           <a:xfrm>
-            <a:off x="6211570" y="5060315"/>
+            <a:off x="6637655" y="4308475"/>
             <a:ext cx="1415415" cy="914400"/>
           </a:xfrm>
           <a:prstGeom prst="cloud">
@@ -11957,7 +12061,7 @@
         </p:nvSpPr>
         <p:spPr>
           <a:xfrm>
-            <a:off x="3502025" y="5466080"/>
+            <a:off x="3346450" y="4996815"/>
             <a:ext cx="1415415" cy="914400"/>
           </a:xfrm>
           <a:prstGeom prst="cloud">
@@ -12000,7 +12104,7 @@
         </p:nvSpPr>
         <p:spPr>
           <a:xfrm>
-            <a:off x="4699000" y="4529455"/>
+            <a:off x="4699000" y="4208780"/>
             <a:ext cx="1415415" cy="914400"/>
           </a:xfrm>
           <a:prstGeom prst="cloud">
@@ -12043,7 +12147,7 @@
         </p:nvSpPr>
         <p:spPr>
           <a:xfrm>
-            <a:off x="2086610" y="3615055"/>
+            <a:off x="2086610" y="3546475"/>
             <a:ext cx="1415415" cy="914400"/>
           </a:xfrm>
           <a:prstGeom prst="cloud">
@@ -12086,7 +12190,7 @@
         </p:nvCxnSpPr>
         <p:spPr>
           <a:xfrm flipH="1" flipV="1">
-            <a:off x="3767455" y="2826385"/>
+            <a:off x="3624580" y="2496820"/>
             <a:ext cx="527685" cy="528320"/>
           </a:xfrm>
           <a:prstGeom prst="straightConnector1">
@@ -12121,7 +12225,7 @@
         </p:nvCxnSpPr>
         <p:spPr>
           <a:xfrm flipH="1" flipV="1">
-            <a:off x="2463165" y="3090545"/>
+            <a:off x="2376805" y="3030855"/>
             <a:ext cx="1474470" cy="483870"/>
           </a:xfrm>
           <a:prstGeom prst="straightConnector1">
@@ -12149,15 +12253,13 @@
       <p:cxnSp>
         <p:nvCxnSpPr>
           <p:cNvPr id="18" name="直接箭头连接符 17"/>
-          <p:cNvCxnSpPr>
-            <a:endCxn id="14" idx="0"/>
-          </p:cNvCxnSpPr>
+          <p:cNvCxnSpPr/>
           <p:nvPr/>
         </p:nvCxnSpPr>
         <p:spPr>
           <a:xfrm flipH="1">
-            <a:off x="3500755" y="3936365"/>
-            <a:ext cx="381635" cy="135890"/>
+            <a:off x="3489325" y="3681095"/>
+            <a:ext cx="434340" cy="154940"/>
           </a:xfrm>
           <a:prstGeom prst="straightConnector1">
             <a:avLst/>
@@ -12189,7 +12291,7 @@
         </p:nvCxnSpPr>
         <p:spPr>
           <a:xfrm flipH="1">
-            <a:off x="3159125" y="4214495"/>
+            <a:off x="3159125" y="3771900"/>
             <a:ext cx="1042670" cy="1043305"/>
           </a:xfrm>
           <a:prstGeom prst="straightConnector1">
@@ -12224,8 +12326,8 @@
         </p:nvCxnSpPr>
         <p:spPr>
           <a:xfrm flipH="1">
-            <a:off x="4180840" y="4242435"/>
-            <a:ext cx="327025" cy="1223645"/>
+            <a:off x="4152265" y="3834765"/>
+            <a:ext cx="315595" cy="1177925"/>
           </a:xfrm>
           <a:prstGeom prst="straightConnector1">
             <a:avLst/>
@@ -12252,14 +12354,12 @@
       <p:cxnSp>
         <p:nvCxnSpPr>
           <p:cNvPr id="21" name="直接箭头连接符 20"/>
-          <p:cNvCxnSpPr>
-            <a:endCxn id="13" idx="3"/>
-          </p:cNvCxnSpPr>
+          <p:cNvCxnSpPr/>
           <p:nvPr/>
         </p:nvCxnSpPr>
         <p:spPr>
           <a:xfrm>
-            <a:off x="4883785" y="4144645"/>
+            <a:off x="4699000" y="3771900"/>
             <a:ext cx="523240" cy="436880"/>
           </a:xfrm>
           <a:prstGeom prst="straightConnector1">
@@ -12294,8 +12394,8 @@
         </p:nvCxnSpPr>
         <p:spPr>
           <a:xfrm>
-            <a:off x="5144770" y="3786505"/>
-            <a:ext cx="1978660" cy="1142365"/>
+            <a:off x="5104765" y="3378835"/>
+            <a:ext cx="1771015" cy="1022350"/>
           </a:xfrm>
           <a:prstGeom prst="straightConnector1">
             <a:avLst/>
@@ -12327,7 +12427,7 @@
         </p:nvCxnSpPr>
         <p:spPr>
           <a:xfrm>
-            <a:off x="5120005" y="3546475"/>
+            <a:off x="5057140" y="3138805"/>
             <a:ext cx="1057275" cy="0"/>
           </a:xfrm>
           <a:prstGeom prst="straightConnector1">
@@ -12360,7 +12460,7 @@
         </p:nvCxnSpPr>
         <p:spPr>
           <a:xfrm flipV="1">
-            <a:off x="4730750" y="2921635"/>
+            <a:off x="4699000" y="2573655"/>
             <a:ext cx="375285" cy="374650"/>
           </a:xfrm>
           <a:prstGeom prst="straightConnector1">
@@ -12576,21 +12676,19 @@
                 <a:latin typeface="微软雅黑" panose="020B0503020204020204" charset="-122"/>
                 <a:ea typeface="微软雅黑" panose="020B0503020204020204" charset="-122"/>
               </a:rPr>
-              <a:t>： 整合了</a:t>
+              <a:t>： 基于</a:t>
             </a:r>
             <a:r>
               <a:rPr lang="en-US" altLang="zh-CN" sz="1600" dirty="0">
                 <a:latin typeface="微软雅黑" panose="020B0503020204020204" charset="-122"/>
                 <a:ea typeface="微软雅黑" panose="020B0503020204020204" charset="-122"/>
-                <a:sym typeface="+mn-ea"/>
               </a:rPr>
-              <a:t>Spring Cloud Ribbon</a:t>
+              <a:t>Ribbon</a:t>
             </a:r>
             <a:r>
               <a:rPr lang="zh-CN" altLang="en-US" sz="1600" dirty="0">
                 <a:latin typeface="微软雅黑" panose="020B0503020204020204" charset="-122"/>
                 <a:ea typeface="微软雅黑" panose="020B0503020204020204" charset="-122"/>
-                <a:sym typeface="+mn-ea"/>
               </a:rPr>
               <a:t>和</a:t>
             </a:r>
@@ -12598,11 +12696,17 @@
               <a:rPr lang="en-US" altLang="zh-CN" sz="1600" dirty="0">
                 <a:latin typeface="微软雅黑" panose="020B0503020204020204" charset="-122"/>
                 <a:ea typeface="微软雅黑" panose="020B0503020204020204" charset="-122"/>
-                <a:sym typeface="+mn-ea"/>
               </a:rPr>
-              <a:t>Spring Cloud Hystrix</a:t>
-            </a:r>
-            <a:endParaRPr lang="en-US" altLang="zh-CN" sz="1600" dirty="0">
+              <a:t>Hystrix</a:t>
+            </a:r>
+            <a:r>
+              <a:rPr lang="zh-CN" altLang="en-US" sz="1600" dirty="0">
+                <a:latin typeface="微软雅黑" panose="020B0503020204020204" charset="-122"/>
+                <a:ea typeface="微软雅黑" panose="020B0503020204020204" charset="-122"/>
+              </a:rPr>
+              <a:t>的声明式服务调用组件</a:t>
+            </a:r>
+            <a:endParaRPr lang="zh-CN" altLang="en-US" sz="1600" dirty="0">
               <a:latin typeface="微软雅黑" panose="020B0503020204020204" charset="-122"/>
               <a:ea typeface="微软雅黑" panose="020B0503020204020204" charset="-122"/>
               <a:sym typeface="+mn-ea"/>
@@ -13134,7 +13238,25 @@
               <a:rPr lang="zh-CN" altLang="en-US" dirty="0" smtClean="0">
                 <a:sym typeface="+mn-ea"/>
               </a:rPr>
-              <a:t>：通过起步依赖和自动配置简化了</a:t>
+              <a:t>：通过起步依赖、自动配置和</a:t>
+            </a:r>
+            <a:r>
+              <a:rPr lang="en-US" altLang="zh-CN" dirty="0" smtClean="0">
+                <a:sym typeface="+mn-ea"/>
+              </a:rPr>
+              <a:t>stand-alone</a:t>
+            </a:r>
+            <a:r>
+              <a:rPr lang="zh-CN" altLang="en-US" dirty="0" smtClean="0">
+                <a:sym typeface="+mn-ea"/>
+              </a:rPr>
+              <a:t>特性</a:t>
+            </a:r>
+            <a:r>
+              <a:rPr lang="zh-CN" altLang="en-US" dirty="0" smtClean="0">
+                <a:sym typeface="+mn-ea"/>
+              </a:rPr>
+              <a:t>简化了</a:t>
             </a:r>
             <a:r>
               <a:rPr lang="en-US" altLang="zh-CN" dirty="0" smtClean="0">
@@ -13146,7 +13268,7 @@
               <a:rPr lang="zh-CN" altLang="en-US" dirty="0" smtClean="0">
                 <a:sym typeface="+mn-ea"/>
               </a:rPr>
-              <a:t>应用的开发</a:t>
+              <a:t>应用的开发和部署，并提供应用程序监控功能</a:t>
             </a:r>
             <a:endParaRPr lang="zh-CN" altLang="en-US" dirty="0" smtClean="0">
               <a:sym typeface="+mn-ea"/>
@@ -13167,7 +13289,7 @@
               <a:rPr lang="zh-CN" altLang="en-US" dirty="0" smtClean="0">
                 <a:sym typeface="+mn-ea"/>
               </a:rPr>
-              <a:t>：解决微服务架构实施的综合性解决框架、整合其他框架作为基础部件并在此基础上创建了边缘组件，每个微服务构建于</a:t>
+              <a:t>：基于</a:t>
             </a:r>
             <a:r>
               <a:rPr lang="en-US" altLang="zh-CN" dirty="0" smtClean="0">
@@ -13179,7 +13301,7 @@
               <a:rPr lang="zh-CN" altLang="en-US" dirty="0" smtClean="0">
                 <a:sym typeface="+mn-ea"/>
               </a:rPr>
-              <a:t>之上</a:t>
+              <a:t>的微服务架构综合性解决框架，为微服务架构中涉及的配置管理、服务治理、断路器、智能路由等提供开箱即用的功能</a:t>
             </a:r>
             <a:endParaRPr lang="zh-CN" altLang="en-US" dirty="0" smtClean="0">
               <a:sym typeface="+mn-ea"/>
@@ -13522,7 +13644,7 @@
                 <a:ea typeface="+mn-ea"/>
                 <a:cs typeface="+mn-cs"/>
               </a:rPr>
-              <a:t>Thanks</a:t>
+              <a:t>     Thanks</a:t>
             </a:r>
             <a:endParaRPr kumimoji="0" lang="en-US" altLang="zh-CN" sz="4400" b="1" i="0" u="none" strike="noStrike" kern="1200" cap="none" spc="0" normalizeH="0" baseline="0" noProof="0" smtClean="0">
               <a:ln>
@@ -17035,117 +17157,92 @@
           <a:bodyPr/>
           <a:lstStyle/>
           <a:p>
-            <a:pPr marL="342900" indent="-342900" algn="just">
+            <a:pPr algn="just">
+              <a:lnSpc>
+                <a:spcPct val="150000"/>
+              </a:lnSpc>
               <a:buFont typeface="Wingdings" panose="05000000000000000000" charset="0"/>
-              <a:buChar char=""/>
             </a:pPr>
             <a:r>
-              <a:rPr lang="zh-CN" altLang="zh-CN" sz="2000" dirty="0" smtClean="0">
+              <a:rPr lang="zh-CN" altLang="zh-CN" sz="1800" dirty="0" smtClean="0">
                 <a:sym typeface="+mn-ea"/>
               </a:rPr>
-              <a:t>一个项目结构</a:t>
-            </a:r>
-            <a:endParaRPr lang="zh-CN" altLang="zh-CN" sz="2000" dirty="0" smtClean="0">
+              <a:t>起步依赖：把常用库聚合在一起，组成几个为特定功能而定制的依赖</a:t>
+            </a:r>
+            <a:endParaRPr lang="zh-CN" altLang="zh-CN" sz="1800" dirty="0" smtClean="0">
               <a:sym typeface="+mn-ea"/>
             </a:endParaRPr>
           </a:p>
           <a:p>
-            <a:pPr marL="342900" indent="-342900" algn="just">
+            <a:pPr algn="just">
+              <a:lnSpc>
+                <a:spcPct val="150000"/>
+              </a:lnSpc>
               <a:buFont typeface="Wingdings" panose="05000000000000000000" charset="0"/>
-              <a:buChar char=""/>
             </a:pPr>
             <a:r>
-              <a:rPr lang="zh-CN" altLang="zh-CN" sz="2000" dirty="0" smtClean="0">
+              <a:rPr lang="zh-CN" altLang="en-US" sz="1800" dirty="0" smtClean="0">
                 <a:sym typeface="+mn-ea"/>
               </a:rPr>
-              <a:t>一个</a:t>
-            </a:r>
+              <a:t>自动配置：为常见的配置场景进行自动配置</a:t>
+            </a:r>
+            <a:endParaRPr lang="zh-CN" altLang="en-US" sz="1800" dirty="0" smtClean="0">
+              <a:sym typeface="+mn-ea"/>
+            </a:endParaRPr>
+          </a:p>
+          <a:p>
+            <a:pPr algn="just">
+              <a:lnSpc>
+                <a:spcPct val="150000"/>
+              </a:lnSpc>
+              <a:buFont typeface="Wingdings" panose="05000000000000000000" charset="0"/>
+            </a:pPr>
+            <a:r>
+              <a:rPr lang="en-US" altLang="zh-CN" sz="1800" dirty="0" smtClean="0">
+                <a:sym typeface="+mn-ea"/>
+              </a:rPr>
+              <a:t>stand-alone</a:t>
+            </a:r>
+            <a:r>
+              <a:rPr lang="zh-CN" altLang="en-US" sz="1800" dirty="0" smtClean="0">
+                <a:sym typeface="+mn-ea"/>
+              </a:rPr>
+              <a:t>：内置嵌入式</a:t>
+            </a:r>
+            <a:r>
+              <a:rPr lang="en-US" altLang="zh-CN" sz="1800" dirty="0" smtClean="0">
+                <a:sym typeface="+mn-ea"/>
+              </a:rPr>
+              <a:t>Servlet</a:t>
+            </a:r>
+            <a:r>
+              <a:rPr lang="zh-CN" altLang="en-US" sz="1800" dirty="0" smtClean="0">
+                <a:sym typeface="+mn-ea"/>
+              </a:rPr>
+              <a:t>容器，简化应用部署</a:t>
+            </a:r>
+            <a:endParaRPr lang="zh-CN" altLang="en-US" sz="1800" dirty="0" smtClean="0">
+              <a:sym typeface="+mn-ea"/>
+            </a:endParaRPr>
+          </a:p>
+          <a:p>
+            <a:pPr algn="just">
+              <a:lnSpc>
+                <a:spcPct val="150000"/>
+              </a:lnSpc>
+              <a:buFont typeface="Wingdings" panose="05000000000000000000" charset="0"/>
+            </a:pPr>
             <a:r>
               <a:rPr lang="en-US" altLang="zh-CN" sz="2000" dirty="0" smtClean="0">
                 <a:sym typeface="+mn-ea"/>
               </a:rPr>
-              <a:t>web.xml</a:t>
-            </a:r>
-            <a:r>
-              <a:rPr lang="zh-CN" altLang="zh-CN" sz="2000" dirty="0" smtClean="0">
-                <a:sym typeface="+mn-ea"/>
-              </a:rPr>
-              <a:t>文件</a:t>
-            </a:r>
-            <a:endParaRPr lang="zh-CN" altLang="zh-CN" sz="2000" dirty="0" smtClean="0">
-              <a:sym typeface="+mn-ea"/>
-            </a:endParaRPr>
-          </a:p>
-          <a:p>
-            <a:pPr marL="342900" indent="-342900" algn="just">
-              <a:buFont typeface="Wingdings" panose="05000000000000000000" charset="0"/>
-              <a:buChar char=""/>
-            </a:pPr>
-            <a:r>
-              <a:rPr lang="zh-CN" altLang="zh-CN" sz="2000" dirty="0" smtClean="0">
-                <a:sym typeface="+mn-ea"/>
-              </a:rPr>
-              <a:t>启用</a:t>
-            </a:r>
-            <a:r>
-              <a:rPr lang="en-US" altLang="zh-CN" sz="2000" dirty="0" smtClean="0">
-                <a:sym typeface="+mn-ea"/>
-              </a:rPr>
-              <a:t>Spring MVC</a:t>
+              <a:t>Actuator</a:t>
             </a:r>
             <a:r>
               <a:rPr lang="zh-CN" altLang="en-US" sz="2000" dirty="0" smtClean="0">
                 <a:sym typeface="+mn-ea"/>
               </a:rPr>
-              <a:t>的</a:t>
-            </a:r>
-            <a:r>
-              <a:rPr lang="en-US" altLang="zh-CN" sz="2000" dirty="0" smtClean="0">
-                <a:sym typeface="+mn-ea"/>
-              </a:rPr>
-              <a:t>Spring</a:t>
-            </a:r>
-            <a:r>
-              <a:rPr lang="zh-CN" altLang="en-US" sz="2000" dirty="0" smtClean="0">
-                <a:sym typeface="+mn-ea"/>
-              </a:rPr>
-              <a:t>配置</a:t>
-            </a:r>
-            <a:endParaRPr lang="zh-CN" altLang="en-US" sz="2000" dirty="0" smtClean="0">
-              <a:sym typeface="+mn-ea"/>
-            </a:endParaRPr>
-          </a:p>
-          <a:p>
-            <a:pPr marL="342900" indent="-342900" algn="just">
-              <a:buFont typeface="Wingdings" panose="05000000000000000000" charset="0"/>
-              <a:buChar char=""/>
-            </a:pPr>
-            <a:r>
-              <a:rPr lang="zh-CN" altLang="en-US" sz="2000" dirty="0" smtClean="0">
-                <a:sym typeface="+mn-ea"/>
-              </a:rPr>
-              <a:t>一个控制器类</a:t>
-            </a:r>
-            <a:endParaRPr lang="zh-CN" altLang="en-US" sz="2000" dirty="0" smtClean="0">
-              <a:sym typeface="+mn-ea"/>
-            </a:endParaRPr>
-          </a:p>
-          <a:p>
-            <a:pPr marL="342900" indent="-342900" algn="just">
-              <a:buFont typeface="Wingdings" panose="05000000000000000000" charset="0"/>
-              <a:buChar char=""/>
-            </a:pPr>
-            <a:r>
-              <a:rPr lang="en-US" altLang="zh-CN" sz="2000" dirty="0" smtClean="0">
-                <a:sym typeface="+mn-ea"/>
-              </a:rPr>
-              <a:t>Web</a:t>
-            </a:r>
-            <a:r>
-              <a:rPr lang="zh-CN" altLang="en-US" sz="2000" dirty="0" smtClean="0">
-                <a:sym typeface="+mn-ea"/>
-              </a:rPr>
-              <a:t>应用服务器</a:t>
+              <a:t>模块：提供生产环境下的性能健康状态监控</a:t>
             </a:r>
             <a:endParaRPr lang="zh-CN" altLang="en-US" sz="2000" dirty="0" smtClean="0">
               <a:sym typeface="+mn-ea"/>
@@ -17168,14 +17265,6 @@
             </a:endParaRPr>
           </a:p>
           <a:p>
-            <a:pPr algn="just">
-              <a:buFont typeface="Wingdings" panose="05000000000000000000" charset="0"/>
-            </a:pPr>
-            <a:endParaRPr lang="zh-CN" altLang="en-US" sz="2000" dirty="0" smtClean="0">
-              <a:sym typeface="+mn-ea"/>
-            </a:endParaRPr>
-          </a:p>
-          <a:p>
             <a:pPr algn="l">
               <a:buNone/>
             </a:pPr>
@@ -17187,24 +17276,18 @@
       </p:sp>
       <p:sp>
         <p:nvSpPr>
-          <p:cNvPr id="5" name="矩形 4"/>
+          <p:cNvPr id="12" name="菱形 11"/>
           <p:cNvSpPr/>
           <p:nvPr/>
         </p:nvSpPr>
         <p:spPr>
           <a:xfrm>
-            <a:off x="845185" y="1020445"/>
-            <a:ext cx="1932940" cy="319405"/>
-          </a:xfrm>
-          <a:prstGeom prst="rect">
+            <a:off x="514985" y="3695700"/>
+            <a:ext cx="1913255" cy="1846580"/>
+          </a:xfrm>
+          <a:prstGeom prst="diamond">
             <a:avLst/>
           </a:prstGeom>
-          <a:noFill/>
-          <a:ln>
-            <a:solidFill>
-              <a:srgbClr val="FF0000"/>
-            </a:solidFill>
-          </a:ln>
         </p:spPr>
         <p:style>
           <a:lnRef idx="2">
@@ -17226,30 +17309,28 @@
           <a:bodyPr rtlCol="0" anchor="ctr"/>
           <a:p>
             <a:pPr algn="ctr"/>
-            <a:endParaRPr lang="zh-CN" altLang="en-US"/>
-          </a:p>
-        </p:txBody>
-      </p:sp>
-      <p:sp>
-        <p:nvSpPr>
-          <p:cNvPr id="7" name="矩形 6"/>
+            <a:r>
+              <a:rPr lang="zh-CN" altLang="zh-CN" sz="2000"/>
+              <a:t>起步依赖</a:t>
+            </a:r>
+            <a:endParaRPr lang="zh-CN" altLang="zh-CN" sz="2000"/>
+          </a:p>
+        </p:txBody>
+      </p:sp>
+      <p:sp>
+        <p:nvSpPr>
+          <p:cNvPr id="13" name="菱形 12"/>
           <p:cNvSpPr/>
           <p:nvPr/>
         </p:nvSpPr>
         <p:spPr>
           <a:xfrm>
-            <a:off x="845185" y="1421765"/>
-            <a:ext cx="2092325" cy="319405"/>
-          </a:xfrm>
-          <a:prstGeom prst="rect">
+            <a:off x="2042160" y="3695700"/>
+            <a:ext cx="1913255" cy="1846580"/>
+          </a:xfrm>
+          <a:prstGeom prst="diamond">
             <a:avLst/>
           </a:prstGeom>
-          <a:noFill/>
-          <a:ln>
-            <a:solidFill>
-              <a:srgbClr val="FF0000"/>
-            </a:solidFill>
-          </a:ln>
         </p:spPr>
         <p:style>
           <a:lnRef idx="2">
@@ -17271,30 +17352,28 @@
           <a:bodyPr rtlCol="0" anchor="ctr"/>
           <a:p>
             <a:pPr algn="ctr"/>
-            <a:endParaRPr lang="zh-CN" altLang="en-US"/>
-          </a:p>
-        </p:txBody>
-      </p:sp>
-      <p:sp>
-        <p:nvSpPr>
-          <p:cNvPr id="9" name="矩形 8"/>
+            <a:r>
+              <a:rPr lang="zh-CN" altLang="zh-CN" sz="2000"/>
+              <a:t>自动配置</a:t>
+            </a:r>
+            <a:endParaRPr lang="zh-CN" altLang="zh-CN" sz="2000"/>
+          </a:p>
+        </p:txBody>
+      </p:sp>
+      <p:sp>
+        <p:nvSpPr>
+          <p:cNvPr id="15" name="菱形 14"/>
           <p:cNvSpPr/>
           <p:nvPr/>
         </p:nvSpPr>
         <p:spPr>
           <a:xfrm>
-            <a:off x="845185" y="1830070"/>
-            <a:ext cx="3522345" cy="319405"/>
-          </a:xfrm>
-          <a:prstGeom prst="rect">
+            <a:off x="3615690" y="3695700"/>
+            <a:ext cx="1913255" cy="1846580"/>
+          </a:xfrm>
+          <a:prstGeom prst="diamond">
             <a:avLst/>
           </a:prstGeom>
-          <a:noFill/>
-          <a:ln>
-            <a:solidFill>
-              <a:srgbClr val="FF0000"/>
-            </a:solidFill>
-          </a:ln>
         </p:spPr>
         <p:style>
           <a:lnRef idx="2">
@@ -17316,219 +17395,6 @@
           <a:bodyPr rtlCol="0" anchor="ctr"/>
           <a:p>
             <a:pPr algn="ctr"/>
-            <a:endParaRPr lang="zh-CN" altLang="en-US"/>
-          </a:p>
-        </p:txBody>
-      </p:sp>
-      <p:sp>
-        <p:nvSpPr>
-          <p:cNvPr id="10" name="矩形 9"/>
-          <p:cNvSpPr/>
-          <p:nvPr/>
-        </p:nvSpPr>
-        <p:spPr>
-          <a:xfrm>
-            <a:off x="845185" y="2642235"/>
-            <a:ext cx="1932305" cy="319405"/>
-          </a:xfrm>
-          <a:prstGeom prst="rect">
-            <a:avLst/>
-          </a:prstGeom>
-          <a:noFill/>
-          <a:ln>
-            <a:solidFill>
-              <a:srgbClr val="FF0000"/>
-            </a:solidFill>
-          </a:ln>
-        </p:spPr>
-        <p:style>
-          <a:lnRef idx="2">
-            <a:schemeClr val="accent1">
-              <a:shade val="50000"/>
-            </a:schemeClr>
-          </a:lnRef>
-          <a:fillRef idx="1">
-            <a:schemeClr val="accent1"/>
-          </a:fillRef>
-          <a:effectRef idx="0">
-            <a:schemeClr val="accent1"/>
-          </a:effectRef>
-          <a:fontRef idx="minor">
-            <a:schemeClr val="lt1"/>
-          </a:fontRef>
-        </p:style>
-        <p:txBody>
-          <a:bodyPr rtlCol="0" anchor="ctr"/>
-          <a:p>
-            <a:pPr algn="ctr"/>
-            <a:endParaRPr lang="zh-CN" altLang="en-US"/>
-          </a:p>
-        </p:txBody>
-      </p:sp>
-      <p:sp>
-        <p:nvSpPr>
-          <p:cNvPr id="12" name="菱形 11"/>
-          <p:cNvSpPr/>
-          <p:nvPr/>
-        </p:nvSpPr>
-        <p:spPr>
-          <a:xfrm>
-            <a:off x="541020" y="3695700"/>
-            <a:ext cx="1913255" cy="1846580"/>
-          </a:xfrm>
-          <a:prstGeom prst="diamond">
-            <a:avLst/>
-          </a:prstGeom>
-        </p:spPr>
-        <p:style>
-          <a:lnRef idx="2">
-            <a:schemeClr val="accent1">
-              <a:shade val="50000"/>
-            </a:schemeClr>
-          </a:lnRef>
-          <a:fillRef idx="1">
-            <a:schemeClr val="accent1"/>
-          </a:fillRef>
-          <a:effectRef idx="0">
-            <a:schemeClr val="accent1"/>
-          </a:effectRef>
-          <a:fontRef idx="minor">
-            <a:schemeClr val="lt1"/>
-          </a:fontRef>
-        </p:style>
-        <p:txBody>
-          <a:bodyPr rtlCol="0" anchor="ctr"/>
-          <a:p>
-            <a:pPr algn="ctr"/>
-            <a:r>
-              <a:rPr lang="zh-CN" altLang="zh-CN" sz="2000"/>
-              <a:t>起步依赖</a:t>
-            </a:r>
-            <a:endParaRPr lang="zh-CN" altLang="zh-CN" sz="2000"/>
-          </a:p>
-        </p:txBody>
-      </p:sp>
-      <p:sp>
-        <p:nvSpPr>
-          <p:cNvPr id="13" name="菱形 12"/>
-          <p:cNvSpPr/>
-          <p:nvPr/>
-        </p:nvSpPr>
-        <p:spPr>
-          <a:xfrm>
-            <a:off x="2042160" y="3695700"/>
-            <a:ext cx="1913255" cy="1846580"/>
-          </a:xfrm>
-          <a:prstGeom prst="diamond">
-            <a:avLst/>
-          </a:prstGeom>
-        </p:spPr>
-        <p:style>
-          <a:lnRef idx="2">
-            <a:schemeClr val="accent1">
-              <a:shade val="50000"/>
-            </a:schemeClr>
-          </a:lnRef>
-          <a:fillRef idx="1">
-            <a:schemeClr val="accent1"/>
-          </a:fillRef>
-          <a:effectRef idx="0">
-            <a:schemeClr val="accent1"/>
-          </a:effectRef>
-          <a:fontRef idx="minor">
-            <a:schemeClr val="lt1"/>
-          </a:fontRef>
-        </p:style>
-        <p:txBody>
-          <a:bodyPr rtlCol="0" anchor="ctr"/>
-          <a:p>
-            <a:pPr algn="ctr"/>
-            <a:r>
-              <a:rPr lang="zh-CN" altLang="zh-CN" sz="2000"/>
-              <a:t>自动配置</a:t>
-            </a:r>
-            <a:endParaRPr lang="zh-CN" altLang="zh-CN" sz="2000"/>
-          </a:p>
-        </p:txBody>
-      </p:sp>
-      <p:sp>
-        <p:nvSpPr>
-          <p:cNvPr id="14" name="菱形 13"/>
-          <p:cNvSpPr/>
-          <p:nvPr/>
-        </p:nvSpPr>
-        <p:spPr>
-          <a:xfrm>
-            <a:off x="3516630" y="3695700"/>
-            <a:ext cx="1913255" cy="1846580"/>
-          </a:xfrm>
-          <a:prstGeom prst="diamond">
-            <a:avLst/>
-          </a:prstGeom>
-        </p:spPr>
-        <p:style>
-          <a:lnRef idx="2">
-            <a:schemeClr val="accent1">
-              <a:shade val="50000"/>
-            </a:schemeClr>
-          </a:lnRef>
-          <a:fillRef idx="1">
-            <a:schemeClr val="accent1"/>
-          </a:fillRef>
-          <a:effectRef idx="0">
-            <a:schemeClr val="accent1"/>
-          </a:effectRef>
-          <a:fontRef idx="minor">
-            <a:schemeClr val="lt1"/>
-          </a:fontRef>
-        </p:style>
-        <p:txBody>
-          <a:bodyPr rtlCol="0" anchor="ctr"/>
-          <a:p>
-            <a:pPr algn="ctr"/>
-            <a:r>
-              <a:rPr lang="zh-CN" altLang="zh-CN" sz="2000"/>
-              <a:t>命令行界面</a:t>
-            </a:r>
-            <a:endParaRPr lang="zh-CN" altLang="zh-CN" sz="2000"/>
-          </a:p>
-        </p:txBody>
-      </p:sp>
-      <p:sp>
-        <p:nvSpPr>
-          <p:cNvPr id="15" name="菱形 14"/>
-          <p:cNvSpPr/>
-          <p:nvPr/>
-        </p:nvSpPr>
-        <p:spPr>
-          <a:xfrm>
-            <a:off x="5012690" y="3695700"/>
-            <a:ext cx="1913255" cy="1846580"/>
-          </a:xfrm>
-          <a:prstGeom prst="diamond">
-            <a:avLst/>
-          </a:prstGeom>
-        </p:spPr>
-        <p:style>
-          <a:lnRef idx="2">
-            <a:schemeClr val="accent1">
-              <a:shade val="50000"/>
-            </a:schemeClr>
-          </a:lnRef>
-          <a:fillRef idx="1">
-            <a:schemeClr val="accent1"/>
-          </a:fillRef>
-          <a:effectRef idx="0">
-            <a:schemeClr val="accent1"/>
-          </a:effectRef>
-          <a:fontRef idx="minor">
-            <a:schemeClr val="lt1"/>
-          </a:fontRef>
-        </p:style>
-        <p:txBody>
-          <a:bodyPr rtlCol="0" anchor="ctr"/>
-          <a:p>
-            <a:pPr algn="ctr"/>
             <a:r>
               <a:rPr lang="en-US" altLang="zh-CN" sz="2400"/>
               <a:t>stand-alone</a:t>
@@ -17545,7 +17411,7 @@
         </p:nvSpPr>
         <p:spPr>
           <a:xfrm>
-            <a:off x="6520180" y="3695700"/>
+            <a:off x="5191125" y="3695700"/>
             <a:ext cx="1913255" cy="1846580"/>
           </a:xfrm>
           <a:prstGeom prst="diamond">
@@ -17622,7 +17488,7 @@
                                           </p:stCondLst>
                                         </p:cTn>
                                         <p:tgtEl>
-                                          <p:spTgt spid="5"/>
+                                          <p:spTgt spid="12"/>
                                         </p:tgtEl>
                                         <p:attrNameLst>
                                           <p:attrName>style.visibility</p:attrName>
@@ -17636,7 +17502,7 @@
                                       <p:cBhvr additive="base">
                                         <p:cTn id="7" dur="500" fill="hold"/>
                                         <p:tgtEl>
-                                          <p:spTgt spid="5"/>
+                                          <p:spTgt spid="12"/>
                                         </p:tgtEl>
                                         <p:attrNameLst>
                                           <p:attrName>ppt_x</p:attrName>
@@ -17659,7 +17525,7 @@
                                       <p:cBhvr additive="base">
                                         <p:cTn id="8" dur="500" fill="hold"/>
                                         <p:tgtEl>
-                                          <p:spTgt spid="5"/>
+                                          <p:spTgt spid="12"/>
                                         </p:tgtEl>
                                         <p:attrNameLst>
                                           <p:attrName>ppt_y</p:attrName>
@@ -17695,7 +17561,7 @@
                                           </p:stCondLst>
                                         </p:cTn>
                                         <p:tgtEl>
-                                          <p:spTgt spid="7"/>
+                                          <p:spTgt spid="13"/>
                                         </p:tgtEl>
                                         <p:attrNameLst>
                                           <p:attrName>style.visibility</p:attrName>
@@ -17709,7 +17575,7 @@
                                       <p:cBhvr additive="base">
                                         <p:cTn id="11" dur="500" fill="hold"/>
                                         <p:tgtEl>
-                                          <p:spTgt spid="7"/>
+                                          <p:spTgt spid="13"/>
                                         </p:tgtEl>
                                         <p:attrNameLst>
                                           <p:attrName>ppt_x</p:attrName>
@@ -17732,7 +17598,7 @@
                                       <p:cBhvr additive="base">
                                         <p:cTn id="12" dur="500" fill="hold"/>
                                         <p:tgtEl>
-                                          <p:spTgt spid="7"/>
+                                          <p:spTgt spid="13"/>
                                         </p:tgtEl>
                                         <p:attrNameLst>
                                           <p:attrName>ppt_y</p:attrName>
@@ -17768,7 +17634,7 @@
                                           </p:stCondLst>
                                         </p:cTn>
                                         <p:tgtEl>
-                                          <p:spTgt spid="9"/>
+                                          <p:spTgt spid="15"/>
                                         </p:tgtEl>
                                         <p:attrNameLst>
                                           <p:attrName>style.visibility</p:attrName>
@@ -17781,389 +17647,6 @@
                                     <p:anim calcmode="lin" valueType="num">
                                       <p:cBhvr additive="base">
                                         <p:cTn id="15" dur="500" fill="hold"/>
-                                        <p:tgtEl>
-                                          <p:spTgt spid="9"/>
-                                        </p:tgtEl>
-                                        <p:attrNameLst>
-                                          <p:attrName>ppt_x</p:attrName>
-                                        </p:attrNameLst>
-                                      </p:cBhvr>
-                                      <p:tavLst>
-                                        <p:tav tm="0">
-                                          <p:val>
-                                            <p:strVal val="#ppt_x"/>
-                                          </p:val>
-                                        </p:tav>
-                                        <p:tav tm="100000">
-                                          <p:val>
-                                            <p:strVal val="#ppt_x"/>
-                                          </p:val>
-                                        </p:tav>
-                                      </p:tavLst>
-                                    </p:anim>
-                                    <p:anim calcmode="lin" valueType="num">
-                                      <p:cBhvr additive="base">
-                                        <p:cTn id="16" dur="500" fill="hold"/>
-                                        <p:tgtEl>
-                                          <p:spTgt spid="9"/>
-                                        </p:tgtEl>
-                                        <p:attrNameLst>
-                                          <p:attrName>ppt_y</p:attrName>
-                                        </p:attrNameLst>
-                                      </p:cBhvr>
-                                      <p:tavLst>
-                                        <p:tav tm="0">
-                                          <p:val>
-                                            <p:strVal val="1+#ppt_h/2"/>
-                                          </p:val>
-                                        </p:tav>
-                                        <p:tav tm="100000">
-                                          <p:val>
-                                            <p:strVal val="#ppt_y"/>
-                                          </p:val>
-                                        </p:tav>
-                                      </p:tavLst>
-                                    </p:anim>
-                                  </p:childTnLst>
-                                </p:cTn>
-                              </p:par>
-                              <p:par>
-                                <p:cTn id="17" presetID="2" presetClass="entr" presetSubtype="4" fill="hold" grpId="0" nodeType="withEffect">
-                                  <p:stCondLst>
-                                    <p:cond delay="0"/>
-                                  </p:stCondLst>
-                                  <p:childTnLst>
-                                    <p:set>
-                                      <p:cBhvr>
-                                        <p:cTn id="18" dur="1" fill="hold">
-                                          <p:stCondLst>
-                                            <p:cond delay="0"/>
-                                          </p:stCondLst>
-                                        </p:cTn>
-                                        <p:tgtEl>
-                                          <p:spTgt spid="10"/>
-                                        </p:tgtEl>
-                                        <p:attrNameLst>
-                                          <p:attrName>style.visibility</p:attrName>
-                                        </p:attrNameLst>
-                                      </p:cBhvr>
-                                      <p:to>
-                                        <p:strVal val="visible"/>
-                                      </p:to>
-                                    </p:set>
-                                    <p:anim calcmode="lin" valueType="num">
-                                      <p:cBhvr additive="base">
-                                        <p:cTn id="19" dur="500" fill="hold"/>
-                                        <p:tgtEl>
-                                          <p:spTgt spid="10"/>
-                                        </p:tgtEl>
-                                        <p:attrNameLst>
-                                          <p:attrName>ppt_x</p:attrName>
-                                        </p:attrNameLst>
-                                      </p:cBhvr>
-                                      <p:tavLst>
-                                        <p:tav tm="0">
-                                          <p:val>
-                                            <p:strVal val="#ppt_x"/>
-                                          </p:val>
-                                        </p:tav>
-                                        <p:tav tm="100000">
-                                          <p:val>
-                                            <p:strVal val="#ppt_x"/>
-                                          </p:val>
-                                        </p:tav>
-                                      </p:tavLst>
-                                    </p:anim>
-                                    <p:anim calcmode="lin" valueType="num">
-                                      <p:cBhvr additive="base">
-                                        <p:cTn id="20" dur="500" fill="hold"/>
-                                        <p:tgtEl>
-                                          <p:spTgt spid="10"/>
-                                        </p:tgtEl>
-                                        <p:attrNameLst>
-                                          <p:attrName>ppt_y</p:attrName>
-                                        </p:attrNameLst>
-                                      </p:cBhvr>
-                                      <p:tavLst>
-                                        <p:tav tm="0">
-                                          <p:val>
-                                            <p:strVal val="1+#ppt_h/2"/>
-                                          </p:val>
-                                        </p:tav>
-                                        <p:tav tm="100000">
-                                          <p:val>
-                                            <p:strVal val="#ppt_y"/>
-                                          </p:val>
-                                        </p:tav>
-                                      </p:tavLst>
-                                    </p:anim>
-                                  </p:childTnLst>
-                                </p:cTn>
-                              </p:par>
-                            </p:childTnLst>
-                          </p:cTn>
-                        </p:par>
-                      </p:childTnLst>
-                    </p:cTn>
-                  </p:par>
-                  <p:par>
-                    <p:cTn id="21" fill="hold">
-                      <p:stCondLst>
-                        <p:cond delay="indefinite"/>
-                      </p:stCondLst>
-                      <p:childTnLst>
-                        <p:par>
-                          <p:cTn id="22" fill="hold">
-                            <p:stCondLst>
-                              <p:cond delay="0"/>
-                            </p:stCondLst>
-                            <p:childTnLst>
-                              <p:par>
-                                <p:cTn id="23" presetID="2" presetClass="entr" presetSubtype="4" fill="hold" grpId="0" nodeType="clickEffect">
-                                  <p:stCondLst>
-                                    <p:cond delay="0"/>
-                                  </p:stCondLst>
-                                  <p:childTnLst>
-                                    <p:set>
-                                      <p:cBhvr>
-                                        <p:cTn id="24" dur="1" fill="hold">
-                                          <p:stCondLst>
-                                            <p:cond delay="0"/>
-                                          </p:stCondLst>
-                                        </p:cTn>
-                                        <p:tgtEl>
-                                          <p:spTgt spid="12"/>
-                                        </p:tgtEl>
-                                        <p:attrNameLst>
-                                          <p:attrName>style.visibility</p:attrName>
-                                        </p:attrNameLst>
-                                      </p:cBhvr>
-                                      <p:to>
-                                        <p:strVal val="visible"/>
-                                      </p:to>
-                                    </p:set>
-                                    <p:anim calcmode="lin" valueType="num">
-                                      <p:cBhvr additive="base">
-                                        <p:cTn id="25" dur="500" fill="hold"/>
-                                        <p:tgtEl>
-                                          <p:spTgt spid="12"/>
-                                        </p:tgtEl>
-                                        <p:attrNameLst>
-                                          <p:attrName>ppt_x</p:attrName>
-                                        </p:attrNameLst>
-                                      </p:cBhvr>
-                                      <p:tavLst>
-                                        <p:tav tm="0">
-                                          <p:val>
-                                            <p:strVal val="#ppt_x"/>
-                                          </p:val>
-                                        </p:tav>
-                                        <p:tav tm="100000">
-                                          <p:val>
-                                            <p:strVal val="#ppt_x"/>
-                                          </p:val>
-                                        </p:tav>
-                                      </p:tavLst>
-                                    </p:anim>
-                                    <p:anim calcmode="lin" valueType="num">
-                                      <p:cBhvr additive="base">
-                                        <p:cTn id="26" dur="500" fill="hold"/>
-                                        <p:tgtEl>
-                                          <p:spTgt spid="12"/>
-                                        </p:tgtEl>
-                                        <p:attrNameLst>
-                                          <p:attrName>ppt_y</p:attrName>
-                                        </p:attrNameLst>
-                                      </p:cBhvr>
-                                      <p:tavLst>
-                                        <p:tav tm="0">
-                                          <p:val>
-                                            <p:strVal val="1+#ppt_h/2"/>
-                                          </p:val>
-                                        </p:tav>
-                                        <p:tav tm="100000">
-                                          <p:val>
-                                            <p:strVal val="#ppt_y"/>
-                                          </p:val>
-                                        </p:tav>
-                                      </p:tavLst>
-                                    </p:anim>
-                                  </p:childTnLst>
-                                </p:cTn>
-                              </p:par>
-                              <p:par>
-                                <p:cTn id="27" presetID="2" presetClass="entr" presetSubtype="4" fill="hold" grpId="0" nodeType="withEffect">
-                                  <p:stCondLst>
-                                    <p:cond delay="0"/>
-                                  </p:stCondLst>
-                                  <p:childTnLst>
-                                    <p:set>
-                                      <p:cBhvr>
-                                        <p:cTn id="28" dur="1" fill="hold">
-                                          <p:stCondLst>
-                                            <p:cond delay="0"/>
-                                          </p:stCondLst>
-                                        </p:cTn>
-                                        <p:tgtEl>
-                                          <p:spTgt spid="13"/>
-                                        </p:tgtEl>
-                                        <p:attrNameLst>
-                                          <p:attrName>style.visibility</p:attrName>
-                                        </p:attrNameLst>
-                                      </p:cBhvr>
-                                      <p:to>
-                                        <p:strVal val="visible"/>
-                                      </p:to>
-                                    </p:set>
-                                    <p:anim calcmode="lin" valueType="num">
-                                      <p:cBhvr additive="base">
-                                        <p:cTn id="29" dur="500" fill="hold"/>
-                                        <p:tgtEl>
-                                          <p:spTgt spid="13"/>
-                                        </p:tgtEl>
-                                        <p:attrNameLst>
-                                          <p:attrName>ppt_x</p:attrName>
-                                        </p:attrNameLst>
-                                      </p:cBhvr>
-                                      <p:tavLst>
-                                        <p:tav tm="0">
-                                          <p:val>
-                                            <p:strVal val="#ppt_x"/>
-                                          </p:val>
-                                        </p:tav>
-                                        <p:tav tm="100000">
-                                          <p:val>
-                                            <p:strVal val="#ppt_x"/>
-                                          </p:val>
-                                        </p:tav>
-                                      </p:tavLst>
-                                    </p:anim>
-                                    <p:anim calcmode="lin" valueType="num">
-                                      <p:cBhvr additive="base">
-                                        <p:cTn id="30" dur="500" fill="hold"/>
-                                        <p:tgtEl>
-                                          <p:spTgt spid="13"/>
-                                        </p:tgtEl>
-                                        <p:attrNameLst>
-                                          <p:attrName>ppt_y</p:attrName>
-                                        </p:attrNameLst>
-                                      </p:cBhvr>
-                                      <p:tavLst>
-                                        <p:tav tm="0">
-                                          <p:val>
-                                            <p:strVal val="1+#ppt_h/2"/>
-                                          </p:val>
-                                        </p:tav>
-                                        <p:tav tm="100000">
-                                          <p:val>
-                                            <p:strVal val="#ppt_y"/>
-                                          </p:val>
-                                        </p:tav>
-                                      </p:tavLst>
-                                    </p:anim>
-                                  </p:childTnLst>
-                                </p:cTn>
-                              </p:par>
-                              <p:par>
-                                <p:cTn id="31" presetID="2" presetClass="entr" presetSubtype="4" fill="hold" grpId="0" nodeType="withEffect">
-                                  <p:stCondLst>
-                                    <p:cond delay="0"/>
-                                  </p:stCondLst>
-                                  <p:childTnLst>
-                                    <p:set>
-                                      <p:cBhvr>
-                                        <p:cTn id="32" dur="1" fill="hold">
-                                          <p:stCondLst>
-                                            <p:cond delay="0"/>
-                                          </p:stCondLst>
-                                        </p:cTn>
-                                        <p:tgtEl>
-                                          <p:spTgt spid="14"/>
-                                        </p:tgtEl>
-                                        <p:attrNameLst>
-                                          <p:attrName>style.visibility</p:attrName>
-                                        </p:attrNameLst>
-                                      </p:cBhvr>
-                                      <p:to>
-                                        <p:strVal val="visible"/>
-                                      </p:to>
-                                    </p:set>
-                                    <p:anim calcmode="lin" valueType="num">
-                                      <p:cBhvr additive="base">
-                                        <p:cTn id="33" dur="500" fill="hold"/>
-                                        <p:tgtEl>
-                                          <p:spTgt spid="14"/>
-                                        </p:tgtEl>
-                                        <p:attrNameLst>
-                                          <p:attrName>ppt_x</p:attrName>
-                                        </p:attrNameLst>
-                                      </p:cBhvr>
-                                      <p:tavLst>
-                                        <p:tav tm="0">
-                                          <p:val>
-                                            <p:strVal val="#ppt_x"/>
-                                          </p:val>
-                                        </p:tav>
-                                        <p:tav tm="100000">
-                                          <p:val>
-                                            <p:strVal val="#ppt_x"/>
-                                          </p:val>
-                                        </p:tav>
-                                      </p:tavLst>
-                                    </p:anim>
-                                    <p:anim calcmode="lin" valueType="num">
-                                      <p:cBhvr additive="base">
-                                        <p:cTn id="34" dur="500" fill="hold"/>
-                                        <p:tgtEl>
-                                          <p:spTgt spid="14"/>
-                                        </p:tgtEl>
-                                        <p:attrNameLst>
-                                          <p:attrName>ppt_y</p:attrName>
-                                        </p:attrNameLst>
-                                      </p:cBhvr>
-                                      <p:tavLst>
-                                        <p:tav tm="0">
-                                          <p:val>
-                                            <p:strVal val="1+#ppt_h/2"/>
-                                          </p:val>
-                                        </p:tav>
-                                        <p:tav tm="100000">
-                                          <p:val>
-                                            <p:strVal val="#ppt_y"/>
-                                          </p:val>
-                                        </p:tav>
-                                      </p:tavLst>
-                                    </p:anim>
-                                  </p:childTnLst>
-                                </p:cTn>
-                              </p:par>
-                              <p:par>
-                                <p:cTn id="35" presetID="2" presetClass="entr" presetSubtype="4" fill="hold" grpId="0" nodeType="withEffect">
-                                  <p:stCondLst>
-                                    <p:cond delay="0"/>
-                                  </p:stCondLst>
-                                  <p:childTnLst>
-                                    <p:set>
-                                      <p:cBhvr>
-                                        <p:cTn id="36" dur="1" fill="hold">
-                                          <p:stCondLst>
-                                            <p:cond delay="0"/>
-                                          </p:stCondLst>
-                                        </p:cTn>
-                                        <p:tgtEl>
-                                          <p:spTgt spid="15"/>
-                                        </p:tgtEl>
-                                        <p:attrNameLst>
-                                          <p:attrName>style.visibility</p:attrName>
-                                        </p:attrNameLst>
-                                      </p:cBhvr>
-                                      <p:to>
-                                        <p:strVal val="visible"/>
-                                      </p:to>
-                                    </p:set>
-                                    <p:anim calcmode="lin" valueType="num">
-                                      <p:cBhvr additive="base">
-                                        <p:cTn id="37" dur="500" fill="hold"/>
                                         <p:tgtEl>
                                           <p:spTgt spid="15"/>
                                         </p:tgtEl>
@@ -18186,7 +17669,7 @@
                                     </p:anim>
                                     <p:anim calcmode="lin" valueType="num">
                                       <p:cBhvr additive="base">
-                                        <p:cTn id="38" dur="500" fill="hold"/>
+                                        <p:cTn id="16" dur="500" fill="hold"/>
                                         <p:tgtEl>
                                           <p:spTgt spid="15"/>
                                         </p:tgtEl>
@@ -18217,26 +17700,26 @@
                     </p:cTn>
                   </p:par>
                   <p:par>
-                    <p:cTn id="39" fill="hold">
+                    <p:cTn id="17" fill="hold">
                       <p:stCondLst>
                         <p:cond delay="indefinite"/>
                       </p:stCondLst>
                       <p:childTnLst>
                         <p:par>
-                          <p:cTn id="40" fill="hold">
+                          <p:cTn id="18" fill="hold">
                             <p:stCondLst>
                               <p:cond delay="0"/>
                             </p:stCondLst>
                             <p:childTnLst>
                               <p:par>
-                                <p:cTn id="41" presetID="2" presetClass="entr" presetSubtype="4" fill="hold" grpId="1" nodeType="clickEffect">
+                                <p:cTn id="19" presetID="2" presetClass="entr" presetSubtype="4" fill="hold" grpId="1" nodeType="clickEffect">
                                   <p:stCondLst>
                                     <p:cond delay="0"/>
                                   </p:stCondLst>
                                   <p:childTnLst>
                                     <p:set>
                                       <p:cBhvr>
-                                        <p:cTn id="42" dur="1" fill="hold">
+                                        <p:cTn id="20" dur="1" fill="hold">
                                           <p:stCondLst>
                                             <p:cond delay="0"/>
                                           </p:stCondLst>
@@ -18254,7 +17737,7 @@
                                     </p:set>
                                     <p:anim calcmode="lin" valueType="num">
                                       <p:cBhvr additive="base">
-                                        <p:cTn id="43" dur="500" fill="hold"/>
+                                        <p:cTn id="21" dur="500" fill="hold"/>
                                         <p:tgtEl>
                                           <p:spTgt spid="16"/>
                                         </p:tgtEl>
@@ -18277,7 +17760,7 @@
                                     </p:anim>
                                     <p:anim calcmode="lin" valueType="num">
                                       <p:cBhvr additive="base">
-                                        <p:cTn id="44" dur="500" fill="hold"/>
+                                        <p:cTn id="22" dur="500" fill="hold"/>
                                         <p:tgtEl>
                                           <p:spTgt spid="16"/>
                                         </p:tgtEl>
@@ -18329,13 +17812,8 @@
       </p:par>
     </p:tnLst>
     <p:bldLst>
-      <p:bldP spid="5" grpId="0" animBg="1"/>
-      <p:bldP spid="7" grpId="0" animBg="1"/>
-      <p:bldP spid="9" grpId="0" animBg="1"/>
-      <p:bldP spid="10" grpId="0" animBg="1"/>
       <p:bldP spid="12" grpId="0" bldLvl="0" animBg="1"/>
       <p:bldP spid="13" grpId="0" bldLvl="0" animBg="1"/>
-      <p:bldP spid="14" grpId="0" bldLvl="0" animBg="1"/>
       <p:bldP spid="15" grpId="0" bldLvl="0" animBg="1"/>
       <p:bldP spid="16" grpId="1" bldLvl="0" animBg="1"/>
     </p:bldLst>

--- a/Spring.pptx
+++ b/Spring.pptx
@@ -13011,9 +13011,70 @@
           </a:p>
         </p:txBody>
       </p:sp>
+      <p:sp>
+        <p:nvSpPr>
+          <p:cNvPr id="3" name="文本框 2"/>
+          <p:cNvSpPr txBox="1"/>
+          <p:nvPr/>
+        </p:nvSpPr>
+        <p:spPr>
+          <a:xfrm>
+            <a:off x="2755900" y="5638165"/>
+            <a:ext cx="3979545" cy="306705"/>
+          </a:xfrm>
+          <a:prstGeom prst="rect">
+            <a:avLst/>
+          </a:prstGeom>
+          <a:noFill/>
+        </p:spPr>
+        <p:txBody>
+          <a:bodyPr wrap="square" rtlCol="0" anchor="t">
+            <a:spAutoFit/>
+          </a:bodyPr>
+          <a:p>
+            <a:r>
+              <a:rPr lang="zh-CN" altLang="zh-CN" sz="1400" dirty="0">
+                <a:solidFill>
+                  <a:prstClr val="black"/>
+                </a:solidFill>
+                <a:latin typeface="微软雅黑" panose="020B0503020204020204" charset="-122"/>
+                <a:ea typeface="微软雅黑" panose="020B0503020204020204" charset="-122"/>
+              </a:rPr>
+              <a:t>基于</a:t>
+            </a:r>
+            <a:r>
+              <a:rPr lang="en-US" altLang="zh-CN" sz="1400" dirty="0">
+                <a:solidFill>
+                  <a:prstClr val="black"/>
+                </a:solidFill>
+                <a:latin typeface="微软雅黑" panose="020B0503020204020204" charset="-122"/>
+                <a:ea typeface="微软雅黑" panose="020B0503020204020204" charset="-122"/>
+              </a:rPr>
+              <a:t>Spring Cloud</a:t>
+            </a:r>
+            <a:r>
+              <a:rPr lang="zh-CN" altLang="zh-CN" sz="1400" dirty="0">
+                <a:solidFill>
+                  <a:prstClr val="black"/>
+                </a:solidFill>
+                <a:latin typeface="微软雅黑" panose="020B0503020204020204" charset="-122"/>
+                <a:ea typeface="微软雅黑" panose="020B0503020204020204" charset="-122"/>
+              </a:rPr>
+              <a:t>分布式系统架构</a:t>
+            </a:r>
+            <a:endParaRPr lang="zh-CN" altLang="zh-CN" sz="1400" dirty="0">
+              <a:solidFill>
+                <a:prstClr val="black"/>
+              </a:solidFill>
+              <a:latin typeface="微软雅黑" panose="020B0503020204020204" charset="-122"/>
+              <a:ea typeface="微软雅黑" panose="020B0503020204020204" charset="-122"/>
+            </a:endParaRPr>
+          </a:p>
+        </p:txBody>
+      </p:sp>
       <p:pic>
         <p:nvPicPr>
-          <p:cNvPr id="2" name="图片 1" descr="spring cloud"/>
+          <p:cNvPr id="4" name="图片 3" descr="spring-cloud_meitu_1"/>
           <p:cNvPicPr>
             <a:picLocks noChangeAspect="1"/>
           </p:cNvPicPr>
@@ -13027,75 +13088,14 @@
         </p:blipFill>
         <p:spPr>
           <a:xfrm>
-            <a:off x="135255" y="950595"/>
-            <a:ext cx="8590280" cy="4390390"/>
+            <a:off x="1111885" y="841375"/>
+            <a:ext cx="6636385" cy="4628515"/>
           </a:xfrm>
           <a:prstGeom prst="rect">
             <a:avLst/>
           </a:prstGeom>
         </p:spPr>
       </p:pic>
-      <p:sp>
-        <p:nvSpPr>
-          <p:cNvPr id="3" name="文本框 2"/>
-          <p:cNvSpPr txBox="1"/>
-          <p:nvPr/>
-        </p:nvSpPr>
-        <p:spPr>
-          <a:xfrm>
-            <a:off x="2755900" y="5638165"/>
-            <a:ext cx="3979545" cy="368300"/>
-          </a:xfrm>
-          <a:prstGeom prst="rect">
-            <a:avLst/>
-          </a:prstGeom>
-          <a:noFill/>
-        </p:spPr>
-        <p:txBody>
-          <a:bodyPr wrap="square" rtlCol="0" anchor="t">
-            <a:spAutoFit/>
-          </a:bodyPr>
-          <a:p>
-            <a:r>
-              <a:rPr lang="zh-CN" altLang="zh-CN" dirty="0">
-                <a:solidFill>
-                  <a:prstClr val="black"/>
-                </a:solidFill>
-                <a:latin typeface="微软雅黑" panose="020B0503020204020204" charset="-122"/>
-                <a:ea typeface="微软雅黑" panose="020B0503020204020204" charset="-122"/>
-              </a:rPr>
-              <a:t>基于</a:t>
-            </a:r>
-            <a:r>
-              <a:rPr lang="en-US" altLang="zh-CN" dirty="0">
-                <a:solidFill>
-                  <a:prstClr val="black"/>
-                </a:solidFill>
-                <a:latin typeface="微软雅黑" panose="020B0503020204020204" charset="-122"/>
-                <a:ea typeface="微软雅黑" panose="020B0503020204020204" charset="-122"/>
-              </a:rPr>
-              <a:t>Spring Cloud</a:t>
-            </a:r>
-            <a:r>
-              <a:rPr lang="zh-CN" altLang="zh-CN" dirty="0">
-                <a:solidFill>
-                  <a:prstClr val="black"/>
-                </a:solidFill>
-                <a:latin typeface="微软雅黑" panose="020B0503020204020204" charset="-122"/>
-                <a:ea typeface="微软雅黑" panose="020B0503020204020204" charset="-122"/>
-              </a:rPr>
-              <a:t>分布式系统架构</a:t>
-            </a:r>
-            <a:endParaRPr lang="zh-CN" altLang="zh-CN" dirty="0">
-              <a:solidFill>
-                <a:prstClr val="black"/>
-              </a:solidFill>
-              <a:latin typeface="微软雅黑" panose="020B0503020204020204" charset="-122"/>
-              <a:ea typeface="微软雅黑" panose="020B0503020204020204" charset="-122"/>
-            </a:endParaRPr>
-          </a:p>
-        </p:txBody>
-      </p:sp>
     </p:spTree>
   </p:cSld>
   <p:clrMapOvr>
@@ -19316,7 +19316,7 @@
         </p:nvSpPr>
         <p:spPr>
           <a:xfrm>
-            <a:off x="341630" y="4639945"/>
+            <a:off x="253365" y="4639945"/>
             <a:ext cx="2881630" cy="1649730"/>
           </a:xfrm>
           <a:prstGeom prst="roundRect">
